--- a/세미나 자료/C++ 세미나 두 번째.pptx
+++ b/세미나 자료/C++ 세미나 두 번째.pptx
@@ -6305,29 +6305,7 @@
                 <a:ea typeface="LG Smart UI Regular" panose="020B0500000101010101" pitchFamily="50" charset="-127"/>
                 <a:cs typeface="KoPubWorld바탕체 Bold" panose="00000800000000000000" pitchFamily="2" charset="-127"/>
               </a:rPr>
-              <a:t>Chapter </a:t>
-            </a:r>
-            <a:r>
-              <a:rPr lang="en-US" altLang="ko-KR" sz="2200" dirty="0" smtClean="0">
-                <a:solidFill>
-                  <a:schemeClr val="tx1"/>
-                </a:solidFill>
-                <a:latin typeface="LG Smart UI Regular" panose="020B0500000101010101" pitchFamily="50" charset="-127"/>
-                <a:ea typeface="LG Smart UI Regular" panose="020B0500000101010101" pitchFamily="50" charset="-127"/>
-                <a:cs typeface="KoPubWorld바탕체 Bold" panose="00000800000000000000" pitchFamily="2" charset="-127"/>
-              </a:rPr>
-              <a:t>40</a:t>
-            </a:r>
-            <a:r>
-              <a:rPr lang="en-US" altLang="ko-KR" sz="2200" dirty="0" smtClean="0">
-                <a:solidFill>
-                  <a:schemeClr val="tx1"/>
-                </a:solidFill>
-                <a:latin typeface="LG Smart UI Regular" panose="020B0500000101010101" pitchFamily="50" charset="-127"/>
-                <a:ea typeface="LG Smart UI Regular" panose="020B0500000101010101" pitchFamily="50" charset="-127"/>
-                <a:cs typeface="KoPubWorld바탕체 Bold" panose="00000800000000000000" pitchFamily="2" charset="-127"/>
-              </a:rPr>
-              <a:t>. </a:t>
+              <a:t>Chapter 40. </a:t>
             </a:r>
             <a:r>
               <a:rPr lang="ko-KR" altLang="en-US" sz="2200" dirty="0" smtClean="0">
@@ -7076,29 +7054,7 @@
                 <a:ea typeface="LG Smart UI Regular" panose="020B0500000101010101" pitchFamily="50" charset="-127"/>
                 <a:cs typeface="KoPubWorld바탕체 Bold" panose="00000800000000000000" pitchFamily="2" charset="-127"/>
               </a:rPr>
-              <a:t>Chapter </a:t>
-            </a:r>
-            <a:r>
-              <a:rPr lang="en-US" altLang="ko-KR" sz="2200" dirty="0" smtClean="0">
-                <a:solidFill>
-                  <a:schemeClr val="tx1"/>
-                </a:solidFill>
-                <a:latin typeface="LG Smart UI Regular" panose="020B0500000101010101" pitchFamily="50" charset="-127"/>
-                <a:ea typeface="LG Smart UI Regular" panose="020B0500000101010101" pitchFamily="50" charset="-127"/>
-                <a:cs typeface="KoPubWorld바탕체 Bold" panose="00000800000000000000" pitchFamily="2" charset="-127"/>
-              </a:rPr>
-              <a:t>41</a:t>
-            </a:r>
-            <a:r>
-              <a:rPr lang="en-US" altLang="ko-KR" sz="2200" dirty="0" smtClean="0">
-                <a:solidFill>
-                  <a:schemeClr val="tx1"/>
-                </a:solidFill>
-                <a:latin typeface="LG Smart UI Regular" panose="020B0500000101010101" pitchFamily="50" charset="-127"/>
-                <a:ea typeface="LG Smart UI Regular" panose="020B0500000101010101" pitchFamily="50" charset="-127"/>
-                <a:cs typeface="KoPubWorld바탕체 Bold" panose="00000800000000000000" pitchFamily="2" charset="-127"/>
-              </a:rPr>
-              <a:t>. </a:t>
+              <a:t>Chapter 41. </a:t>
             </a:r>
             <a:r>
               <a:rPr lang="ko-KR" altLang="en-US" sz="2200" dirty="0" smtClean="0">
@@ -7914,29 +7870,7 @@
                 <a:ea typeface="LG Smart UI Regular" panose="020B0500000101010101" pitchFamily="50" charset="-127"/>
                 <a:cs typeface="KoPubWorld바탕체 Bold" panose="00000800000000000000" pitchFamily="2" charset="-127"/>
               </a:rPr>
-              <a:t>Chapter </a:t>
-            </a:r>
-            <a:r>
-              <a:rPr lang="en-US" altLang="ko-KR" sz="2200" dirty="0" smtClean="0">
-                <a:solidFill>
-                  <a:schemeClr val="tx1"/>
-                </a:solidFill>
-                <a:latin typeface="LG Smart UI Regular" panose="020B0500000101010101" pitchFamily="50" charset="-127"/>
-                <a:ea typeface="LG Smart UI Regular" panose="020B0500000101010101" pitchFamily="50" charset="-127"/>
-                <a:cs typeface="KoPubWorld바탕체 Bold" panose="00000800000000000000" pitchFamily="2" charset="-127"/>
-              </a:rPr>
-              <a:t>42</a:t>
-            </a:r>
-            <a:r>
-              <a:rPr lang="en-US" altLang="ko-KR" sz="2200" dirty="0" smtClean="0">
-                <a:solidFill>
-                  <a:schemeClr val="tx1"/>
-                </a:solidFill>
-                <a:latin typeface="LG Smart UI Regular" panose="020B0500000101010101" pitchFamily="50" charset="-127"/>
-                <a:ea typeface="LG Smart UI Regular" panose="020B0500000101010101" pitchFamily="50" charset="-127"/>
-                <a:cs typeface="KoPubWorld바탕체 Bold" panose="00000800000000000000" pitchFamily="2" charset="-127"/>
-              </a:rPr>
-              <a:t>. </a:t>
+              <a:t>Chapter 42. </a:t>
             </a:r>
             <a:r>
               <a:rPr lang="ko-KR" altLang="en-US" sz="2200" dirty="0" smtClean="0">
@@ -9168,18 +9102,7 @@
                 <a:ea typeface="LG Smart UI Regular" panose="020B0500000101010101" pitchFamily="50" charset="-127"/>
                 <a:cs typeface="KoPubWorld바탕체 Bold" panose="00000800000000000000" pitchFamily="2" charset="-127"/>
               </a:rPr>
-              <a:t>Chapter </a:t>
-            </a:r>
-            <a:r>
-              <a:rPr lang="en-US" altLang="ko-KR" sz="2200" dirty="0" smtClean="0">
-                <a:solidFill>
-                  <a:schemeClr val="tx1"/>
-                </a:solidFill>
-                <a:latin typeface="LG Smart UI Regular" panose="020B0500000101010101" pitchFamily="50" charset="-127"/>
-                <a:ea typeface="LG Smart UI Regular" panose="020B0500000101010101" pitchFamily="50" charset="-127"/>
-                <a:cs typeface="KoPubWorld바탕체 Bold" panose="00000800000000000000" pitchFamily="2" charset="-127"/>
-              </a:rPr>
-              <a:t>43 ~ 44 </a:t>
+              <a:t>Chapter 43 ~ 44 </a:t>
             </a:r>
             <a:r>
               <a:rPr lang="ko-KR" altLang="en-US" sz="2200" dirty="0" smtClean="0">
@@ -10288,18 +10211,7 @@
                 <a:ea typeface="LG Smart UI Regular" panose="020B0500000101010101" pitchFamily="50" charset="-127"/>
                 <a:cs typeface="KoPubWorld바탕체 Bold" panose="00000800000000000000" pitchFamily="2" charset="-127"/>
               </a:rPr>
-              <a:t>Chapter </a:t>
-            </a:r>
-            <a:r>
-              <a:rPr lang="en-US" altLang="ko-KR" sz="2200" dirty="0" smtClean="0">
-                <a:solidFill>
-                  <a:schemeClr val="tx1"/>
-                </a:solidFill>
-                <a:latin typeface="LG Smart UI Regular" panose="020B0500000101010101" pitchFamily="50" charset="-127"/>
-                <a:ea typeface="LG Smart UI Regular" panose="020B0500000101010101" pitchFamily="50" charset="-127"/>
-                <a:cs typeface="KoPubWorld바탕체 Bold" panose="00000800000000000000" pitchFamily="2" charset="-127"/>
-              </a:rPr>
-              <a:t>45. </a:t>
+              <a:t>Chapter 45. </a:t>
             </a:r>
             <a:r>
               <a:rPr lang="ko-KR" altLang="en-US" sz="2200" dirty="0">
@@ -10832,18 +10744,7 @@
                 <a:ea typeface="LG Smart UI Regular" panose="020B0500000101010101" pitchFamily="50" charset="-127"/>
                 <a:cs typeface="KoPubWorld바탕체 Bold" panose="00000800000000000000" pitchFamily="2" charset="-127"/>
               </a:rPr>
-              <a:t>Chapter </a:t>
-            </a:r>
-            <a:r>
-              <a:rPr lang="en-US" altLang="ko-KR" sz="2200" dirty="0" smtClean="0">
-                <a:solidFill>
-                  <a:schemeClr val="tx1"/>
-                </a:solidFill>
-                <a:latin typeface="LG Smart UI Regular" panose="020B0500000101010101" pitchFamily="50" charset="-127"/>
-                <a:ea typeface="LG Smart UI Regular" panose="020B0500000101010101" pitchFamily="50" charset="-127"/>
-                <a:cs typeface="KoPubWorld바탕체 Bold" panose="00000800000000000000" pitchFamily="2" charset="-127"/>
-              </a:rPr>
-              <a:t>46. </a:t>
+              <a:t>Chapter 46. </a:t>
             </a:r>
             <a:r>
               <a:rPr lang="ko-KR" altLang="en-US" sz="2200" dirty="0" smtClean="0">
@@ -11665,18 +11566,7 @@
                 <a:ea typeface="LG Smart UI Regular" panose="020B0500000101010101" pitchFamily="50" charset="-127"/>
                 <a:cs typeface="KoPubWorld바탕체 Bold" panose="00000800000000000000" pitchFamily="2" charset="-127"/>
               </a:rPr>
-              <a:t>Chapter </a:t>
-            </a:r>
-            <a:r>
-              <a:rPr lang="en-US" altLang="ko-KR" sz="2200" dirty="0" smtClean="0">
-                <a:solidFill>
-                  <a:schemeClr val="tx1"/>
-                </a:solidFill>
-                <a:latin typeface="LG Smart UI Regular" panose="020B0500000101010101" pitchFamily="50" charset="-127"/>
-                <a:ea typeface="LG Smart UI Regular" panose="020B0500000101010101" pitchFamily="50" charset="-127"/>
-                <a:cs typeface="KoPubWorld바탕체 Bold" panose="00000800000000000000" pitchFamily="2" charset="-127"/>
-              </a:rPr>
-              <a:t>47. </a:t>
+              <a:t>Chapter 47. </a:t>
             </a:r>
             <a:r>
               <a:rPr lang="ko-KR" altLang="en-US" sz="2200" dirty="0" smtClean="0">
@@ -12192,18 +12082,7 @@
                 <a:ea typeface="LG Smart UI Regular" panose="020B0500000101010101" pitchFamily="50" charset="-127"/>
                 <a:cs typeface="KoPubWorld바탕체 Bold" panose="00000800000000000000" pitchFamily="2" charset="-127"/>
               </a:rPr>
-              <a:t>Chapter </a:t>
-            </a:r>
-            <a:r>
-              <a:rPr lang="en-US" altLang="ko-KR" sz="2200" dirty="0" smtClean="0">
-                <a:solidFill>
-                  <a:schemeClr val="tx1"/>
-                </a:solidFill>
-                <a:latin typeface="LG Smart UI Regular" panose="020B0500000101010101" pitchFamily="50" charset="-127"/>
-                <a:ea typeface="LG Smart UI Regular" panose="020B0500000101010101" pitchFamily="50" charset="-127"/>
-                <a:cs typeface="KoPubWorld바탕체 Bold" panose="00000800000000000000" pitchFamily="2" charset="-127"/>
-              </a:rPr>
-              <a:t>48. </a:t>
+              <a:t>Chapter 48. </a:t>
             </a:r>
             <a:r>
               <a:rPr lang="ko-KR" altLang="en-US" sz="2200" dirty="0" smtClean="0">
@@ -14978,18 +14857,7 @@
                 <a:ea typeface="LG Smart UI Regular" panose="020B0500000101010101" pitchFamily="50" charset="-127"/>
                 <a:cs typeface="KoPubWorld바탕체 Bold" panose="00000800000000000000" pitchFamily="2" charset="-127"/>
               </a:rPr>
-              <a:t>Chapter </a:t>
-            </a:r>
-            <a:r>
-              <a:rPr lang="en-US" altLang="ko-KR" sz="1800" dirty="0" smtClean="0">
-                <a:solidFill>
-                  <a:schemeClr val="tx1"/>
-                </a:solidFill>
-                <a:latin typeface="LG Smart UI Regular" panose="020B0500000101010101" pitchFamily="50" charset="-127"/>
-                <a:ea typeface="LG Smart UI Regular" panose="020B0500000101010101" pitchFamily="50" charset="-127"/>
-                <a:cs typeface="KoPubWorld바탕체 Bold" panose="00000800000000000000" pitchFamily="2" charset="-127"/>
-              </a:rPr>
-              <a:t>103. </a:t>
+              <a:t>Chapter 103. </a:t>
             </a:r>
             <a:r>
               <a:rPr lang="ko-KR" altLang="en-US" sz="1800" dirty="0" smtClean="0">
@@ -22319,66 +22187,73 @@
                 <a:latin typeface="LG Smart UI Regular" panose="020B0500000101010101" pitchFamily="50" charset="-127"/>
                 <a:ea typeface="LG Smart UI Regular" panose="020B0500000101010101" pitchFamily="50" charset="-127"/>
               </a:rPr>
-              <a:t>	Func1(year); // year </a:t>
-            </a:r>
-            <a:r>
-              <a:rPr lang="ko-KR" altLang="en-US" sz="1225" dirty="0" smtClean="0">
+              <a:t>	Func1(year); </a:t>
+            </a:r>
+            <a:r>
+              <a:rPr lang="en-US" altLang="ko-KR" sz="1225" b="1" dirty="0" smtClean="0">
+                <a:latin typeface="LG Smart UI Regular" panose="020B0500000101010101" pitchFamily="50" charset="-127"/>
+                <a:ea typeface="LG Smart UI Regular" panose="020B0500000101010101" pitchFamily="50" charset="-127"/>
+              </a:rPr>
+              <a:t>// year </a:t>
+            </a:r>
+            <a:r>
+              <a:rPr lang="ko-KR" altLang="en-US" sz="1225" b="1" dirty="0" smtClean="0">
                 <a:latin typeface="LG Smart UI Regular" panose="020B0500000101010101" pitchFamily="50" charset="-127"/>
                 <a:ea typeface="LG Smart UI Regular" panose="020B0500000101010101" pitchFamily="50" charset="-127"/>
               </a:rPr>
               <a:t>값을 인자로 넘겨줌과 동시에 내부적으로 복사를 해 온다</a:t>
             </a:r>
             <a:r>
-              <a:rPr lang="en-US" altLang="ko-KR" sz="1225" dirty="0" smtClean="0">
+              <a:rPr lang="en-US" altLang="ko-KR" sz="1225" b="1" dirty="0" smtClean="0">
                 <a:latin typeface="LG Smart UI Regular" panose="020B0500000101010101" pitchFamily="50" charset="-127"/>
                 <a:ea typeface="LG Smart UI Regular" panose="020B0500000101010101" pitchFamily="50" charset="-127"/>
               </a:rPr>
               <a:t>. </a:t>
             </a:r>
             <a:r>
-              <a:rPr lang="ko-KR" altLang="en-US" sz="1225" dirty="0" smtClean="0">
+              <a:rPr lang="ko-KR" altLang="en-US" sz="1225" b="1" dirty="0" smtClean="0">
                 <a:latin typeface="LG Smart UI Regular" panose="020B0500000101010101" pitchFamily="50" charset="-127"/>
                 <a:ea typeface="LG Smart UI Regular" panose="020B0500000101010101" pitchFamily="50" charset="-127"/>
               </a:rPr>
               <a:t>그러므로 </a:t>
             </a:r>
             <a:r>
-              <a:rPr lang="en-US" altLang="ko-KR" sz="1225" dirty="0" smtClean="0">
+              <a:rPr lang="en-US" altLang="ko-KR" sz="1225" b="1" dirty="0" smtClean="0">
                 <a:latin typeface="LG Smart UI Regular" panose="020B0500000101010101" pitchFamily="50" charset="-127"/>
                 <a:ea typeface="LG Smart UI Regular" panose="020B0500000101010101" pitchFamily="50" charset="-127"/>
               </a:rPr>
               <a:t>year </a:t>
             </a:r>
             <a:r>
-              <a:rPr lang="ko-KR" altLang="en-US" sz="1225" dirty="0" smtClean="0">
+              <a:rPr lang="ko-KR" altLang="en-US" sz="1225" b="1" dirty="0" smtClean="0">
                 <a:latin typeface="LG Smart UI Regular" panose="020B0500000101010101" pitchFamily="50" charset="-127"/>
                 <a:ea typeface="LG Smart UI Regular" panose="020B0500000101010101" pitchFamily="50" charset="-127"/>
               </a:rPr>
               <a:t>변수는 </a:t>
             </a:r>
             <a:r>
-              <a:rPr lang="en-US" altLang="ko-KR" sz="1225" dirty="0" err="1" smtClean="0">
+              <a:rPr lang="en-US" altLang="ko-KR" sz="1225" b="1" dirty="0" err="1" smtClean="0">
                 <a:latin typeface="LG Smart UI Regular" panose="020B0500000101010101" pitchFamily="50" charset="-127"/>
                 <a:ea typeface="LG Smart UI Regular" panose="020B0500000101010101" pitchFamily="50" charset="-127"/>
               </a:rPr>
               <a:t>Func</a:t>
             </a:r>
             <a:r>
-              <a:rPr lang="en-US" altLang="ko-KR" sz="1225" dirty="0" smtClean="0">
+              <a:rPr lang="en-US" altLang="ko-KR" sz="1225" b="1" dirty="0" smtClean="0">
                 <a:latin typeface="LG Smart UI Regular" panose="020B0500000101010101" pitchFamily="50" charset="-127"/>
                 <a:ea typeface="LG Smart UI Regular" panose="020B0500000101010101" pitchFamily="50" charset="-127"/>
               </a:rPr>
               <a:t> 	</a:t>
             </a:r>
             <a:r>
-              <a:rPr lang="ko-KR" altLang="en-US" sz="1225" dirty="0" smtClean="0">
+              <a:rPr lang="ko-KR" altLang="en-US" sz="1225" b="1" dirty="0" smtClean="0">
                 <a:latin typeface="LG Smart UI Regular" panose="020B0500000101010101" pitchFamily="50" charset="-127"/>
                 <a:ea typeface="LG Smart UI Regular" panose="020B0500000101010101" pitchFamily="50" charset="-127"/>
               </a:rPr>
               <a:t>함수에 있는 복사 값과 같지 않다</a:t>
             </a:r>
             <a:r>
-              <a:rPr lang="en-US" altLang="ko-KR" sz="1225" dirty="0" smtClean="0">
+              <a:rPr lang="en-US" altLang="ko-KR" sz="1225" b="1" dirty="0" smtClean="0">
                 <a:latin typeface="LG Smart UI Regular" panose="020B0500000101010101" pitchFamily="50" charset="-127"/>
                 <a:ea typeface="LG Smart UI Regular" panose="020B0500000101010101" pitchFamily="50" charset="-127"/>
               </a:rPr>
@@ -22423,178 +22298,185 @@
                 <a:latin typeface="LG Smart UI Regular" panose="020B0500000101010101" pitchFamily="50" charset="-127"/>
                 <a:ea typeface="LG Smart UI Regular" panose="020B0500000101010101" pitchFamily="50" charset="-127"/>
               </a:rPr>
-              <a:t>Func2(&amp;year); // Call by Value </a:t>
-            </a:r>
-            <a:r>
-              <a:rPr lang="ko-KR" altLang="en-US" sz="1225" dirty="0" smtClean="0">
+              <a:t>Func2(&amp;year</a:t>
+            </a:r>
+            <a:r>
+              <a:rPr lang="en-US" altLang="ko-KR" sz="1225" b="1" dirty="0" smtClean="0">
+                <a:latin typeface="LG Smart UI Regular" panose="020B0500000101010101" pitchFamily="50" charset="-127"/>
+                <a:ea typeface="LG Smart UI Regular" panose="020B0500000101010101" pitchFamily="50" charset="-127"/>
+              </a:rPr>
+              <a:t>); // Call by Value </a:t>
+            </a:r>
+            <a:r>
+              <a:rPr lang="ko-KR" altLang="en-US" sz="1225" b="1" dirty="0" smtClean="0">
                 <a:latin typeface="LG Smart UI Regular" panose="020B0500000101010101" pitchFamily="50" charset="-127"/>
                 <a:ea typeface="LG Smart UI Regular" panose="020B0500000101010101" pitchFamily="50" charset="-127"/>
               </a:rPr>
               <a:t>처럼 단순히 주소를 복사해서 </a:t>
             </a:r>
             <a:r>
-              <a:rPr lang="en-US" altLang="ko-KR" sz="1225" dirty="0" smtClean="0">
+              <a:rPr lang="en-US" altLang="ko-KR" sz="1225" b="1" dirty="0" smtClean="0">
                 <a:latin typeface="LG Smart UI Regular" panose="020B0500000101010101" pitchFamily="50" charset="-127"/>
                 <a:ea typeface="LG Smart UI Regular" panose="020B0500000101010101" pitchFamily="50" charset="-127"/>
               </a:rPr>
               <a:t>‘</a:t>
             </a:r>
             <a:r>
-              <a:rPr lang="ko-KR" altLang="en-US" sz="1225" dirty="0" smtClean="0">
+              <a:rPr lang="ko-KR" altLang="en-US" sz="1225" b="1" dirty="0" smtClean="0">
                 <a:latin typeface="LG Smart UI Regular" panose="020B0500000101010101" pitchFamily="50" charset="-127"/>
                 <a:ea typeface="LG Smart UI Regular" panose="020B0500000101010101" pitchFamily="50" charset="-127"/>
               </a:rPr>
               <a:t>값</a:t>
             </a:r>
             <a:r>
-              <a:rPr lang="en-US" altLang="ko-KR" sz="1225" dirty="0" smtClean="0">
+              <a:rPr lang="en-US" altLang="ko-KR" sz="1225" b="1" dirty="0" smtClean="0">
                 <a:latin typeface="LG Smart UI Regular" panose="020B0500000101010101" pitchFamily="50" charset="-127"/>
                 <a:ea typeface="LG Smart UI Regular" panose="020B0500000101010101" pitchFamily="50" charset="-127"/>
               </a:rPr>
               <a:t>’</a:t>
             </a:r>
             <a:r>
-              <a:rPr lang="ko-KR" altLang="en-US" sz="1225" dirty="0" smtClean="0">
+              <a:rPr lang="ko-KR" altLang="en-US" sz="1225" b="1" dirty="0" smtClean="0">
                 <a:latin typeface="LG Smart UI Regular" panose="020B0500000101010101" pitchFamily="50" charset="-127"/>
                 <a:ea typeface="LG Smart UI Regular" panose="020B0500000101010101" pitchFamily="50" charset="-127"/>
               </a:rPr>
               <a:t>메모리에 임시로 저장 </a:t>
             </a:r>
             <a:r>
-              <a:rPr lang="ko-KR" altLang="en-US" sz="1225" dirty="0" err="1" smtClean="0">
+              <a:rPr lang="ko-KR" altLang="en-US" sz="1225" b="1" dirty="0" err="1" smtClean="0">
                 <a:latin typeface="LG Smart UI Regular" panose="020B0500000101010101" pitchFamily="50" charset="-127"/>
                 <a:ea typeface="LG Smart UI Regular" panose="020B0500000101010101" pitchFamily="50" charset="-127"/>
               </a:rPr>
               <a:t>후인자로</a:t>
             </a:r>
             <a:r>
-              <a:rPr lang="ko-KR" altLang="en-US" sz="1225" dirty="0" smtClean="0">
+              <a:rPr lang="ko-KR" altLang="en-US" sz="1225" b="1" dirty="0" smtClean="0">
                 <a:latin typeface="LG Smart UI Regular" panose="020B0500000101010101" pitchFamily="50" charset="-127"/>
                 <a:ea typeface="LG Smart UI Regular" panose="020B0500000101010101" pitchFamily="50" charset="-127"/>
               </a:rPr>
               <a:t> 넘긴다</a:t>
             </a:r>
             <a:r>
-              <a:rPr lang="en-US" altLang="ko-KR" sz="1225" dirty="0" smtClean="0">
+              <a:rPr lang="en-US" altLang="ko-KR" sz="1225" b="1" dirty="0" smtClean="0">
                 <a:latin typeface="LG Smart UI Regular" panose="020B0500000101010101" pitchFamily="50" charset="-127"/>
                 <a:ea typeface="LG Smart UI Regular" panose="020B0500000101010101" pitchFamily="50" charset="-127"/>
               </a:rPr>
               <a:t>. </a:t>
             </a:r>
             <a:r>
-              <a:rPr lang="ko-KR" altLang="en-US" sz="1225" dirty="0" smtClean="0">
+              <a:rPr lang="ko-KR" altLang="en-US" sz="1225" b="1" dirty="0" smtClean="0">
                 <a:latin typeface="LG Smart UI Regular" panose="020B0500000101010101" pitchFamily="50" charset="-127"/>
                 <a:ea typeface="LG Smart UI Regular" panose="020B0500000101010101" pitchFamily="50" charset="-127"/>
               </a:rPr>
               <a:t>그 </a:t>
             </a:r>
             <a:r>
-              <a:rPr lang="en-US" altLang="ko-KR" sz="1225" dirty="0" smtClean="0">
+              <a:rPr lang="en-US" altLang="ko-KR" sz="1225" b="1" dirty="0" smtClean="0">
                 <a:latin typeface="LG Smart UI Regular" panose="020B0500000101010101" pitchFamily="50" charset="-127"/>
                 <a:ea typeface="LG Smart UI Regular" panose="020B0500000101010101" pitchFamily="50" charset="-127"/>
               </a:rPr>
               <a:t>	</a:t>
             </a:r>
             <a:r>
-              <a:rPr lang="ko-KR" altLang="en-US" sz="1225" dirty="0" smtClean="0">
+              <a:rPr lang="ko-KR" altLang="en-US" sz="1225" b="1" dirty="0" smtClean="0">
                 <a:latin typeface="LG Smart UI Regular" panose="020B0500000101010101" pitchFamily="50" charset="-127"/>
                 <a:ea typeface="LG Smart UI Regular" panose="020B0500000101010101" pitchFamily="50" charset="-127"/>
               </a:rPr>
               <a:t>후 값 을 변경 할 때에는 </a:t>
             </a:r>
             <a:r>
-              <a:rPr lang="ko-KR" altLang="en-US" sz="1225" dirty="0" err="1" smtClean="0">
+              <a:rPr lang="ko-KR" altLang="en-US" sz="1225" b="1" dirty="0" err="1" smtClean="0">
                 <a:latin typeface="LG Smart UI Regular" panose="020B0500000101010101" pitchFamily="50" charset="-127"/>
                 <a:ea typeface="LG Smart UI Regular" panose="020B0500000101010101" pitchFamily="50" charset="-127"/>
               </a:rPr>
               <a:t>역참조를</a:t>
             </a:r>
             <a:r>
-              <a:rPr lang="ko-KR" altLang="en-US" sz="1225" dirty="0" smtClean="0">
+              <a:rPr lang="ko-KR" altLang="en-US" sz="1225" b="1" dirty="0" smtClean="0">
                 <a:latin typeface="LG Smart UI Regular" panose="020B0500000101010101" pitchFamily="50" charset="-127"/>
                 <a:ea typeface="LG Smart UI Regular" panose="020B0500000101010101" pitchFamily="50" charset="-127"/>
               </a:rPr>
               <a:t> 이용하여 값을 변경한다</a:t>
             </a:r>
             <a:r>
-              <a:rPr lang="en-US" altLang="ko-KR" sz="1225" dirty="0" smtClean="0">
+              <a:rPr lang="en-US" altLang="ko-KR" sz="1225" b="1" dirty="0" smtClean="0">
                 <a:latin typeface="LG Smart UI Regular" panose="020B0500000101010101" pitchFamily="50" charset="-127"/>
                 <a:ea typeface="LG Smart UI Regular" panose="020B0500000101010101" pitchFamily="50" charset="-127"/>
               </a:rPr>
               <a:t>. </a:t>
             </a:r>
             <a:r>
-              <a:rPr lang="ko-KR" altLang="en-US" sz="1225" dirty="0" smtClean="0">
+              <a:rPr lang="ko-KR" altLang="en-US" sz="1225" b="1" dirty="0" smtClean="0">
                 <a:latin typeface="LG Smart UI Regular" panose="020B0500000101010101" pitchFamily="50" charset="-127"/>
                 <a:ea typeface="LG Smart UI Regular" panose="020B0500000101010101" pitchFamily="50" charset="-127"/>
               </a:rPr>
               <a:t>그러므로 </a:t>
             </a:r>
             <a:r>
-              <a:rPr lang="en-US" altLang="ko-KR" sz="1225" dirty="0" smtClean="0">
+              <a:rPr lang="en-US" altLang="ko-KR" sz="1225" b="1" dirty="0" smtClean="0">
                 <a:latin typeface="LG Smart UI Regular" panose="020B0500000101010101" pitchFamily="50" charset="-127"/>
                 <a:ea typeface="LG Smart UI Regular" panose="020B0500000101010101" pitchFamily="50" charset="-127"/>
               </a:rPr>
               <a:t>main</a:t>
             </a:r>
             <a:r>
-              <a:rPr lang="ko-KR" altLang="en-US" sz="1225" dirty="0" smtClean="0">
+              <a:rPr lang="ko-KR" altLang="en-US" sz="1225" b="1" dirty="0" smtClean="0">
                 <a:latin typeface="LG Smart UI Regular" panose="020B0500000101010101" pitchFamily="50" charset="-127"/>
                 <a:ea typeface="LG Smart UI Regular" panose="020B0500000101010101" pitchFamily="50" charset="-127"/>
               </a:rPr>
               <a:t>에서의 </a:t>
             </a:r>
             <a:r>
-              <a:rPr lang="ko-KR" altLang="en-US" sz="1225" dirty="0" err="1" smtClean="0">
+              <a:rPr lang="ko-KR" altLang="en-US" sz="1225" b="1" dirty="0" err="1" smtClean="0">
                 <a:latin typeface="LG Smart UI Regular" panose="020B0500000101010101" pitchFamily="50" charset="-127"/>
                 <a:ea typeface="LG Smart UI Regular" panose="020B0500000101010101" pitchFamily="50" charset="-127"/>
               </a:rPr>
               <a:t>주소값과</a:t>
             </a:r>
             <a:r>
-              <a:rPr lang="ko-KR" altLang="en-US" sz="1225" dirty="0" smtClean="0">
+              <a:rPr lang="ko-KR" altLang="en-US" sz="1225" b="1" dirty="0" smtClean="0">
                 <a:latin typeface="LG Smart UI Regular" panose="020B0500000101010101" pitchFamily="50" charset="-127"/>
                 <a:ea typeface="LG Smart UI Regular" panose="020B0500000101010101" pitchFamily="50" charset="-127"/>
               </a:rPr>
               <a:t> </a:t>
             </a:r>
             <a:r>
-              <a:rPr lang="en-US" altLang="ko-KR" sz="1225" dirty="0" smtClean="0">
+              <a:rPr lang="en-US" altLang="ko-KR" sz="1225" b="1" dirty="0" smtClean="0">
                 <a:latin typeface="LG Smart UI Regular" panose="020B0500000101010101" pitchFamily="50" charset="-127"/>
                 <a:ea typeface="LG Smart UI Regular" panose="020B0500000101010101" pitchFamily="50" charset="-127"/>
               </a:rPr>
               <a:t>Func2</a:t>
             </a:r>
             <a:r>
-              <a:rPr lang="ko-KR" altLang="en-US" sz="1225" dirty="0" smtClean="0">
+              <a:rPr lang="ko-KR" altLang="en-US" sz="1225" b="1" dirty="0" smtClean="0">
                 <a:latin typeface="LG Smart UI Regular" panose="020B0500000101010101" pitchFamily="50" charset="-127"/>
                 <a:ea typeface="LG Smart UI Regular" panose="020B0500000101010101" pitchFamily="50" charset="-127"/>
               </a:rPr>
               <a:t>에서의 </a:t>
             </a:r>
             <a:r>
-              <a:rPr lang="en-US" altLang="ko-KR" sz="1225" dirty="0" smtClean="0">
+              <a:rPr lang="en-US" altLang="ko-KR" sz="1225" b="1" dirty="0" smtClean="0">
                 <a:latin typeface="LG Smart UI Regular" panose="020B0500000101010101" pitchFamily="50" charset="-127"/>
                 <a:ea typeface="LG Smart UI Regular" panose="020B0500000101010101" pitchFamily="50" charset="-127"/>
               </a:rPr>
               <a:t>	</a:t>
             </a:r>
             <a:r>
-              <a:rPr lang="ko-KR" altLang="en-US" sz="1225" dirty="0" err="1" smtClean="0">
+              <a:rPr lang="ko-KR" altLang="en-US" sz="1225" b="1" dirty="0" err="1" smtClean="0">
                 <a:latin typeface="LG Smart UI Regular" panose="020B0500000101010101" pitchFamily="50" charset="-127"/>
                 <a:ea typeface="LG Smart UI Regular" panose="020B0500000101010101" pitchFamily="50" charset="-127"/>
               </a:rPr>
               <a:t>주소값은</a:t>
             </a:r>
             <a:r>
-              <a:rPr lang="ko-KR" altLang="en-US" sz="1225" dirty="0" smtClean="0">
+              <a:rPr lang="ko-KR" altLang="en-US" sz="1225" b="1" dirty="0" smtClean="0">
                 <a:latin typeface="LG Smart UI Regular" panose="020B0500000101010101" pitchFamily="50" charset="-127"/>
                 <a:ea typeface="LG Smart UI Regular" panose="020B0500000101010101" pitchFamily="50" charset="-127"/>
               </a:rPr>
               <a:t> 틀리다</a:t>
             </a:r>
             <a:r>
-              <a:rPr lang="en-US" altLang="ko-KR" sz="1225" dirty="0" smtClean="0">
+              <a:rPr lang="en-US" altLang="ko-KR" sz="1225" b="1" dirty="0" smtClean="0">
                 <a:latin typeface="LG Smart UI Regular" panose="020B0500000101010101" pitchFamily="50" charset="-127"/>
                 <a:ea typeface="LG Smart UI Regular" panose="020B0500000101010101" pitchFamily="50" charset="-127"/>
               </a:rPr>
@@ -22639,114 +22521,121 @@
                 <a:latin typeface="LG Smart UI Regular" panose="020B0500000101010101" pitchFamily="50" charset="-127"/>
                 <a:ea typeface="LG Smart UI Regular" panose="020B0500000101010101" pitchFamily="50" charset="-127"/>
               </a:rPr>
-              <a:t>Func3(year); // main </a:t>
-            </a:r>
-            <a:r>
-              <a:rPr lang="ko-KR" altLang="en-US" sz="1225" dirty="0" smtClean="0">
+              <a:t>Func3(year); </a:t>
+            </a:r>
+            <a:r>
+              <a:rPr lang="en-US" altLang="ko-KR" sz="1225" b="1" dirty="0" smtClean="0">
+                <a:latin typeface="LG Smart UI Regular" panose="020B0500000101010101" pitchFamily="50" charset="-127"/>
+                <a:ea typeface="LG Smart UI Regular" panose="020B0500000101010101" pitchFamily="50" charset="-127"/>
+              </a:rPr>
+              <a:t>// main </a:t>
+            </a:r>
+            <a:r>
+              <a:rPr lang="ko-KR" altLang="en-US" sz="1225" b="1" dirty="0" smtClean="0">
                 <a:latin typeface="LG Smart UI Regular" panose="020B0500000101010101" pitchFamily="50" charset="-127"/>
                 <a:ea typeface="LG Smart UI Regular" panose="020B0500000101010101" pitchFamily="50" charset="-127"/>
               </a:rPr>
               <a:t>의 </a:t>
             </a:r>
             <a:r>
-              <a:rPr lang="en-US" altLang="ko-KR" sz="1225" dirty="0" smtClean="0">
+              <a:rPr lang="en-US" altLang="ko-KR" sz="1225" b="1" dirty="0" smtClean="0">
                 <a:latin typeface="LG Smart UI Regular" panose="020B0500000101010101" pitchFamily="50" charset="-127"/>
                 <a:ea typeface="LG Smart UI Regular" panose="020B0500000101010101" pitchFamily="50" charset="-127"/>
               </a:rPr>
               <a:t>year </a:t>
             </a:r>
             <a:r>
-              <a:rPr lang="ko-KR" altLang="en-US" sz="1225" dirty="0" smtClean="0">
+              <a:rPr lang="ko-KR" altLang="en-US" sz="1225" b="1" dirty="0" smtClean="0">
                 <a:latin typeface="LG Smart UI Regular" panose="020B0500000101010101" pitchFamily="50" charset="-127"/>
                 <a:ea typeface="LG Smart UI Regular" panose="020B0500000101010101" pitchFamily="50" charset="-127"/>
               </a:rPr>
               <a:t>변수를 불러와 참조하는 방식으로</a:t>
             </a:r>
             <a:r>
-              <a:rPr lang="en-US" altLang="ko-KR" sz="1225" dirty="0" smtClean="0">
+              <a:rPr lang="en-US" altLang="ko-KR" sz="1225" b="1" dirty="0" smtClean="0">
                 <a:latin typeface="LG Smart UI Regular" panose="020B0500000101010101" pitchFamily="50" charset="-127"/>
                 <a:ea typeface="LG Smart UI Regular" panose="020B0500000101010101" pitchFamily="50" charset="-127"/>
               </a:rPr>
               <a:t>, </a:t>
             </a:r>
             <a:r>
-              <a:rPr lang="ko-KR" altLang="en-US" sz="1225" dirty="0" err="1" smtClean="0">
+              <a:rPr lang="ko-KR" altLang="en-US" sz="1225" b="1" dirty="0" err="1" smtClean="0">
                 <a:latin typeface="LG Smart UI Regular" panose="020B0500000101010101" pitchFamily="50" charset="-127"/>
                 <a:ea typeface="LG Smart UI Regular" panose="020B0500000101010101" pitchFamily="50" charset="-127"/>
               </a:rPr>
               <a:t>주소값에</a:t>
             </a:r>
             <a:r>
-              <a:rPr lang="ko-KR" altLang="en-US" sz="1225" dirty="0" smtClean="0">
+              <a:rPr lang="ko-KR" altLang="en-US" sz="1225" b="1" dirty="0" smtClean="0">
                 <a:latin typeface="LG Smart UI Regular" panose="020B0500000101010101" pitchFamily="50" charset="-127"/>
                 <a:ea typeface="LG Smart UI Regular" panose="020B0500000101010101" pitchFamily="50" charset="-127"/>
               </a:rPr>
               <a:t> </a:t>
             </a:r>
             <a:r>
-              <a:rPr lang="ko-KR" altLang="en-US" sz="1225" dirty="0" err="1" smtClean="0">
+              <a:rPr lang="ko-KR" altLang="en-US" sz="1225" b="1" dirty="0" err="1" smtClean="0">
                 <a:latin typeface="LG Smart UI Regular" panose="020B0500000101010101" pitchFamily="50" charset="-127"/>
                 <a:ea typeface="LG Smart UI Regular" panose="020B0500000101010101" pitchFamily="50" charset="-127"/>
               </a:rPr>
               <a:t>해당ㅇ하는</a:t>
             </a:r>
             <a:r>
-              <a:rPr lang="ko-KR" altLang="en-US" sz="1225" dirty="0" smtClean="0">
+              <a:rPr lang="ko-KR" altLang="en-US" sz="1225" b="1" dirty="0" smtClean="0">
                 <a:latin typeface="LG Smart UI Regular" panose="020B0500000101010101" pitchFamily="50" charset="-127"/>
                 <a:ea typeface="LG Smart UI Regular" panose="020B0500000101010101" pitchFamily="50" charset="-127"/>
               </a:rPr>
               <a:t> 값을 변경하게 되면 </a:t>
             </a:r>
             <a:r>
-              <a:rPr lang="en-US" altLang="ko-KR" sz="1225" dirty="0" smtClean="0">
+              <a:rPr lang="en-US" altLang="ko-KR" sz="1225" b="1" dirty="0" smtClean="0">
                 <a:latin typeface="LG Smart UI Regular" panose="020B0500000101010101" pitchFamily="50" charset="-127"/>
                 <a:ea typeface="LG Smart UI Regular" panose="020B0500000101010101" pitchFamily="50" charset="-127"/>
               </a:rPr>
               <a:t>	main()</a:t>
             </a:r>
             <a:r>
-              <a:rPr lang="ko-KR" altLang="en-US" sz="1225" dirty="0" smtClean="0">
+              <a:rPr lang="ko-KR" altLang="en-US" sz="1225" b="1" dirty="0" smtClean="0">
                 <a:latin typeface="LG Smart UI Regular" panose="020B0500000101010101" pitchFamily="50" charset="-127"/>
                 <a:ea typeface="LG Smart UI Regular" panose="020B0500000101010101" pitchFamily="50" charset="-127"/>
               </a:rPr>
               <a:t>과 </a:t>
             </a:r>
             <a:r>
-              <a:rPr lang="en-US" altLang="ko-KR" sz="1225" dirty="0" smtClean="0">
+              <a:rPr lang="en-US" altLang="ko-KR" sz="1225" b="1" dirty="0" smtClean="0">
                 <a:latin typeface="LG Smart UI Regular" panose="020B0500000101010101" pitchFamily="50" charset="-127"/>
                 <a:ea typeface="LG Smart UI Regular" panose="020B0500000101010101" pitchFamily="50" charset="-127"/>
               </a:rPr>
               <a:t>Func3()</a:t>
             </a:r>
             <a:r>
-              <a:rPr lang="ko-KR" altLang="en-US" sz="1225" dirty="0" smtClean="0">
+              <a:rPr lang="ko-KR" altLang="en-US" sz="1225" b="1" dirty="0" smtClean="0">
                 <a:latin typeface="LG Smart UI Regular" panose="020B0500000101010101" pitchFamily="50" charset="-127"/>
                 <a:ea typeface="LG Smart UI Regular" panose="020B0500000101010101" pitchFamily="50" charset="-127"/>
               </a:rPr>
               <a:t>에서의 </a:t>
             </a:r>
             <a:r>
-              <a:rPr lang="ko-KR" altLang="en-US" sz="1225" dirty="0" err="1" smtClean="0">
+              <a:rPr lang="ko-KR" altLang="en-US" sz="1225" b="1" dirty="0" err="1" smtClean="0">
                 <a:latin typeface="LG Smart UI Regular" panose="020B0500000101010101" pitchFamily="50" charset="-127"/>
                 <a:ea typeface="LG Smart UI Regular" panose="020B0500000101010101" pitchFamily="50" charset="-127"/>
               </a:rPr>
               <a:t>주소값과</a:t>
             </a:r>
             <a:r>
-              <a:rPr lang="ko-KR" altLang="en-US" sz="1225" dirty="0" smtClean="0">
+              <a:rPr lang="ko-KR" altLang="en-US" sz="1225" b="1" dirty="0" smtClean="0">
                 <a:latin typeface="LG Smart UI Regular" panose="020B0500000101010101" pitchFamily="50" charset="-127"/>
                 <a:ea typeface="LG Smart UI Regular" panose="020B0500000101010101" pitchFamily="50" charset="-127"/>
               </a:rPr>
               <a:t> 값을 공유한다</a:t>
             </a:r>
             <a:r>
-              <a:rPr lang="en-US" altLang="ko-KR" sz="1225" dirty="0" smtClean="0">
+              <a:rPr lang="en-US" altLang="ko-KR" sz="1225" b="1" dirty="0" smtClean="0">
                 <a:latin typeface="LG Smart UI Regular" panose="020B0500000101010101" pitchFamily="50" charset="-127"/>
                 <a:ea typeface="LG Smart UI Regular" panose="020B0500000101010101" pitchFamily="50" charset="-127"/>
               </a:rPr>
               <a:t>.</a:t>
             </a:r>
-            <a:endParaRPr lang="en-US" altLang="ko-KR" sz="1225" dirty="0">
+            <a:endParaRPr lang="en-US" altLang="ko-KR" sz="1225" b="1" dirty="0">
               <a:latin typeface="LG Smart UI Regular" panose="020B0500000101010101" pitchFamily="50" charset="-127"/>
               <a:ea typeface="LG Smart UI Regular" panose="020B0500000101010101" pitchFamily="50" charset="-127"/>
             </a:endParaRPr>
@@ -22998,80 +22887,87 @@
                 <a:latin typeface="LG Smart UI Regular" panose="020B0500000101010101" pitchFamily="50" charset="-127"/>
                 <a:ea typeface="LG Smart UI Regular" panose="020B0500000101010101" pitchFamily="50" charset="-127"/>
               </a:rPr>
-              <a:t>; // </a:t>
-            </a:r>
-            <a:r>
-              <a:rPr lang="ko-KR" altLang="en-US" sz="1225" dirty="0" smtClean="0">
+              <a:t>; </a:t>
+            </a:r>
+            <a:r>
+              <a:rPr lang="en-US" altLang="ko-KR" sz="1225" b="1" dirty="0" smtClean="0">
+                <a:latin typeface="LG Smart UI Regular" panose="020B0500000101010101" pitchFamily="50" charset="-127"/>
+                <a:ea typeface="LG Smart UI Regular" panose="020B0500000101010101" pitchFamily="50" charset="-127"/>
+              </a:rPr>
+              <a:t>// </a:t>
+            </a:r>
+            <a:r>
+              <a:rPr lang="ko-KR" altLang="en-US" sz="1225" b="1" dirty="0" smtClean="0">
                 <a:latin typeface="LG Smart UI Regular" panose="020B0500000101010101" pitchFamily="50" charset="-127"/>
                 <a:ea typeface="LG Smart UI Regular" panose="020B0500000101010101" pitchFamily="50" charset="-127"/>
               </a:rPr>
               <a:t>배열은 항상 배열의 시작주소를 참조하고 있으므로 </a:t>
             </a:r>
             <a:r>
-              <a:rPr lang="ko-KR" altLang="en-US" sz="1225" dirty="0" err="1" smtClean="0">
+              <a:rPr lang="ko-KR" altLang="en-US" sz="1225" b="1" dirty="0" err="1" smtClean="0">
                 <a:latin typeface="LG Smart UI Regular" panose="020B0500000101010101" pitchFamily="50" charset="-127"/>
                 <a:ea typeface="LG Smart UI Regular" panose="020B0500000101010101" pitchFamily="50" charset="-127"/>
               </a:rPr>
               <a:t>포인터형</a:t>
             </a:r>
             <a:r>
-              <a:rPr lang="ko-KR" altLang="en-US" sz="1225" dirty="0" smtClean="0">
+              <a:rPr lang="ko-KR" altLang="en-US" sz="1225" b="1" dirty="0" smtClean="0">
                 <a:latin typeface="LG Smart UI Regular" panose="020B0500000101010101" pitchFamily="50" charset="-127"/>
                 <a:ea typeface="LG Smart UI Regular" panose="020B0500000101010101" pitchFamily="50" charset="-127"/>
               </a:rPr>
               <a:t> </a:t>
             </a:r>
             <a:r>
-              <a:rPr lang="en-US" altLang="ko-KR" sz="1225" dirty="0" smtClean="0">
+              <a:rPr lang="en-US" altLang="ko-KR" sz="1225" b="1" dirty="0" smtClean="0">
                 <a:latin typeface="LG Smart UI Regular" panose="020B0500000101010101" pitchFamily="50" charset="-127"/>
                 <a:ea typeface="LG Smart UI Regular" panose="020B0500000101010101" pitchFamily="50" charset="-127"/>
               </a:rPr>
               <a:t>p1</a:t>
             </a:r>
             <a:r>
-              <a:rPr lang="ko-KR" altLang="en-US" sz="1225" dirty="0" smtClean="0">
+              <a:rPr lang="ko-KR" altLang="en-US" sz="1225" b="1" dirty="0" smtClean="0">
                 <a:latin typeface="LG Smart UI Regular" panose="020B0500000101010101" pitchFamily="50" charset="-127"/>
                 <a:ea typeface="LG Smart UI Regular" panose="020B0500000101010101" pitchFamily="50" charset="-127"/>
               </a:rPr>
               <a:t>이 </a:t>
             </a:r>
             <a:r>
-              <a:rPr lang="en-US" altLang="ko-KR" sz="1225" dirty="0" err="1" smtClean="0">
+              <a:rPr lang="en-US" altLang="ko-KR" sz="1225" b="1" dirty="0" err="1" smtClean="0">
                 <a:latin typeface="LG Smart UI Regular" panose="020B0500000101010101" pitchFamily="50" charset="-127"/>
                 <a:ea typeface="LG Smart UI Regular" panose="020B0500000101010101" pitchFamily="50" charset="-127"/>
               </a:rPr>
               <a:t>num</a:t>
             </a:r>
             <a:r>
-              <a:rPr lang="en-US" altLang="ko-KR" sz="1225" dirty="0" smtClean="0">
+              <a:rPr lang="en-US" altLang="ko-KR" sz="1225" b="1" dirty="0" smtClean="0">
                 <a:latin typeface="LG Smart UI Regular" panose="020B0500000101010101" pitchFamily="50" charset="-127"/>
                 <a:ea typeface="LG Smart UI Regular" panose="020B0500000101010101" pitchFamily="50" charset="-127"/>
               </a:rPr>
               <a:t> </a:t>
             </a:r>
             <a:r>
-              <a:rPr lang="ko-KR" altLang="en-US" sz="1225" dirty="0" smtClean="0">
+              <a:rPr lang="ko-KR" altLang="en-US" sz="1225" b="1" dirty="0" smtClean="0">
                 <a:latin typeface="LG Smart UI Regular" panose="020B0500000101010101" pitchFamily="50" charset="-127"/>
                 <a:ea typeface="LG Smart UI Regular" panose="020B0500000101010101" pitchFamily="50" charset="-127"/>
               </a:rPr>
               <a:t>배열을 </a:t>
             </a:r>
             <a:r>
-              <a:rPr lang="ko-KR" altLang="en-US" sz="1225" dirty="0" err="1" smtClean="0">
+              <a:rPr lang="ko-KR" altLang="en-US" sz="1225" b="1" dirty="0" err="1" smtClean="0">
                 <a:latin typeface="LG Smart UI Regular" panose="020B0500000101010101" pitchFamily="50" charset="-127"/>
                 <a:ea typeface="LG Smart UI Regular" panose="020B0500000101010101" pitchFamily="50" charset="-127"/>
               </a:rPr>
               <a:t>가르킬수</a:t>
             </a:r>
             <a:r>
-              <a:rPr lang="ko-KR" altLang="en-US" sz="1225" dirty="0" smtClean="0">
+              <a:rPr lang="ko-KR" altLang="en-US" sz="1225" b="1" dirty="0" smtClean="0">
                 <a:latin typeface="LG Smart UI Regular" panose="020B0500000101010101" pitchFamily="50" charset="-127"/>
                 <a:ea typeface="LG Smart UI Regular" panose="020B0500000101010101" pitchFamily="50" charset="-127"/>
               </a:rPr>
               <a:t> 있다</a:t>
             </a:r>
             <a:r>
-              <a:rPr lang="en-US" altLang="ko-KR" sz="1225" dirty="0" smtClean="0">
+              <a:rPr lang="en-US" altLang="ko-KR" sz="1225" b="1" dirty="0" smtClean="0">
                 <a:latin typeface="LG Smart UI Regular" panose="020B0500000101010101" pitchFamily="50" charset="-127"/>
                 <a:ea typeface="LG Smart UI Regular" panose="020B0500000101010101" pitchFamily="50" charset="-127"/>
               </a:rPr>
@@ -23102,31 +22998,38 @@
                 <a:latin typeface="LG Smart UI Regular" panose="020B0500000101010101" pitchFamily="50" charset="-127"/>
                 <a:ea typeface="LG Smart UI Regular" panose="020B0500000101010101" pitchFamily="50" charset="-127"/>
               </a:rPr>
-              <a:t>*(p1) // </a:t>
-            </a:r>
-            <a:r>
-              <a:rPr lang="en-US" altLang="ko-KR" sz="1225" dirty="0" err="1" smtClean="0">
+              <a:t>*(p1) </a:t>
+            </a:r>
+            <a:r>
+              <a:rPr lang="en-US" altLang="ko-KR" sz="1225" b="1" dirty="0" smtClean="0">
+                <a:latin typeface="LG Smart UI Regular" panose="020B0500000101010101" pitchFamily="50" charset="-127"/>
+                <a:ea typeface="LG Smart UI Regular" panose="020B0500000101010101" pitchFamily="50" charset="-127"/>
+              </a:rPr>
+              <a:t>// </a:t>
+            </a:r>
+            <a:r>
+              <a:rPr lang="en-US" altLang="ko-KR" sz="1225" b="1" dirty="0" err="1" smtClean="0">
                 <a:latin typeface="LG Smart UI Regular" panose="020B0500000101010101" pitchFamily="50" charset="-127"/>
                 <a:ea typeface="LG Smart UI Regular" panose="020B0500000101010101" pitchFamily="50" charset="-127"/>
               </a:rPr>
               <a:t>num</a:t>
             </a:r>
             <a:r>
-              <a:rPr lang="en-US" altLang="ko-KR" sz="1225" dirty="0" smtClean="0">
+              <a:rPr lang="en-US" altLang="ko-KR" sz="1225" b="1" dirty="0" smtClean="0">
                 <a:latin typeface="LG Smart UI Regular" panose="020B0500000101010101" pitchFamily="50" charset="-127"/>
                 <a:ea typeface="LG Smart UI Regular" panose="020B0500000101010101" pitchFamily="50" charset="-127"/>
               </a:rPr>
               <a:t>[0]</a:t>
             </a:r>
             <a:r>
-              <a:rPr lang="ko-KR" altLang="en-US" sz="1225" dirty="0" smtClean="0">
+              <a:rPr lang="ko-KR" altLang="en-US" sz="1225" b="1" dirty="0" smtClean="0">
                 <a:latin typeface="LG Smart UI Regular" panose="020B0500000101010101" pitchFamily="50" charset="-127"/>
                 <a:ea typeface="LG Smart UI Regular" panose="020B0500000101010101" pitchFamily="50" charset="-127"/>
               </a:rPr>
               <a:t>의 값을 참조한다</a:t>
             </a:r>
             <a:r>
-              <a:rPr lang="en-US" altLang="ko-KR" sz="1225" dirty="0" smtClean="0">
+              <a:rPr lang="en-US" altLang="ko-KR" sz="1225" b="1" dirty="0" smtClean="0">
                 <a:latin typeface="LG Smart UI Regular" panose="020B0500000101010101" pitchFamily="50" charset="-127"/>
                 <a:ea typeface="LG Smart UI Regular" panose="020B0500000101010101" pitchFamily="50" charset="-127"/>
               </a:rPr>
@@ -23145,45 +23048,52 @@
                 <a:latin typeface="LG Smart UI Regular" panose="020B0500000101010101" pitchFamily="50" charset="-127"/>
                 <a:ea typeface="LG Smart UI Regular" panose="020B0500000101010101" pitchFamily="50" charset="-127"/>
               </a:rPr>
-              <a:t>*(p1 + 1) // </a:t>
-            </a:r>
-            <a:r>
-              <a:rPr lang="en-US" altLang="ko-KR" sz="1225" dirty="0" err="1" smtClean="0">
+              <a:t>*(p1 + 1) </a:t>
+            </a:r>
+            <a:r>
+              <a:rPr lang="en-US" altLang="ko-KR" sz="1225" b="1" dirty="0" smtClean="0">
+                <a:latin typeface="LG Smart UI Regular" panose="020B0500000101010101" pitchFamily="50" charset="-127"/>
+                <a:ea typeface="LG Smart UI Regular" panose="020B0500000101010101" pitchFamily="50" charset="-127"/>
+              </a:rPr>
+              <a:t>// </a:t>
+            </a:r>
+            <a:r>
+              <a:rPr lang="en-US" altLang="ko-KR" sz="1225" b="1" dirty="0" err="1" smtClean="0">
                 <a:latin typeface="LG Smart UI Regular" panose="020B0500000101010101" pitchFamily="50" charset="-127"/>
                 <a:ea typeface="LG Smart UI Regular" panose="020B0500000101010101" pitchFamily="50" charset="-127"/>
               </a:rPr>
               <a:t>num</a:t>
             </a:r>
             <a:r>
-              <a:rPr lang="en-US" altLang="ko-KR" sz="1225" dirty="0" smtClean="0">
+              <a:rPr lang="en-US" altLang="ko-KR" sz="1225" b="1" dirty="0" smtClean="0">
                 <a:latin typeface="LG Smart UI Regular" panose="020B0500000101010101" pitchFamily="50" charset="-127"/>
                 <a:ea typeface="LG Smart UI Regular" panose="020B0500000101010101" pitchFamily="50" charset="-127"/>
               </a:rPr>
               <a:t>[1]</a:t>
             </a:r>
             <a:r>
-              <a:rPr lang="ko-KR" altLang="en-US" sz="1225" dirty="0" smtClean="0">
+              <a:rPr lang="ko-KR" altLang="en-US" sz="1225" b="1" dirty="0" smtClean="0">
                 <a:latin typeface="LG Smart UI Regular" panose="020B0500000101010101" pitchFamily="50" charset="-127"/>
                 <a:ea typeface="LG Smart UI Regular" panose="020B0500000101010101" pitchFamily="50" charset="-127"/>
               </a:rPr>
               <a:t>의 </a:t>
             </a:r>
             <a:r>
-              <a:rPr lang="en-US" altLang="ko-KR" sz="1225" dirty="0" smtClean="0">
+              <a:rPr lang="en-US" altLang="ko-KR" sz="1225" b="1" dirty="0" smtClean="0">
                 <a:latin typeface="LG Smart UI Regular" panose="020B0500000101010101" pitchFamily="50" charset="-127"/>
                 <a:ea typeface="LG Smart UI Regular" panose="020B0500000101010101" pitchFamily="50" charset="-127"/>
               </a:rPr>
               <a:t> </a:t>
             </a:r>
             <a:r>
-              <a:rPr lang="ko-KR" altLang="en-US" sz="1225" dirty="0" smtClean="0">
+              <a:rPr lang="ko-KR" altLang="en-US" sz="1225" b="1" dirty="0" smtClean="0">
                 <a:latin typeface="LG Smart UI Regular" panose="020B0500000101010101" pitchFamily="50" charset="-127"/>
                 <a:ea typeface="LG Smart UI Regular" panose="020B0500000101010101" pitchFamily="50" charset="-127"/>
               </a:rPr>
               <a:t>값을 참조한다</a:t>
             </a:r>
             <a:r>
-              <a:rPr lang="en-US" altLang="ko-KR" sz="1225" dirty="0" smtClean="0">
+              <a:rPr lang="en-US" altLang="ko-KR" sz="1225" b="1" dirty="0" smtClean="0">
                 <a:latin typeface="LG Smart UI Regular" panose="020B0500000101010101" pitchFamily="50" charset="-127"/>
                 <a:ea typeface="LG Smart UI Regular" panose="020B0500000101010101" pitchFamily="50" charset="-127"/>
               </a:rPr>
@@ -23202,24 +23112,31 @@
                 <a:latin typeface="LG Smart UI Regular" panose="020B0500000101010101" pitchFamily="50" charset="-127"/>
                 <a:ea typeface="LG Smart UI Regular" panose="020B0500000101010101" pitchFamily="50" charset="-127"/>
               </a:rPr>
-              <a:t>*(p1 + 2) // </a:t>
-            </a:r>
-            <a:r>
-              <a:rPr lang="en-US" altLang="ko-KR" sz="1225" dirty="0" err="1" smtClean="0">
+              <a:t>*(p1 + 2) </a:t>
+            </a:r>
+            <a:r>
+              <a:rPr lang="en-US" altLang="ko-KR" sz="1225" b="1" dirty="0" smtClean="0">
+                <a:latin typeface="LG Smart UI Regular" panose="020B0500000101010101" pitchFamily="50" charset="-127"/>
+                <a:ea typeface="LG Smart UI Regular" panose="020B0500000101010101" pitchFamily="50" charset="-127"/>
+              </a:rPr>
+              <a:t>// </a:t>
+            </a:r>
+            <a:r>
+              <a:rPr lang="en-US" altLang="ko-KR" sz="1225" b="1" dirty="0" err="1" smtClean="0">
                 <a:latin typeface="LG Smart UI Regular" panose="020B0500000101010101" pitchFamily="50" charset="-127"/>
                 <a:ea typeface="LG Smart UI Regular" panose="020B0500000101010101" pitchFamily="50" charset="-127"/>
               </a:rPr>
               <a:t>num</a:t>
             </a:r>
             <a:r>
-              <a:rPr lang="en-US" altLang="ko-KR" sz="1225" dirty="0" smtClean="0">
+              <a:rPr lang="en-US" altLang="ko-KR" sz="1225" b="1" dirty="0" smtClean="0">
                 <a:latin typeface="LG Smart UI Regular" panose="020B0500000101010101" pitchFamily="50" charset="-127"/>
                 <a:ea typeface="LG Smart UI Regular" panose="020B0500000101010101" pitchFamily="50" charset="-127"/>
               </a:rPr>
               <a:t>[2]</a:t>
             </a:r>
             <a:r>
-              <a:rPr lang="ko-KR" altLang="en-US" sz="1225" dirty="0" smtClean="0">
+              <a:rPr lang="ko-KR" altLang="en-US" sz="1225" b="1" dirty="0" smtClean="0">
                 <a:latin typeface="LG Smart UI Regular" panose="020B0500000101010101" pitchFamily="50" charset="-127"/>
                 <a:ea typeface="LG Smart UI Regular" panose="020B0500000101010101" pitchFamily="50" charset="-127"/>
               </a:rPr>
@@ -23296,75 +23213,74 @@
               <a:t> </a:t>
             </a:r>
             <a:r>
-              <a:rPr lang="en-US" altLang="ko-KR" sz="1225" dirty="0" smtClean="0">
+              <a:rPr lang="en-US" altLang="ko-KR" sz="1225" b="1" dirty="0" smtClean="0">
                 <a:latin typeface="LG Smart UI Regular" panose="020B0500000101010101" pitchFamily="50" charset="-127"/>
                 <a:ea typeface="LG Smart UI Regular" panose="020B0500000101010101" pitchFamily="50" charset="-127"/>
               </a:rPr>
               <a:t>// </a:t>
             </a:r>
             <a:r>
-              <a:rPr lang="ko-KR" altLang="en-US" sz="1225" dirty="0" smtClean="0">
+              <a:rPr lang="ko-KR" altLang="en-US" sz="1225" b="1" dirty="0" smtClean="0">
                 <a:latin typeface="LG Smart UI Regular" panose="020B0500000101010101" pitchFamily="50" charset="-127"/>
                 <a:ea typeface="LG Smart UI Regular" panose="020B0500000101010101" pitchFamily="50" charset="-127"/>
               </a:rPr>
               <a:t>배열 </a:t>
             </a:r>
             <a:r>
-              <a:rPr lang="ko-KR" altLang="en-US" sz="1225" dirty="0" err="1" smtClean="0">
+              <a:rPr lang="ko-KR" altLang="en-US" sz="1225" b="1" dirty="0" err="1" smtClean="0">
                 <a:latin typeface="LG Smart UI Regular" panose="020B0500000101010101" pitchFamily="50" charset="-127"/>
                 <a:ea typeface="LG Smart UI Regular" panose="020B0500000101010101" pitchFamily="50" charset="-127"/>
               </a:rPr>
               <a:t>포인터형은</a:t>
             </a:r>
             <a:r>
-              <a:rPr lang="ko-KR" altLang="en-US" sz="1225" dirty="0" smtClean="0">
+              <a:rPr lang="ko-KR" altLang="en-US" sz="1225" b="1" dirty="0" smtClean="0">
                 <a:latin typeface="LG Smart UI Regular" panose="020B0500000101010101" pitchFamily="50" charset="-127"/>
                 <a:ea typeface="LG Smart UI Regular" panose="020B0500000101010101" pitchFamily="50" charset="-127"/>
               </a:rPr>
               <a:t> 각각 </a:t>
             </a:r>
             <a:r>
-              <a:rPr lang="en-US" altLang="ko-KR" sz="1225" dirty="0" smtClean="0">
+              <a:rPr lang="en-US" altLang="ko-KR" sz="1225" b="1" dirty="0" smtClean="0">
                 <a:latin typeface="LG Smart UI Regular" panose="020B0500000101010101" pitchFamily="50" charset="-127"/>
                 <a:ea typeface="LG Smart UI Regular" panose="020B0500000101010101" pitchFamily="50" charset="-127"/>
               </a:rPr>
               <a:t>no1, no2, no3</a:t>
             </a:r>
             <a:r>
-              <a:rPr lang="ko-KR" altLang="en-US" sz="1225" dirty="0" smtClean="0">
+              <a:rPr lang="ko-KR" altLang="en-US" sz="1225" b="1" dirty="0" smtClean="0">
                 <a:latin typeface="LG Smart UI Regular" panose="020B0500000101010101" pitchFamily="50" charset="-127"/>
                 <a:ea typeface="LG Smart UI Regular" panose="020B0500000101010101" pitchFamily="50" charset="-127"/>
               </a:rPr>
               <a:t>의 주소를 참조하고 있으므로 </a:t>
             </a:r>
-            <a:endParaRPr lang="en-US" altLang="ko-KR" sz="1225" dirty="0" smtClean="0">
+            <a:endParaRPr lang="en-US" altLang="ko-KR" sz="1225" b="1" dirty="0" smtClean="0">
               <a:latin typeface="LG Smart UI Regular" panose="020B0500000101010101" pitchFamily="50" charset="-127"/>
               <a:ea typeface="LG Smart UI Regular" panose="020B0500000101010101" pitchFamily="50" charset="-127"/>
             </a:endParaRPr>
           </a:p>
           <a:p>
-            <a:pPr marL="0" indent="0">
+            <a:pPr lvl="5">
               <a:lnSpc>
                 <a:spcPts val="1960"/>
               </a:lnSpc>
-              <a:buNone/>
             </a:pPr>
             <a:r>
-              <a:rPr lang="en-US" altLang="ko-KR" sz="1225" dirty="0" smtClean="0">
+              <a:rPr lang="en-US" altLang="ko-KR" sz="1225" b="1" dirty="0" smtClean="0">
                 <a:latin typeface="LG Smart UI Regular" panose="020B0500000101010101" pitchFamily="50" charset="-127"/>
                 <a:ea typeface="LG Smart UI Regular" panose="020B0500000101010101" pitchFamily="50" charset="-127"/>
               </a:rPr>
               <a:t>*p2[0] // no1 </a:t>
             </a:r>
             <a:r>
-              <a:rPr lang="ko-KR" altLang="en-US" sz="1225" dirty="0" smtClean="0">
+              <a:rPr lang="ko-KR" altLang="en-US" sz="1225" b="1" dirty="0" smtClean="0">
                 <a:latin typeface="LG Smart UI Regular" panose="020B0500000101010101" pitchFamily="50" charset="-127"/>
                 <a:ea typeface="LG Smart UI Regular" panose="020B0500000101010101" pitchFamily="50" charset="-127"/>
               </a:rPr>
               <a:t>의 값을 참조하고 있다</a:t>
             </a:r>
             <a:r>
-              <a:rPr lang="en-US" altLang="ko-KR" sz="1225" dirty="0" smtClean="0">
+              <a:rPr lang="en-US" altLang="ko-KR" sz="1225" b="1" dirty="0" smtClean="0">
                 <a:latin typeface="LG Smart UI Regular" panose="020B0500000101010101" pitchFamily="50" charset="-127"/>
                 <a:ea typeface="LG Smart UI Regular" panose="020B0500000101010101" pitchFamily="50" charset="-127"/>
               </a:rPr>
@@ -23372,28 +23288,27 @@
             </a:r>
           </a:p>
           <a:p>
-            <a:pPr marL="0" indent="0">
+            <a:pPr lvl="5">
               <a:lnSpc>
                 <a:spcPts val="1960"/>
               </a:lnSpc>
-              <a:buNone/>
             </a:pPr>
             <a:r>
-              <a:rPr lang="en-US" altLang="ko-KR" sz="1225" dirty="0" smtClean="0">
+              <a:rPr lang="en-US" altLang="ko-KR" sz="1225" b="1" dirty="0" smtClean="0">
                 <a:latin typeface="LG Smart UI Regular" panose="020B0500000101010101" pitchFamily="50" charset="-127"/>
                 <a:ea typeface="LG Smart UI Regular" panose="020B0500000101010101" pitchFamily="50" charset="-127"/>
               </a:rPr>
               <a:t>*p2[1] // no2 </a:t>
             </a:r>
             <a:r>
-              <a:rPr lang="ko-KR" altLang="en-US" sz="1225" dirty="0" smtClean="0">
+              <a:rPr lang="ko-KR" altLang="en-US" sz="1225" b="1" dirty="0" smtClean="0">
                 <a:latin typeface="LG Smart UI Regular" panose="020B0500000101010101" pitchFamily="50" charset="-127"/>
                 <a:ea typeface="LG Smart UI Regular" panose="020B0500000101010101" pitchFamily="50" charset="-127"/>
               </a:rPr>
               <a:t>의 값을 참조하고 있다</a:t>
             </a:r>
             <a:r>
-              <a:rPr lang="en-US" altLang="ko-KR" sz="1225" dirty="0" smtClean="0">
+              <a:rPr lang="en-US" altLang="ko-KR" sz="1225" b="1" dirty="0" smtClean="0">
                 <a:latin typeface="LG Smart UI Regular" panose="020B0500000101010101" pitchFamily="50" charset="-127"/>
                 <a:ea typeface="LG Smart UI Regular" panose="020B0500000101010101" pitchFamily="50" charset="-127"/>
               </a:rPr>
@@ -23401,28 +23316,27 @@
             </a:r>
           </a:p>
           <a:p>
-            <a:pPr marL="0" indent="0">
+            <a:pPr lvl="5">
               <a:lnSpc>
                 <a:spcPts val="1960"/>
               </a:lnSpc>
-              <a:buNone/>
             </a:pPr>
             <a:r>
-              <a:rPr lang="en-US" altLang="ko-KR" sz="1225" dirty="0" smtClean="0">
+              <a:rPr lang="en-US" altLang="ko-KR" sz="1225" b="1" dirty="0" smtClean="0">
                 <a:latin typeface="LG Smart UI Regular" panose="020B0500000101010101" pitchFamily="50" charset="-127"/>
                 <a:ea typeface="LG Smart UI Regular" panose="020B0500000101010101" pitchFamily="50" charset="-127"/>
               </a:rPr>
               <a:t>*p3[2] // no3 </a:t>
             </a:r>
             <a:r>
-              <a:rPr lang="ko-KR" altLang="en-US" sz="1225" dirty="0" smtClean="0">
+              <a:rPr lang="ko-KR" altLang="en-US" sz="1225" b="1" dirty="0" smtClean="0">
                 <a:latin typeface="LG Smart UI Regular" panose="020B0500000101010101" pitchFamily="50" charset="-127"/>
                 <a:ea typeface="LG Smart UI Regular" panose="020B0500000101010101" pitchFamily="50" charset="-127"/>
               </a:rPr>
               <a:t>의 값을 참조하고 있다</a:t>
             </a:r>
             <a:r>
-              <a:rPr lang="en-US" altLang="ko-KR" sz="1225" dirty="0" smtClean="0">
+              <a:rPr lang="en-US" altLang="ko-KR" sz="1225" b="1" dirty="0" smtClean="0">
                 <a:latin typeface="LG Smart UI Regular" panose="020B0500000101010101" pitchFamily="50" charset="-127"/>
                 <a:ea typeface="LG Smart UI Regular" panose="020B0500000101010101" pitchFamily="50" charset="-127"/>
               </a:rPr>
@@ -23514,18 +23428,7 @@
                 <a:ea typeface="LG Smart UI Regular" panose="020B0500000101010101" pitchFamily="50" charset="-127"/>
                 <a:cs typeface="KoPubWorld바탕체 Bold" panose="00000800000000000000" pitchFamily="2" charset="-127"/>
               </a:rPr>
-              <a:t>Chapter </a:t>
-            </a:r>
-            <a:r>
-              <a:rPr lang="en-US" altLang="ko-KR" sz="2200" dirty="0" smtClean="0">
-                <a:solidFill>
-                  <a:schemeClr val="tx1"/>
-                </a:solidFill>
-                <a:latin typeface="LG Smart UI Regular" panose="020B0500000101010101" pitchFamily="50" charset="-127"/>
-                <a:ea typeface="LG Smart UI Regular" panose="020B0500000101010101" pitchFamily="50" charset="-127"/>
-                <a:cs typeface="KoPubWorld바탕체 Bold" panose="00000800000000000000" pitchFamily="2" charset="-127"/>
-              </a:rPr>
-              <a:t>30</a:t>
+              <a:t>Chapter 30</a:t>
             </a:r>
             <a:r>
               <a:rPr lang="ko-KR" altLang="en-US" sz="2200" dirty="0" smtClean="0">
@@ -24482,8 +24385,8 @@
         </p:nvSpPr>
         <p:spPr>
           <a:xfrm>
-            <a:off x="2068856" y="1044033"/>
-            <a:ext cx="7115176" cy="3989286"/>
+            <a:off x="2068856" y="1044032"/>
+            <a:ext cx="7256376" cy="4944875"/>
           </a:xfrm>
           <a:prstGeom prst="rect">
             <a:avLst/>
@@ -24598,16 +24501,23 @@
                 <a:latin typeface="LG Smart UI Regular" panose="020B0500000101010101" pitchFamily="50" charset="-127"/>
                 <a:ea typeface="LG Smart UI Regular" panose="020B0500000101010101" pitchFamily="50" charset="-127"/>
               </a:rPr>
-              <a:t> = 20; // temp1</a:t>
-            </a:r>
-            <a:r>
-              <a:rPr lang="ko-KR" altLang="en-US" sz="1225" dirty="0" smtClean="0">
+              <a:t> = 20; </a:t>
+            </a:r>
+            <a:r>
+              <a:rPr lang="en-US" altLang="ko-KR" sz="1225" b="1" dirty="0" smtClean="0">
+                <a:latin typeface="LG Smart UI Regular" panose="020B0500000101010101" pitchFamily="50" charset="-127"/>
+                <a:ea typeface="LG Smart UI Regular" panose="020B0500000101010101" pitchFamily="50" charset="-127"/>
+              </a:rPr>
+              <a:t>// temp1</a:t>
+            </a:r>
+            <a:r>
+              <a:rPr lang="ko-KR" altLang="en-US" sz="1225" b="1" dirty="0" smtClean="0">
                 <a:latin typeface="LG Smart UI Regular" panose="020B0500000101010101" pitchFamily="50" charset="-127"/>
                 <a:ea typeface="LG Smart UI Regular" panose="020B0500000101010101" pitchFamily="50" charset="-127"/>
               </a:rPr>
               <a:t>내에 있는 지역 변수</a:t>
             </a:r>
-            <a:endParaRPr lang="en-US" altLang="ko-KR" sz="1225" dirty="0" smtClean="0">
+            <a:endParaRPr lang="en-US" altLang="ko-KR" sz="1225" b="1" dirty="0" smtClean="0">
               <a:latin typeface="LG Smart UI Regular" panose="020B0500000101010101" pitchFamily="50" charset="-127"/>
               <a:ea typeface="LG Smart UI Regular" panose="020B0500000101010101" pitchFamily="50" charset="-127"/>
             </a:endParaRPr>
@@ -24645,30 +24555,37 @@
                 <a:latin typeface="LG Smart UI Regular" panose="020B0500000101010101" pitchFamily="50" charset="-127"/>
                 <a:ea typeface="LG Smart UI Regular" panose="020B0500000101010101" pitchFamily="50" charset="-127"/>
               </a:rPr>
-              <a:t> + 1; // temp1</a:t>
-            </a:r>
-            <a:r>
-              <a:rPr lang="ko-KR" altLang="en-US" sz="1225" dirty="0" smtClean="0">
+              <a:t> + 1; </a:t>
+            </a:r>
+            <a:r>
+              <a:rPr lang="en-US" altLang="ko-KR" sz="1225" b="1" dirty="0" smtClean="0">
+                <a:latin typeface="LG Smart UI Regular" panose="020B0500000101010101" pitchFamily="50" charset="-127"/>
+                <a:ea typeface="LG Smart UI Regular" panose="020B0500000101010101" pitchFamily="50" charset="-127"/>
+              </a:rPr>
+              <a:t>// temp1</a:t>
+            </a:r>
+            <a:r>
+              <a:rPr lang="ko-KR" altLang="en-US" sz="1225" b="1" dirty="0" smtClean="0">
                 <a:latin typeface="LG Smart UI Regular" panose="020B0500000101010101" pitchFamily="50" charset="-127"/>
                 <a:ea typeface="LG Smart UI Regular" panose="020B0500000101010101" pitchFamily="50" charset="-127"/>
               </a:rPr>
               <a:t>내에 있는 지역변수에 </a:t>
             </a:r>
             <a:r>
-              <a:rPr lang="en-US" altLang="ko-KR" sz="1225" dirty="0" smtClean="0">
+              <a:rPr lang="en-US" altLang="ko-KR" sz="1225" b="1" dirty="0" smtClean="0">
                 <a:latin typeface="LG Smart UI Regular" panose="020B0500000101010101" pitchFamily="50" charset="-127"/>
                 <a:ea typeface="LG Smart UI Regular" panose="020B0500000101010101" pitchFamily="50" charset="-127"/>
               </a:rPr>
               <a:t>1</a:t>
             </a:r>
             <a:r>
-              <a:rPr lang="ko-KR" altLang="en-US" sz="1225" dirty="0" smtClean="0">
+              <a:rPr lang="ko-KR" altLang="en-US" sz="1225" b="1" dirty="0" smtClean="0">
                 <a:latin typeface="LG Smart UI Regular" panose="020B0500000101010101" pitchFamily="50" charset="-127"/>
                 <a:ea typeface="LG Smart UI Regular" panose="020B0500000101010101" pitchFamily="50" charset="-127"/>
               </a:rPr>
               <a:t>을 더한 값을 리턴</a:t>
             </a:r>
-            <a:endParaRPr lang="en-US" altLang="ko-KR" sz="1225" dirty="0">
+            <a:endParaRPr lang="en-US" altLang="ko-KR" sz="1225" b="1" dirty="0">
               <a:latin typeface="LG Smart UI Regular" panose="020B0500000101010101" pitchFamily="50" charset="-127"/>
               <a:ea typeface="LG Smart UI Regular" panose="020B0500000101010101" pitchFamily="50" charset="-127"/>
             </a:endParaRPr>
@@ -24681,48 +24598,48 @@
               <a:buNone/>
             </a:pPr>
             <a:r>
-              <a:rPr lang="en-US" altLang="ko-KR" sz="1225" dirty="0" smtClean="0">
+              <a:rPr lang="en-US" altLang="ko-KR" sz="1225" b="1" dirty="0" smtClean="0">
                 <a:latin typeface="LG Smart UI Regular" panose="020B0500000101010101" pitchFamily="50" charset="-127"/>
                 <a:ea typeface="LG Smart UI Regular" panose="020B0500000101010101" pitchFamily="50" charset="-127"/>
               </a:rPr>
               <a:t>}// </a:t>
             </a:r>
             <a:r>
-              <a:rPr lang="ko-KR" altLang="en-US" sz="1225" dirty="0" smtClean="0">
+              <a:rPr lang="ko-KR" altLang="en-US" sz="1225" b="1" dirty="0" smtClean="0">
                 <a:latin typeface="LG Smart UI Regular" panose="020B0500000101010101" pitchFamily="50" charset="-127"/>
                 <a:ea typeface="LG Smart UI Regular" panose="020B0500000101010101" pitchFamily="50" charset="-127"/>
               </a:rPr>
               <a:t>결론적으로는 </a:t>
             </a:r>
             <a:r>
-              <a:rPr lang="en-US" altLang="ko-KR" sz="1225" dirty="0" smtClean="0">
+              <a:rPr lang="en-US" altLang="ko-KR" sz="1225" b="1" dirty="0" smtClean="0">
                 <a:latin typeface="LG Smart UI Regular" panose="020B0500000101010101" pitchFamily="50" charset="-127"/>
                 <a:ea typeface="LG Smart UI Regular" panose="020B0500000101010101" pitchFamily="50" charset="-127"/>
               </a:rPr>
               <a:t>main </a:t>
             </a:r>
             <a:r>
-              <a:rPr lang="ko-KR" altLang="en-US" sz="1225" dirty="0" smtClean="0">
+              <a:rPr lang="ko-KR" altLang="en-US" sz="1225" b="1" dirty="0" smtClean="0">
                 <a:latin typeface="LG Smart UI Regular" panose="020B0500000101010101" pitchFamily="50" charset="-127"/>
                 <a:ea typeface="LG Smart UI Regular" panose="020B0500000101010101" pitchFamily="50" charset="-127"/>
               </a:rPr>
               <a:t>함수에 있는 </a:t>
             </a:r>
             <a:r>
-              <a:rPr lang="en-US" altLang="ko-KR" sz="1225" dirty="0" err="1" smtClean="0">
+              <a:rPr lang="en-US" altLang="ko-KR" sz="1225" b="1" dirty="0" err="1" smtClean="0">
                 <a:latin typeface="LG Smart UI Regular" panose="020B0500000101010101" pitchFamily="50" charset="-127"/>
                 <a:ea typeface="LG Smart UI Regular" panose="020B0500000101010101" pitchFamily="50" charset="-127"/>
               </a:rPr>
               <a:t>num</a:t>
             </a:r>
             <a:r>
-              <a:rPr lang="ko-KR" altLang="en-US" sz="1225" dirty="0" smtClean="0">
+              <a:rPr lang="ko-KR" altLang="en-US" sz="1225" b="1" dirty="0" smtClean="0">
                 <a:latin typeface="LG Smart UI Regular" panose="020B0500000101010101" pitchFamily="50" charset="-127"/>
                 <a:ea typeface="LG Smart UI Regular" panose="020B0500000101010101" pitchFamily="50" charset="-127"/>
               </a:rPr>
               <a:t>이 필요가 없어짐</a:t>
             </a:r>
-            <a:endParaRPr lang="en-US" altLang="ko-KR" sz="1225" dirty="0" smtClean="0">
+            <a:endParaRPr lang="en-US" altLang="ko-KR" sz="1225" b="1" dirty="0" smtClean="0">
               <a:latin typeface="LG Smart UI Regular" panose="020B0500000101010101" pitchFamily="50" charset="-127"/>
               <a:ea typeface="LG Smart UI Regular" panose="020B0500000101010101" pitchFamily="50" charset="-127"/>
             </a:endParaRPr>
@@ -24857,93 +24774,100 @@
                 <a:latin typeface="LG Smart UI Regular" panose="020B0500000101010101" pitchFamily="50" charset="-127"/>
                 <a:ea typeface="LG Smart UI Regular" panose="020B0500000101010101" pitchFamily="50" charset="-127"/>
               </a:rPr>
-              <a:t>; // main </a:t>
-            </a:r>
-            <a:r>
-              <a:rPr lang="ko-KR" altLang="en-US" sz="1225" dirty="0" smtClean="0">
+              <a:t>; </a:t>
+            </a:r>
+            <a:r>
+              <a:rPr lang="en-US" altLang="ko-KR" sz="1225" b="1" dirty="0" smtClean="0">
+                <a:latin typeface="LG Smart UI Regular" panose="020B0500000101010101" pitchFamily="50" charset="-127"/>
+                <a:ea typeface="LG Smart UI Regular" panose="020B0500000101010101" pitchFamily="50" charset="-127"/>
+              </a:rPr>
+              <a:t>// main </a:t>
+            </a:r>
+            <a:r>
+              <a:rPr lang="ko-KR" altLang="en-US" sz="1225" b="1" dirty="0" smtClean="0">
                 <a:latin typeface="LG Smart UI Regular" panose="020B0500000101010101" pitchFamily="50" charset="-127"/>
                 <a:ea typeface="LG Smart UI Regular" panose="020B0500000101010101" pitchFamily="50" charset="-127"/>
               </a:rPr>
               <a:t>함수에서 부른 </a:t>
             </a:r>
             <a:r>
-              <a:rPr lang="en-US" altLang="ko-KR" sz="1225" dirty="0" err="1" smtClean="0">
+              <a:rPr lang="en-US" altLang="ko-KR" sz="1225" b="1" dirty="0" err="1" smtClean="0">
                 <a:latin typeface="LG Smart UI Regular" panose="020B0500000101010101" pitchFamily="50" charset="-127"/>
                 <a:ea typeface="LG Smart UI Regular" panose="020B0500000101010101" pitchFamily="50" charset="-127"/>
               </a:rPr>
               <a:t>num</a:t>
             </a:r>
             <a:r>
-              <a:rPr lang="ko-KR" altLang="en-US" sz="1225" dirty="0" smtClean="0">
+              <a:rPr lang="ko-KR" altLang="en-US" sz="1225" b="1" dirty="0" smtClean="0">
                 <a:latin typeface="LG Smart UI Regular" panose="020B0500000101010101" pitchFamily="50" charset="-127"/>
                 <a:ea typeface="LG Smart UI Regular" panose="020B0500000101010101" pitchFamily="50" charset="-127"/>
               </a:rPr>
               <a:t>값을 </a:t>
             </a:r>
             <a:r>
-              <a:rPr lang="en-US" altLang="ko-KR" sz="1225" dirty="0" smtClean="0">
+              <a:rPr lang="en-US" altLang="ko-KR" sz="1225" b="1" dirty="0" smtClean="0">
                 <a:latin typeface="LG Smart UI Regular" panose="020B0500000101010101" pitchFamily="50" charset="-127"/>
                 <a:ea typeface="LG Smart UI Regular" panose="020B0500000101010101" pitchFamily="50" charset="-127"/>
               </a:rPr>
               <a:t>call by value</a:t>
             </a:r>
             <a:r>
-              <a:rPr lang="ko-KR" altLang="en-US" sz="1225" dirty="0" smtClean="0">
+              <a:rPr lang="ko-KR" altLang="en-US" sz="1225" b="1" dirty="0" smtClean="0">
                 <a:latin typeface="LG Smart UI Regular" panose="020B0500000101010101" pitchFamily="50" charset="-127"/>
                 <a:ea typeface="LG Smart UI Regular" panose="020B0500000101010101" pitchFamily="50" charset="-127"/>
               </a:rPr>
               <a:t>를 통해 복사 한 후 </a:t>
             </a:r>
             <a:r>
-              <a:rPr lang="en-US" altLang="ko-KR" sz="1225" dirty="0" smtClean="0">
+              <a:rPr lang="en-US" altLang="ko-KR" sz="1225" b="1" dirty="0" smtClean="0">
                 <a:latin typeface="LG Smart UI Regular" panose="020B0500000101010101" pitchFamily="50" charset="-127"/>
                 <a:ea typeface="LG Smart UI Regular" panose="020B0500000101010101" pitchFamily="50" charset="-127"/>
               </a:rPr>
               <a:t>temp2</a:t>
             </a:r>
             <a:r>
-              <a:rPr lang="ko-KR" altLang="en-US" sz="1225" dirty="0" smtClean="0">
+              <a:rPr lang="ko-KR" altLang="en-US" sz="1225" b="1" dirty="0" smtClean="0">
                 <a:latin typeface="LG Smart UI Regular" panose="020B0500000101010101" pitchFamily="50" charset="-127"/>
                 <a:ea typeface="LG Smart UI Regular" panose="020B0500000101010101" pitchFamily="50" charset="-127"/>
               </a:rPr>
               <a:t>내에 지역변수로 </a:t>
             </a:r>
             <a:r>
-              <a:rPr lang="en-US" altLang="ko-KR" sz="1225" dirty="0" smtClean="0">
+              <a:rPr lang="en-US" altLang="ko-KR" sz="1225" b="1" dirty="0" smtClean="0">
                 <a:latin typeface="LG Smart UI Regular" panose="020B0500000101010101" pitchFamily="50" charset="-127"/>
                 <a:ea typeface="LG Smart UI Regular" panose="020B0500000101010101" pitchFamily="50" charset="-127"/>
               </a:rPr>
               <a:t>				</a:t>
             </a:r>
             <a:r>
-              <a:rPr lang="ko-KR" altLang="en-US" sz="1225" dirty="0" smtClean="0">
+              <a:rPr lang="ko-KR" altLang="en-US" sz="1225" b="1" dirty="0" smtClean="0">
                 <a:latin typeface="LG Smart UI Regular" panose="020B0500000101010101" pitchFamily="50" charset="-127"/>
                 <a:ea typeface="LG Smart UI Regular" panose="020B0500000101010101" pitchFamily="50" charset="-127"/>
               </a:rPr>
               <a:t>선언된 </a:t>
             </a:r>
             <a:r>
-              <a:rPr lang="en-US" altLang="ko-KR" sz="1225" dirty="0" err="1" smtClean="0">
+              <a:rPr lang="en-US" altLang="ko-KR" sz="1225" b="1" dirty="0" err="1" smtClean="0">
                 <a:latin typeface="LG Smart UI Regular" panose="020B0500000101010101" pitchFamily="50" charset="-127"/>
                 <a:ea typeface="LG Smart UI Regular" panose="020B0500000101010101" pitchFamily="50" charset="-127"/>
               </a:rPr>
               <a:t>num</a:t>
             </a:r>
             <a:r>
-              <a:rPr lang="en-US" altLang="ko-KR" sz="1225" dirty="0" smtClean="0">
+              <a:rPr lang="en-US" altLang="ko-KR" sz="1225" b="1" dirty="0" smtClean="0">
                 <a:latin typeface="LG Smart UI Regular" panose="020B0500000101010101" pitchFamily="50" charset="-127"/>
                 <a:ea typeface="LG Smart UI Regular" panose="020B0500000101010101" pitchFamily="50" charset="-127"/>
               </a:rPr>
               <a:t> </a:t>
             </a:r>
             <a:r>
-              <a:rPr lang="ko-KR" altLang="en-US" sz="1225" dirty="0" smtClean="0">
+              <a:rPr lang="ko-KR" altLang="en-US" sz="1225" b="1" dirty="0" smtClean="0">
                 <a:latin typeface="LG Smart UI Regular" panose="020B0500000101010101" pitchFamily="50" charset="-127"/>
                 <a:ea typeface="LG Smart UI Regular" panose="020B0500000101010101" pitchFamily="50" charset="-127"/>
               </a:rPr>
               <a:t>값에 대입</a:t>
             </a:r>
-            <a:endParaRPr lang="en-US" altLang="ko-KR" sz="1225" dirty="0" smtClean="0">
+            <a:endParaRPr lang="en-US" altLang="ko-KR" sz="1225" b="1" dirty="0" smtClean="0">
               <a:latin typeface="LG Smart UI Regular" panose="020B0500000101010101" pitchFamily="50" charset="-127"/>
               <a:ea typeface="LG Smart UI Regular" panose="020B0500000101010101" pitchFamily="50" charset="-127"/>
             </a:endParaRPr>
@@ -24981,44 +24905,51 @@
                 <a:latin typeface="LG Smart UI Regular" panose="020B0500000101010101" pitchFamily="50" charset="-127"/>
                 <a:ea typeface="LG Smart UI Regular" panose="020B0500000101010101" pitchFamily="50" charset="-127"/>
               </a:rPr>
-              <a:t> + 1; // temp2</a:t>
-            </a:r>
-            <a:r>
-              <a:rPr lang="ko-KR" altLang="en-US" sz="1225" dirty="0" smtClean="0">
+              <a:t> + 1; </a:t>
+            </a:r>
+            <a:r>
+              <a:rPr lang="en-US" altLang="ko-KR" sz="1225" b="1" dirty="0" smtClean="0">
+                <a:latin typeface="LG Smart UI Regular" panose="020B0500000101010101" pitchFamily="50" charset="-127"/>
+                <a:ea typeface="LG Smart UI Regular" panose="020B0500000101010101" pitchFamily="50" charset="-127"/>
+              </a:rPr>
+              <a:t>// temp2</a:t>
+            </a:r>
+            <a:r>
+              <a:rPr lang="ko-KR" altLang="en-US" sz="1225" b="1" dirty="0" smtClean="0">
                 <a:latin typeface="LG Smart UI Regular" panose="020B0500000101010101" pitchFamily="50" charset="-127"/>
                 <a:ea typeface="LG Smart UI Regular" panose="020B0500000101010101" pitchFamily="50" charset="-127"/>
               </a:rPr>
               <a:t>내에 있는 지역변수 </a:t>
             </a:r>
             <a:r>
-              <a:rPr lang="en-US" altLang="ko-KR" sz="1225" dirty="0" err="1" smtClean="0">
+              <a:rPr lang="en-US" altLang="ko-KR" sz="1225" b="1" dirty="0" err="1" smtClean="0">
                 <a:latin typeface="LG Smart UI Regular" panose="020B0500000101010101" pitchFamily="50" charset="-127"/>
                 <a:ea typeface="LG Smart UI Regular" panose="020B0500000101010101" pitchFamily="50" charset="-127"/>
               </a:rPr>
               <a:t>num</a:t>
             </a:r>
             <a:r>
-              <a:rPr lang="ko-KR" altLang="en-US" sz="1225" dirty="0" smtClean="0">
+              <a:rPr lang="ko-KR" altLang="en-US" sz="1225" b="1" dirty="0" smtClean="0">
                 <a:latin typeface="LG Smart UI Regular" panose="020B0500000101010101" pitchFamily="50" charset="-127"/>
                 <a:ea typeface="LG Smart UI Regular" panose="020B0500000101010101" pitchFamily="50" charset="-127"/>
               </a:rPr>
               <a:t>에 </a:t>
             </a:r>
             <a:r>
-              <a:rPr lang="en-US" altLang="ko-KR" sz="1225" dirty="0" smtClean="0">
+              <a:rPr lang="en-US" altLang="ko-KR" sz="1225" b="1" dirty="0" smtClean="0">
                 <a:latin typeface="LG Smart UI Regular" panose="020B0500000101010101" pitchFamily="50" charset="-127"/>
                 <a:ea typeface="LG Smart UI Regular" panose="020B0500000101010101" pitchFamily="50" charset="-127"/>
               </a:rPr>
               <a:t>+1 </a:t>
             </a:r>
             <a:r>
-              <a:rPr lang="ko-KR" altLang="en-US" sz="1225" dirty="0" smtClean="0">
+              <a:rPr lang="ko-KR" altLang="en-US" sz="1225" b="1" dirty="0" smtClean="0">
                 <a:latin typeface="LG Smart UI Regular" panose="020B0500000101010101" pitchFamily="50" charset="-127"/>
                 <a:ea typeface="LG Smart UI Regular" panose="020B0500000101010101" pitchFamily="50" charset="-127"/>
               </a:rPr>
               <a:t>을 하고 리턴</a:t>
             </a:r>
-            <a:endParaRPr lang="en-US" altLang="ko-KR" sz="1225" dirty="0">
+            <a:endParaRPr lang="en-US" altLang="ko-KR" sz="1225" b="1" dirty="0">
               <a:latin typeface="LG Smart UI Regular" panose="020B0500000101010101" pitchFamily="50" charset="-127"/>
               <a:ea typeface="LG Smart UI Regular" panose="020B0500000101010101" pitchFamily="50" charset="-127"/>
             </a:endParaRPr>
@@ -25143,52 +25074,59 @@
                 <a:latin typeface="LG Smart UI Regular" panose="020B0500000101010101" pitchFamily="50" charset="-127"/>
                 <a:ea typeface="LG Smart UI Regular" panose="020B0500000101010101" pitchFamily="50" charset="-127"/>
               </a:rPr>
-              <a:t>); // </a:t>
-            </a:r>
-            <a:r>
-              <a:rPr lang="ko-KR" altLang="en-US" sz="1225" dirty="0" err="1" smtClean="0">
+              <a:t>); </a:t>
+            </a:r>
+            <a:r>
+              <a:rPr lang="en-US" altLang="ko-KR" sz="1225" b="1" dirty="0" smtClean="0">
+                <a:latin typeface="LG Smart UI Regular" panose="020B0500000101010101" pitchFamily="50" charset="-127"/>
+                <a:ea typeface="LG Smart UI Regular" panose="020B0500000101010101" pitchFamily="50" charset="-127"/>
+              </a:rPr>
+              <a:t>// </a:t>
+            </a:r>
+            <a:r>
+              <a:rPr lang="ko-KR" altLang="en-US" sz="1225" b="1" dirty="0" err="1" smtClean="0">
                 <a:latin typeface="LG Smart UI Regular" panose="020B0500000101010101" pitchFamily="50" charset="-127"/>
                 <a:ea typeface="LG Smart UI Regular" panose="020B0500000101010101" pitchFamily="50" charset="-127"/>
               </a:rPr>
               <a:t>함수내에서</a:t>
             </a:r>
             <a:r>
-              <a:rPr lang="ko-KR" altLang="en-US" sz="1225" dirty="0" smtClean="0">
+              <a:rPr lang="ko-KR" altLang="en-US" sz="1225" b="1" dirty="0" smtClean="0">
                 <a:latin typeface="LG Smart UI Regular" panose="020B0500000101010101" pitchFamily="50" charset="-127"/>
                 <a:ea typeface="LG Smart UI Regular" panose="020B0500000101010101" pitchFamily="50" charset="-127"/>
               </a:rPr>
               <a:t> 선언된 지역변수를 사용하기 때문에 </a:t>
             </a:r>
             <a:r>
-              <a:rPr lang="en-US" altLang="ko-KR" sz="1225" dirty="0" smtClean="0">
+              <a:rPr lang="en-US" altLang="ko-KR" sz="1225" b="1" dirty="0" smtClean="0">
                 <a:latin typeface="LG Smart UI Regular" panose="020B0500000101010101" pitchFamily="50" charset="-127"/>
                 <a:ea typeface="LG Smart UI Regular" panose="020B0500000101010101" pitchFamily="50" charset="-127"/>
               </a:rPr>
               <a:t>main</a:t>
             </a:r>
             <a:r>
-              <a:rPr lang="ko-KR" altLang="en-US" sz="1225" dirty="0" smtClean="0">
+              <a:rPr lang="ko-KR" altLang="en-US" sz="1225" b="1" dirty="0" smtClean="0">
                 <a:latin typeface="LG Smart UI Regular" panose="020B0500000101010101" pitchFamily="50" charset="-127"/>
                 <a:ea typeface="LG Smart UI Regular" panose="020B0500000101010101" pitchFamily="50" charset="-127"/>
               </a:rPr>
               <a:t>함수의 </a:t>
             </a:r>
             <a:r>
-              <a:rPr lang="en-US" altLang="ko-KR" sz="1225" dirty="0" err="1" smtClean="0">
+              <a:rPr lang="en-US" altLang="ko-KR" sz="1225" b="1" dirty="0" err="1" smtClean="0">
                 <a:latin typeface="LG Smart UI Regular" panose="020B0500000101010101" pitchFamily="50" charset="-127"/>
                 <a:ea typeface="LG Smart UI Regular" panose="020B0500000101010101" pitchFamily="50" charset="-127"/>
               </a:rPr>
               <a:t>num</a:t>
             </a:r>
             <a:r>
-              <a:rPr lang="ko-KR" altLang="en-US" sz="1225" dirty="0" smtClean="0">
+              <a:rPr lang="ko-KR" altLang="en-US" sz="1225" b="1" dirty="0" smtClean="0">
                 <a:latin typeface="LG Smart UI Regular" panose="020B0500000101010101" pitchFamily="50" charset="-127"/>
                 <a:ea typeface="LG Smart UI Regular" panose="020B0500000101010101" pitchFamily="50" charset="-127"/>
               </a:rPr>
               <a:t>은 사용되지 않음</a:t>
             </a:r>
             <a:r>
-              <a:rPr lang="en-US" altLang="ko-KR" sz="1225" dirty="0" smtClean="0">
+              <a:rPr lang="en-US" altLang="ko-KR" sz="1225" b="1" dirty="0" smtClean="0">
                 <a:latin typeface="LG Smart UI Regular" panose="020B0500000101010101" pitchFamily="50" charset="-127"/>
                 <a:ea typeface="LG Smart UI Regular" panose="020B0500000101010101" pitchFamily="50" charset="-127"/>
               </a:rPr>
@@ -25235,121 +25173,128 @@
                 <a:latin typeface="LG Smart UI Regular" panose="020B0500000101010101" pitchFamily="50" charset="-127"/>
                 <a:ea typeface="LG Smart UI Regular" panose="020B0500000101010101" pitchFamily="50" charset="-127"/>
               </a:rPr>
-              <a:t>); // main </a:t>
-            </a:r>
-            <a:r>
-              <a:rPr lang="ko-KR" altLang="en-US" sz="1225" dirty="0" smtClean="0">
+              <a:t>); </a:t>
+            </a:r>
+            <a:r>
+              <a:rPr lang="en-US" altLang="ko-KR" sz="1225" b="1" dirty="0" smtClean="0">
+                <a:latin typeface="LG Smart UI Regular" panose="020B0500000101010101" pitchFamily="50" charset="-127"/>
+                <a:ea typeface="LG Smart UI Regular" panose="020B0500000101010101" pitchFamily="50" charset="-127"/>
+              </a:rPr>
+              <a:t>// main </a:t>
+            </a:r>
+            <a:r>
+              <a:rPr lang="ko-KR" altLang="en-US" sz="1225" b="1" dirty="0" smtClean="0">
                 <a:latin typeface="LG Smart UI Regular" panose="020B0500000101010101" pitchFamily="50" charset="-127"/>
                 <a:ea typeface="LG Smart UI Regular" panose="020B0500000101010101" pitchFamily="50" charset="-127"/>
               </a:rPr>
               <a:t>함수에 있는 변수 </a:t>
             </a:r>
             <a:r>
-              <a:rPr lang="en-US" altLang="ko-KR" sz="1225" dirty="0" err="1" smtClean="0">
+              <a:rPr lang="en-US" altLang="ko-KR" sz="1225" b="1" dirty="0" err="1" smtClean="0">
                 <a:latin typeface="LG Smart UI Regular" panose="020B0500000101010101" pitchFamily="50" charset="-127"/>
                 <a:ea typeface="LG Smart UI Regular" panose="020B0500000101010101" pitchFamily="50" charset="-127"/>
               </a:rPr>
               <a:t>num</a:t>
             </a:r>
             <a:r>
-              <a:rPr lang="ko-KR" altLang="en-US" sz="1225" dirty="0" smtClean="0">
+              <a:rPr lang="ko-KR" altLang="en-US" sz="1225" b="1" dirty="0" smtClean="0">
                 <a:latin typeface="LG Smart UI Regular" panose="020B0500000101010101" pitchFamily="50" charset="-127"/>
                 <a:ea typeface="LG Smart UI Regular" panose="020B0500000101010101" pitchFamily="50" charset="-127"/>
               </a:rPr>
               <a:t>을 </a:t>
             </a:r>
             <a:r>
-              <a:rPr lang="en-US" altLang="ko-KR" sz="1225" dirty="0" smtClean="0">
+              <a:rPr lang="en-US" altLang="ko-KR" sz="1225" b="1" dirty="0" smtClean="0">
                 <a:latin typeface="LG Smart UI Regular" panose="020B0500000101010101" pitchFamily="50" charset="-127"/>
                 <a:ea typeface="LG Smart UI Regular" panose="020B0500000101010101" pitchFamily="50" charset="-127"/>
               </a:rPr>
               <a:t>temp2</a:t>
             </a:r>
             <a:r>
-              <a:rPr lang="ko-KR" altLang="en-US" sz="1225" dirty="0" smtClean="0">
+              <a:rPr lang="ko-KR" altLang="en-US" sz="1225" b="1" dirty="0" smtClean="0">
                 <a:latin typeface="LG Smart UI Regular" panose="020B0500000101010101" pitchFamily="50" charset="-127"/>
                 <a:ea typeface="LG Smart UI Regular" panose="020B0500000101010101" pitchFamily="50" charset="-127"/>
               </a:rPr>
               <a:t>에서 </a:t>
             </a:r>
             <a:r>
-              <a:rPr lang="en-US" altLang="ko-KR" sz="1225" dirty="0" smtClean="0">
+              <a:rPr lang="en-US" altLang="ko-KR" sz="1225" b="1" dirty="0" smtClean="0">
                 <a:latin typeface="LG Smart UI Regular" panose="020B0500000101010101" pitchFamily="50" charset="-127"/>
                 <a:ea typeface="LG Smart UI Regular" panose="020B0500000101010101" pitchFamily="50" charset="-127"/>
               </a:rPr>
               <a:t>call by value</a:t>
             </a:r>
             <a:r>
-              <a:rPr lang="ko-KR" altLang="en-US" sz="1225" dirty="0" smtClean="0">
+              <a:rPr lang="ko-KR" altLang="en-US" sz="1225" b="1" dirty="0" smtClean="0">
                 <a:latin typeface="LG Smart UI Regular" panose="020B0500000101010101" pitchFamily="50" charset="-127"/>
                 <a:ea typeface="LG Smart UI Regular" panose="020B0500000101010101" pitchFamily="50" charset="-127"/>
               </a:rPr>
               <a:t>를 통해 복사하여 그 값을 </a:t>
             </a:r>
             <a:r>
-              <a:rPr lang="en-US" altLang="ko-KR" sz="1225" dirty="0" smtClean="0">
+              <a:rPr lang="en-US" altLang="ko-KR" sz="1225" b="1" dirty="0" smtClean="0">
                 <a:latin typeface="LG Smart UI Regular" panose="020B0500000101010101" pitchFamily="50" charset="-127"/>
                 <a:ea typeface="LG Smart UI Regular" panose="020B0500000101010101" pitchFamily="50" charset="-127"/>
               </a:rPr>
               <a:t>temp2 </a:t>
             </a:r>
             <a:r>
-              <a:rPr lang="ko-KR" altLang="en-US" sz="1225" dirty="0" err="1" smtClean="0">
+              <a:rPr lang="ko-KR" altLang="en-US" sz="1225" b="1" dirty="0" err="1" smtClean="0">
                 <a:latin typeface="LG Smart UI Regular" panose="020B0500000101010101" pitchFamily="50" charset="-127"/>
                 <a:ea typeface="LG Smart UI Regular" panose="020B0500000101010101" pitchFamily="50" charset="-127"/>
               </a:rPr>
               <a:t>함수내에</a:t>
             </a:r>
             <a:r>
-              <a:rPr lang="ko-KR" altLang="en-US" sz="1225" dirty="0" smtClean="0">
+              <a:rPr lang="ko-KR" altLang="en-US" sz="1225" b="1" dirty="0" smtClean="0">
                 <a:latin typeface="LG Smart UI Regular" panose="020B0500000101010101" pitchFamily="50" charset="-127"/>
                 <a:ea typeface="LG Smart UI Regular" panose="020B0500000101010101" pitchFamily="50" charset="-127"/>
               </a:rPr>
               <a:t> 있는 지역 변수인 </a:t>
             </a:r>
             <a:r>
-              <a:rPr lang="en-US" altLang="ko-KR" sz="1225" dirty="0" err="1" smtClean="0">
+              <a:rPr lang="en-US" altLang="ko-KR" sz="1225" b="1" dirty="0" err="1" smtClean="0">
                 <a:latin typeface="LG Smart UI Regular" panose="020B0500000101010101" pitchFamily="50" charset="-127"/>
                 <a:ea typeface="LG Smart UI Regular" panose="020B0500000101010101" pitchFamily="50" charset="-127"/>
               </a:rPr>
               <a:t>num</a:t>
             </a:r>
             <a:r>
-              <a:rPr lang="ko-KR" altLang="en-US" sz="1225" dirty="0" smtClean="0">
+              <a:rPr lang="ko-KR" altLang="en-US" sz="1225" b="1" dirty="0" smtClean="0">
                 <a:latin typeface="LG Smart UI Regular" panose="020B0500000101010101" pitchFamily="50" charset="-127"/>
                 <a:ea typeface="LG Smart UI Regular" panose="020B0500000101010101" pitchFamily="50" charset="-127"/>
               </a:rPr>
               <a:t>에 저장 후 </a:t>
             </a:r>
             <a:r>
-              <a:rPr lang="en-US" altLang="ko-KR" sz="1225" dirty="0" err="1" smtClean="0">
+              <a:rPr lang="en-US" altLang="ko-KR" sz="1225" b="1" dirty="0" err="1" smtClean="0">
                 <a:latin typeface="LG Smart UI Regular" panose="020B0500000101010101" pitchFamily="50" charset="-127"/>
                 <a:ea typeface="LG Smart UI Regular" panose="020B0500000101010101" pitchFamily="50" charset="-127"/>
               </a:rPr>
               <a:t>num</a:t>
             </a:r>
             <a:r>
-              <a:rPr lang="ko-KR" altLang="en-US" sz="1225" dirty="0" smtClean="0">
+              <a:rPr lang="ko-KR" altLang="en-US" sz="1225" b="1" dirty="0" smtClean="0">
                 <a:latin typeface="LG Smart UI Regular" panose="020B0500000101010101" pitchFamily="50" charset="-127"/>
                 <a:ea typeface="LG Smart UI Regular" panose="020B0500000101010101" pitchFamily="50" charset="-127"/>
               </a:rPr>
               <a:t>에 </a:t>
             </a:r>
             <a:r>
-              <a:rPr lang="en-US" altLang="ko-KR" sz="1225" dirty="0" smtClean="0">
+              <a:rPr lang="en-US" altLang="ko-KR" sz="1225" b="1" dirty="0" smtClean="0">
                 <a:latin typeface="LG Smart UI Regular" panose="020B0500000101010101" pitchFamily="50" charset="-127"/>
                 <a:ea typeface="LG Smart UI Regular" panose="020B0500000101010101" pitchFamily="50" charset="-127"/>
               </a:rPr>
               <a:t>1</a:t>
             </a:r>
             <a:r>
-              <a:rPr lang="ko-KR" altLang="en-US" sz="1225" dirty="0" smtClean="0">
+              <a:rPr lang="ko-KR" altLang="en-US" sz="1225" b="1" dirty="0" smtClean="0">
                 <a:latin typeface="LG Smart UI Regular" panose="020B0500000101010101" pitchFamily="50" charset="-127"/>
                 <a:ea typeface="LG Smart UI Regular" panose="020B0500000101010101" pitchFamily="50" charset="-127"/>
               </a:rPr>
               <a:t>을 더한 값을 리턴 함</a:t>
             </a:r>
-            <a:endParaRPr lang="en-US" altLang="ko-KR" sz="1225" dirty="0" smtClean="0">
+            <a:endParaRPr lang="en-US" altLang="ko-KR" sz="1225" b="1" dirty="0" smtClean="0">
               <a:latin typeface="LG Smart UI Regular" panose="020B0500000101010101" pitchFamily="50" charset="-127"/>
               <a:ea typeface="LG Smart UI Regular" panose="020B0500000101010101" pitchFamily="50" charset="-127"/>
             </a:endParaRPr>
@@ -25622,37 +25567,44 @@
                 <a:latin typeface="LG Smart UI Regular" panose="020B0500000101010101" pitchFamily="50" charset="-127"/>
                 <a:ea typeface="LG Smart UI Regular" panose="020B0500000101010101" pitchFamily="50" charset="-127"/>
               </a:rPr>
-              <a:t> ++; // </a:t>
-            </a:r>
-            <a:r>
-              <a:rPr lang="ko-KR" altLang="en-US" sz="1500" dirty="0" err="1" smtClean="0">
+              <a:t> ++; </a:t>
+            </a:r>
+            <a:r>
+              <a:rPr lang="en-US" altLang="ko-KR" sz="1500" b="1" dirty="0" smtClean="0">
+                <a:latin typeface="LG Smart UI Regular" panose="020B0500000101010101" pitchFamily="50" charset="-127"/>
+                <a:ea typeface="LG Smart UI Regular" panose="020B0500000101010101" pitchFamily="50" charset="-127"/>
+              </a:rPr>
+              <a:t>// </a:t>
+            </a:r>
+            <a:r>
+              <a:rPr lang="ko-KR" altLang="en-US" sz="1500" b="1" dirty="0" err="1" smtClean="0">
                 <a:latin typeface="LG Smart UI Regular" panose="020B0500000101010101" pitchFamily="50" charset="-127"/>
                 <a:ea typeface="LG Smart UI Regular" panose="020B0500000101010101" pitchFamily="50" charset="-127"/>
               </a:rPr>
               <a:t>증감처리된</a:t>
             </a:r>
             <a:r>
-              <a:rPr lang="ko-KR" altLang="en-US" sz="1500" dirty="0" smtClean="0">
+              <a:rPr lang="ko-KR" altLang="en-US" sz="1500" b="1" dirty="0" smtClean="0">
                 <a:latin typeface="LG Smart UI Regular" panose="020B0500000101010101" pitchFamily="50" charset="-127"/>
                 <a:ea typeface="LG Smart UI Regular" panose="020B0500000101010101" pitchFamily="50" charset="-127"/>
               </a:rPr>
               <a:t> </a:t>
             </a:r>
             <a:r>
-              <a:rPr lang="en-US" altLang="ko-KR" sz="1500" dirty="0" err="1" smtClean="0">
+              <a:rPr lang="en-US" altLang="ko-KR" sz="1500" b="1" dirty="0" err="1" smtClean="0">
                 <a:latin typeface="LG Smart UI Regular" panose="020B0500000101010101" pitchFamily="50" charset="-127"/>
                 <a:ea typeface="LG Smart UI Regular" panose="020B0500000101010101" pitchFamily="50" charset="-127"/>
               </a:rPr>
               <a:t>g_num</a:t>
             </a:r>
             <a:r>
-              <a:rPr lang="ko-KR" altLang="en-US" sz="1500" dirty="0" smtClean="0">
+              <a:rPr lang="ko-KR" altLang="en-US" sz="1500" b="1" dirty="0" smtClean="0">
                 <a:latin typeface="LG Smart UI Regular" panose="020B0500000101010101" pitchFamily="50" charset="-127"/>
                 <a:ea typeface="LG Smart UI Regular" panose="020B0500000101010101" pitchFamily="50" charset="-127"/>
               </a:rPr>
               <a:t>을 또 다시 증감</a:t>
             </a:r>
-            <a:endParaRPr lang="en-US" altLang="ko-KR" sz="1500" dirty="0">
+            <a:endParaRPr lang="en-US" altLang="ko-KR" sz="1500" b="1" dirty="0">
               <a:latin typeface="LG Smart UI Regular" panose="020B0500000101010101" pitchFamily="50" charset="-127"/>
               <a:ea typeface="LG Smart UI Regular" panose="020B0500000101010101" pitchFamily="50" charset="-127"/>
             </a:endParaRPr>
@@ -25732,37 +25684,44 @@
                 <a:latin typeface="LG Smart UI Regular" panose="020B0500000101010101" pitchFamily="50" charset="-127"/>
                 <a:ea typeface="LG Smart UI Regular" panose="020B0500000101010101" pitchFamily="50" charset="-127"/>
               </a:rPr>
-              <a:t> ++; // </a:t>
-            </a:r>
-            <a:r>
-              <a:rPr lang="ko-KR" altLang="en-US" sz="1500" dirty="0" err="1" smtClean="0">
+              <a:t> ++; </a:t>
+            </a:r>
+            <a:r>
+              <a:rPr lang="en-US" altLang="ko-KR" sz="1500" b="1" dirty="0" smtClean="0">
+                <a:latin typeface="LG Smart UI Regular" panose="020B0500000101010101" pitchFamily="50" charset="-127"/>
+                <a:ea typeface="LG Smart UI Regular" panose="020B0500000101010101" pitchFamily="50" charset="-127"/>
+              </a:rPr>
+              <a:t>// </a:t>
+            </a:r>
+            <a:r>
+              <a:rPr lang="ko-KR" altLang="en-US" sz="1500" b="1" dirty="0" err="1" smtClean="0">
                 <a:latin typeface="LG Smart UI Regular" panose="020B0500000101010101" pitchFamily="50" charset="-127"/>
                 <a:ea typeface="LG Smart UI Regular" panose="020B0500000101010101" pitchFamily="50" charset="-127"/>
               </a:rPr>
               <a:t>증감처리된</a:t>
             </a:r>
             <a:r>
-              <a:rPr lang="ko-KR" altLang="en-US" sz="1500" dirty="0" smtClean="0">
+              <a:rPr lang="ko-KR" altLang="en-US" sz="1500" b="1" dirty="0" smtClean="0">
                 <a:latin typeface="LG Smart UI Regular" panose="020B0500000101010101" pitchFamily="50" charset="-127"/>
                 <a:ea typeface="LG Smart UI Regular" panose="020B0500000101010101" pitchFamily="50" charset="-127"/>
               </a:rPr>
               <a:t> </a:t>
             </a:r>
             <a:r>
-              <a:rPr lang="en-US" altLang="ko-KR" sz="1500" dirty="0" err="1" smtClean="0">
+              <a:rPr lang="en-US" altLang="ko-KR" sz="1500" b="1" dirty="0" err="1" smtClean="0">
                 <a:latin typeface="LG Smart UI Regular" panose="020B0500000101010101" pitchFamily="50" charset="-127"/>
                 <a:ea typeface="LG Smart UI Regular" panose="020B0500000101010101" pitchFamily="50" charset="-127"/>
               </a:rPr>
               <a:t>g_num</a:t>
             </a:r>
             <a:r>
-              <a:rPr lang="ko-KR" altLang="en-US" sz="1500" dirty="0" smtClean="0">
+              <a:rPr lang="ko-KR" altLang="en-US" sz="1500" b="1" dirty="0" smtClean="0">
                 <a:latin typeface="LG Smart UI Regular" panose="020B0500000101010101" pitchFamily="50" charset="-127"/>
                 <a:ea typeface="LG Smart UI Regular" panose="020B0500000101010101" pitchFamily="50" charset="-127"/>
               </a:rPr>
               <a:t>을 또 다시 증감</a:t>
             </a:r>
-            <a:endParaRPr lang="en-US" altLang="ko-KR" sz="1500" dirty="0" smtClean="0">
+            <a:endParaRPr lang="en-US" altLang="ko-KR" sz="1500" b="1" dirty="0" smtClean="0">
               <a:latin typeface="LG Smart UI Regular" panose="020B0500000101010101" pitchFamily="50" charset="-127"/>
               <a:ea typeface="LG Smart UI Regular" panose="020B0500000101010101" pitchFamily="50" charset="-127"/>
             </a:endParaRPr>
@@ -25870,37 +25829,44 @@
                 <a:latin typeface="LG Smart UI Regular" panose="020B0500000101010101" pitchFamily="50" charset="-127"/>
                 <a:ea typeface="LG Smart UI Regular" panose="020B0500000101010101" pitchFamily="50" charset="-127"/>
               </a:rPr>
-              <a:t>++; // </a:t>
-            </a:r>
-            <a:r>
-              <a:rPr lang="ko-KR" altLang="en-US" sz="1500" dirty="0" smtClean="0">
+              <a:t>++; </a:t>
+            </a:r>
+            <a:r>
+              <a:rPr lang="en-US" altLang="ko-KR" sz="1500" b="1" dirty="0" smtClean="0">
+                <a:latin typeface="LG Smart UI Regular" panose="020B0500000101010101" pitchFamily="50" charset="-127"/>
+                <a:ea typeface="LG Smart UI Regular" panose="020B0500000101010101" pitchFamily="50" charset="-127"/>
+              </a:rPr>
+              <a:t>// </a:t>
+            </a:r>
+            <a:r>
+              <a:rPr lang="ko-KR" altLang="en-US" sz="1500" b="1" dirty="0" smtClean="0">
                 <a:latin typeface="LG Smart UI Regular" panose="020B0500000101010101" pitchFamily="50" charset="-127"/>
                 <a:ea typeface="LG Smart UI Regular" panose="020B0500000101010101" pitchFamily="50" charset="-127"/>
               </a:rPr>
               <a:t>지역변수 </a:t>
             </a:r>
             <a:r>
-              <a:rPr lang="en-US" altLang="ko-KR" sz="1500" dirty="0" err="1" smtClean="0">
+              <a:rPr lang="en-US" altLang="ko-KR" sz="1500" b="1" dirty="0" err="1" smtClean="0">
                 <a:latin typeface="LG Smart UI Regular" panose="020B0500000101010101" pitchFamily="50" charset="-127"/>
                 <a:ea typeface="LG Smart UI Regular" panose="020B0500000101010101" pitchFamily="50" charset="-127"/>
               </a:rPr>
               <a:t>g_num</a:t>
             </a:r>
             <a:r>
-              <a:rPr lang="en-US" altLang="ko-KR" sz="1500" dirty="0" smtClean="0">
+              <a:rPr lang="en-US" altLang="ko-KR" sz="1500" b="1" dirty="0" smtClean="0">
                 <a:latin typeface="LG Smart UI Regular" panose="020B0500000101010101" pitchFamily="50" charset="-127"/>
                 <a:ea typeface="LG Smart UI Regular" panose="020B0500000101010101" pitchFamily="50" charset="-127"/>
               </a:rPr>
               <a:t> </a:t>
             </a:r>
             <a:r>
-              <a:rPr lang="ko-KR" altLang="en-US" sz="1500" dirty="0" smtClean="0">
+              <a:rPr lang="ko-KR" altLang="en-US" sz="1500" b="1" dirty="0" smtClean="0">
                 <a:latin typeface="LG Smart UI Regular" panose="020B0500000101010101" pitchFamily="50" charset="-127"/>
                 <a:ea typeface="LG Smart UI Regular" panose="020B0500000101010101" pitchFamily="50" charset="-127"/>
               </a:rPr>
               <a:t>변수를 받아 증감처리</a:t>
             </a:r>
-            <a:endParaRPr lang="en-US" altLang="ko-KR" sz="1500" dirty="0">
+            <a:endParaRPr lang="en-US" altLang="ko-KR" sz="1500" b="1" dirty="0">
               <a:latin typeface="LG Smart UI Regular" panose="020B0500000101010101" pitchFamily="50" charset="-127"/>
               <a:ea typeface="LG Smart UI Regular" panose="020B0500000101010101" pitchFamily="50" charset="-127"/>
             </a:endParaRPr>
@@ -25917,65 +25883,72 @@
                 <a:latin typeface="LG Smart UI Regular" panose="020B0500000101010101" pitchFamily="50" charset="-127"/>
                 <a:ea typeface="LG Smart UI Regular" panose="020B0500000101010101" pitchFamily="50" charset="-127"/>
               </a:rPr>
-              <a:t>	func1(); // func1() </a:t>
-            </a:r>
-            <a:r>
-              <a:rPr lang="ko-KR" altLang="en-US" sz="1500" dirty="0" smtClean="0">
+              <a:t>	func1(); </a:t>
+            </a:r>
+            <a:r>
+              <a:rPr lang="en-US" altLang="ko-KR" sz="1500" b="1" dirty="0" smtClean="0">
+                <a:latin typeface="LG Smart UI Regular" panose="020B0500000101010101" pitchFamily="50" charset="-127"/>
+                <a:ea typeface="LG Smart UI Regular" panose="020B0500000101010101" pitchFamily="50" charset="-127"/>
+              </a:rPr>
+              <a:t>// func1() </a:t>
+            </a:r>
+            <a:r>
+              <a:rPr lang="ko-KR" altLang="en-US" sz="1500" b="1" dirty="0" smtClean="0">
                 <a:latin typeface="LG Smart UI Regular" panose="020B0500000101010101" pitchFamily="50" charset="-127"/>
                 <a:ea typeface="LG Smart UI Regular" panose="020B0500000101010101" pitchFamily="50" charset="-127"/>
               </a:rPr>
               <a:t>함수 호출 </a:t>
             </a:r>
             <a:r>
-              <a:rPr lang="en-US" altLang="ko-KR" sz="1500" dirty="0" smtClean="0">
+              <a:rPr lang="en-US" altLang="ko-KR" sz="1500" b="1" dirty="0" smtClean="0">
                 <a:latin typeface="LG Smart UI Regular" panose="020B0500000101010101" pitchFamily="50" charset="-127"/>
                 <a:ea typeface="LG Smart UI Regular" panose="020B0500000101010101" pitchFamily="50" charset="-127"/>
               </a:rPr>
               <a:t>-&gt; </a:t>
             </a:r>
             <a:r>
-              <a:rPr lang="en-US" altLang="ko-KR" sz="1500" dirty="0" err="1" smtClean="0">
+              <a:rPr lang="en-US" altLang="ko-KR" sz="1500" b="1" dirty="0" err="1" smtClean="0">
                 <a:latin typeface="LG Smart UI Regular" panose="020B0500000101010101" pitchFamily="50" charset="-127"/>
                 <a:ea typeface="LG Smart UI Regular" panose="020B0500000101010101" pitchFamily="50" charset="-127"/>
               </a:rPr>
               <a:t>g_num</a:t>
             </a:r>
             <a:r>
-              <a:rPr lang="ko-KR" altLang="en-US" sz="1500" dirty="0" smtClean="0">
+              <a:rPr lang="ko-KR" altLang="en-US" sz="1500" b="1" dirty="0" smtClean="0">
                 <a:latin typeface="LG Smart UI Regular" panose="020B0500000101010101" pitchFamily="50" charset="-127"/>
                 <a:ea typeface="LG Smart UI Regular" panose="020B0500000101010101" pitchFamily="50" charset="-127"/>
               </a:rPr>
               <a:t>은 </a:t>
             </a:r>
             <a:r>
-              <a:rPr lang="en-US" altLang="ko-KR" sz="1500" dirty="0" smtClean="0">
+              <a:rPr lang="en-US" altLang="ko-KR" sz="1500" b="1" dirty="0" smtClean="0">
                 <a:latin typeface="LG Smart UI Regular" panose="020B0500000101010101" pitchFamily="50" charset="-127"/>
                 <a:ea typeface="LG Smart UI Regular" panose="020B0500000101010101" pitchFamily="50" charset="-127"/>
               </a:rPr>
               <a:t>101, </a:t>
             </a:r>
             <a:r>
-              <a:rPr lang="ko-KR" altLang="en-US" sz="1500" dirty="0" smtClean="0">
+              <a:rPr lang="ko-KR" altLang="en-US" sz="1500" b="1" dirty="0" smtClean="0">
                 <a:latin typeface="LG Smart UI Regular" panose="020B0500000101010101" pitchFamily="50" charset="-127"/>
                 <a:ea typeface="LG Smart UI Regular" panose="020B0500000101010101" pitchFamily="50" charset="-127"/>
               </a:rPr>
               <a:t>내부적으로는 </a:t>
             </a:r>
             <a:r>
-              <a:rPr lang="en-US" altLang="ko-KR" sz="1500" dirty="0" smtClean="0">
+              <a:rPr lang="en-US" altLang="ko-KR" sz="1500" b="1" dirty="0" smtClean="0">
                 <a:latin typeface="LG Smart UI Regular" panose="020B0500000101010101" pitchFamily="50" charset="-127"/>
                 <a:ea typeface="LG Smart UI Regular" panose="020B0500000101010101" pitchFamily="50" charset="-127"/>
               </a:rPr>
               <a:t>102</a:t>
             </a:r>
             <a:r>
-              <a:rPr lang="ko-KR" altLang="en-US" sz="1500" dirty="0" smtClean="0">
+              <a:rPr lang="ko-KR" altLang="en-US" sz="1500" b="1" dirty="0" smtClean="0">
                 <a:latin typeface="LG Smart UI Regular" panose="020B0500000101010101" pitchFamily="50" charset="-127"/>
                 <a:ea typeface="LG Smart UI Regular" panose="020B0500000101010101" pitchFamily="50" charset="-127"/>
               </a:rPr>
               <a:t>인 상태</a:t>
             </a:r>
-            <a:endParaRPr lang="en-US" altLang="ko-KR" sz="1500" dirty="0" smtClean="0">
+            <a:endParaRPr lang="en-US" altLang="ko-KR" sz="1500" b="1" dirty="0" smtClean="0">
               <a:latin typeface="LG Smart UI Regular" panose="020B0500000101010101" pitchFamily="50" charset="-127"/>
               <a:ea typeface="LG Smart UI Regular" panose="020B0500000101010101" pitchFamily="50" charset="-127"/>
             </a:endParaRPr>
@@ -25992,65 +25965,72 @@
                 <a:latin typeface="LG Smart UI Regular" panose="020B0500000101010101" pitchFamily="50" charset="-127"/>
                 <a:ea typeface="LG Smart UI Regular" panose="020B0500000101010101" pitchFamily="50" charset="-127"/>
               </a:rPr>
-              <a:t>	func2();// func2() </a:t>
-            </a:r>
-            <a:r>
-              <a:rPr lang="ko-KR" altLang="en-US" sz="1500" dirty="0" smtClean="0">
+              <a:t>	func2</a:t>
+            </a:r>
+            <a:r>
+              <a:rPr lang="en-US" altLang="ko-KR" sz="1500" b="1" dirty="0" smtClean="0">
+                <a:latin typeface="LG Smart UI Regular" panose="020B0500000101010101" pitchFamily="50" charset="-127"/>
+                <a:ea typeface="LG Smart UI Regular" panose="020B0500000101010101" pitchFamily="50" charset="-127"/>
+              </a:rPr>
+              <a:t>();// func2() </a:t>
+            </a:r>
+            <a:r>
+              <a:rPr lang="ko-KR" altLang="en-US" sz="1500" b="1" dirty="0" smtClean="0">
                 <a:latin typeface="LG Smart UI Regular" panose="020B0500000101010101" pitchFamily="50" charset="-127"/>
                 <a:ea typeface="LG Smart UI Regular" panose="020B0500000101010101" pitchFamily="50" charset="-127"/>
               </a:rPr>
               <a:t>함수 호출 </a:t>
             </a:r>
             <a:r>
-              <a:rPr lang="en-US" altLang="ko-KR" sz="1500" dirty="0" smtClean="0">
+              <a:rPr lang="en-US" altLang="ko-KR" sz="1500" b="1" dirty="0" smtClean="0">
                 <a:latin typeface="LG Smart UI Regular" panose="020B0500000101010101" pitchFamily="50" charset="-127"/>
                 <a:ea typeface="LG Smart UI Regular" panose="020B0500000101010101" pitchFamily="50" charset="-127"/>
               </a:rPr>
               <a:t>-&gt; </a:t>
             </a:r>
             <a:r>
-              <a:rPr lang="en-US" altLang="ko-KR" sz="1500" dirty="0" err="1" smtClean="0">
+              <a:rPr lang="en-US" altLang="ko-KR" sz="1500" b="1" dirty="0" err="1" smtClean="0">
                 <a:latin typeface="LG Smart UI Regular" panose="020B0500000101010101" pitchFamily="50" charset="-127"/>
                 <a:ea typeface="LG Smart UI Regular" panose="020B0500000101010101" pitchFamily="50" charset="-127"/>
               </a:rPr>
               <a:t>g_num</a:t>
             </a:r>
             <a:r>
-              <a:rPr lang="ko-KR" altLang="en-US" sz="1500" dirty="0" smtClean="0">
+              <a:rPr lang="ko-KR" altLang="en-US" sz="1500" b="1" dirty="0" smtClean="0">
                 <a:latin typeface="LG Smart UI Regular" panose="020B0500000101010101" pitchFamily="50" charset="-127"/>
                 <a:ea typeface="LG Smart UI Regular" panose="020B0500000101010101" pitchFamily="50" charset="-127"/>
               </a:rPr>
               <a:t>은 </a:t>
             </a:r>
             <a:r>
-              <a:rPr lang="en-US" altLang="ko-KR" sz="1500" dirty="0" smtClean="0">
+              <a:rPr lang="en-US" altLang="ko-KR" sz="1500" b="1" dirty="0" smtClean="0">
                 <a:latin typeface="LG Smart UI Regular" panose="020B0500000101010101" pitchFamily="50" charset="-127"/>
                 <a:ea typeface="LG Smart UI Regular" panose="020B0500000101010101" pitchFamily="50" charset="-127"/>
               </a:rPr>
               <a:t>102, </a:t>
             </a:r>
             <a:r>
-              <a:rPr lang="ko-KR" altLang="en-US" sz="1500" dirty="0" smtClean="0">
+              <a:rPr lang="ko-KR" altLang="en-US" sz="1500" b="1" dirty="0" smtClean="0">
                 <a:latin typeface="LG Smart UI Regular" panose="020B0500000101010101" pitchFamily="50" charset="-127"/>
                 <a:ea typeface="LG Smart UI Regular" panose="020B0500000101010101" pitchFamily="50" charset="-127"/>
               </a:rPr>
               <a:t>내부적으로는 </a:t>
             </a:r>
             <a:r>
-              <a:rPr lang="en-US" altLang="ko-KR" sz="1500" dirty="0" smtClean="0">
+              <a:rPr lang="en-US" altLang="ko-KR" sz="1500" b="1" dirty="0" smtClean="0">
                 <a:latin typeface="LG Smart UI Regular" panose="020B0500000101010101" pitchFamily="50" charset="-127"/>
                 <a:ea typeface="LG Smart UI Regular" panose="020B0500000101010101" pitchFamily="50" charset="-127"/>
               </a:rPr>
               <a:t>103</a:t>
             </a:r>
             <a:r>
-              <a:rPr lang="ko-KR" altLang="en-US" sz="1500" dirty="0" smtClean="0">
+              <a:rPr lang="ko-KR" altLang="en-US" sz="1500" b="1" dirty="0" smtClean="0">
                 <a:latin typeface="LG Smart UI Regular" panose="020B0500000101010101" pitchFamily="50" charset="-127"/>
                 <a:ea typeface="LG Smart UI Regular" panose="020B0500000101010101" pitchFamily="50" charset="-127"/>
               </a:rPr>
               <a:t>인 상태</a:t>
             </a:r>
-            <a:endParaRPr lang="en-US" altLang="ko-KR" sz="1500" dirty="0" smtClean="0">
+            <a:endParaRPr lang="en-US" altLang="ko-KR" sz="1500" b="1" dirty="0" smtClean="0">
               <a:latin typeface="LG Smart UI Regular" panose="020B0500000101010101" pitchFamily="50" charset="-127"/>
               <a:ea typeface="LG Smart UI Regular" panose="020B0500000101010101" pitchFamily="50" charset="-127"/>
             </a:endParaRPr>
@@ -26102,16 +26082,23 @@
                 <a:latin typeface="LG Smart UI Regular" panose="020B0500000101010101" pitchFamily="50" charset="-127"/>
                 <a:ea typeface="LG Smart UI Regular" panose="020B0500000101010101" pitchFamily="50" charset="-127"/>
               </a:rPr>
-              <a:t>; // 103 </a:t>
-            </a:r>
-            <a:r>
-              <a:rPr lang="ko-KR" altLang="en-US" sz="1500" dirty="0" smtClean="0">
+              <a:t>; </a:t>
+            </a:r>
+            <a:r>
+              <a:rPr lang="en-US" altLang="ko-KR" sz="1500" b="1" dirty="0" smtClean="0">
+                <a:latin typeface="LG Smart UI Regular" panose="020B0500000101010101" pitchFamily="50" charset="-127"/>
+                <a:ea typeface="LG Smart UI Regular" panose="020B0500000101010101" pitchFamily="50" charset="-127"/>
+              </a:rPr>
+              <a:t>// 103 </a:t>
+            </a:r>
+            <a:r>
+              <a:rPr lang="ko-KR" altLang="en-US" sz="1500" b="1" dirty="0" smtClean="0">
                 <a:latin typeface="LG Smart UI Regular" panose="020B0500000101010101" pitchFamily="50" charset="-127"/>
                 <a:ea typeface="LG Smart UI Regular" panose="020B0500000101010101" pitchFamily="50" charset="-127"/>
               </a:rPr>
               <a:t>출력</a:t>
             </a:r>
-            <a:endParaRPr lang="en-US" altLang="ko-KR" sz="1500" dirty="0" smtClean="0">
+            <a:endParaRPr lang="en-US" altLang="ko-KR" sz="1500" b="1" dirty="0" smtClean="0">
               <a:latin typeface="LG Smart UI Regular" panose="020B0500000101010101" pitchFamily="50" charset="-127"/>
               <a:ea typeface="LG Smart UI Regular" panose="020B0500000101010101" pitchFamily="50" charset="-127"/>
             </a:endParaRPr>
@@ -26385,62 +26372,69 @@
                 <a:latin typeface="LG Smart UI Regular" panose="020B0500000101010101" pitchFamily="50" charset="-127"/>
                 <a:ea typeface="LG Smart UI Regular" panose="020B0500000101010101" pitchFamily="50" charset="-127"/>
               </a:rPr>
-              <a:t> p1 = &amp;n; // </a:t>
-            </a:r>
-            <a:r>
-              <a:rPr lang="ko-KR" altLang="en-US" sz="1500" dirty="0" smtClean="0">
+              <a:t> p1 = &amp;n</a:t>
+            </a:r>
+            <a:r>
+              <a:rPr lang="en-US" altLang="ko-KR" sz="1500" b="1" dirty="0" smtClean="0">
+                <a:latin typeface="LG Smart UI Regular" panose="020B0500000101010101" pitchFamily="50" charset="-127"/>
+                <a:ea typeface="LG Smart UI Regular" panose="020B0500000101010101" pitchFamily="50" charset="-127"/>
+              </a:rPr>
+              <a:t>; // </a:t>
+            </a:r>
+            <a:r>
+              <a:rPr lang="ko-KR" altLang="en-US" sz="1500" b="1" dirty="0" smtClean="0">
                 <a:latin typeface="LG Smart UI Regular" panose="020B0500000101010101" pitchFamily="50" charset="-127"/>
                 <a:ea typeface="LG Smart UI Regular" panose="020B0500000101010101" pitchFamily="50" charset="-127"/>
               </a:rPr>
               <a:t>값 변경 가능</a:t>
             </a:r>
             <a:r>
-              <a:rPr lang="en-US" altLang="ko-KR" sz="1500" dirty="0" smtClean="0">
+              <a:rPr lang="en-US" altLang="ko-KR" sz="1500" b="1" dirty="0" smtClean="0">
                 <a:latin typeface="LG Smart UI Regular" panose="020B0500000101010101" pitchFamily="50" charset="-127"/>
                 <a:ea typeface="LG Smart UI Regular" panose="020B0500000101010101" pitchFamily="50" charset="-127"/>
               </a:rPr>
               <a:t>, </a:t>
             </a:r>
             <a:r>
-              <a:rPr lang="ko-KR" altLang="en-US" sz="1500" dirty="0" err="1" smtClean="0">
+              <a:rPr lang="ko-KR" altLang="en-US" sz="1500" b="1" dirty="0" err="1" smtClean="0">
                 <a:latin typeface="LG Smart UI Regular" panose="020B0500000101010101" pitchFamily="50" charset="-127"/>
                 <a:ea typeface="LG Smart UI Regular" panose="020B0500000101010101" pitchFamily="50" charset="-127"/>
               </a:rPr>
               <a:t>주소값</a:t>
             </a:r>
             <a:r>
-              <a:rPr lang="ko-KR" altLang="en-US" sz="1500" dirty="0" smtClean="0">
+              <a:rPr lang="ko-KR" altLang="en-US" sz="1500" b="1" dirty="0" smtClean="0">
                 <a:latin typeface="LG Smart UI Regular" panose="020B0500000101010101" pitchFamily="50" charset="-127"/>
                 <a:ea typeface="LG Smart UI Regular" panose="020B0500000101010101" pitchFamily="50" charset="-127"/>
               </a:rPr>
               <a:t> 변경 불가 </a:t>
             </a:r>
             <a:r>
-              <a:rPr lang="en-US" altLang="ko-KR" sz="1500" dirty="0" smtClean="0">
+              <a:rPr lang="en-US" altLang="ko-KR" sz="1500" b="1" dirty="0" smtClean="0">
                 <a:latin typeface="LG Smart UI Regular" panose="020B0500000101010101" pitchFamily="50" charset="-127"/>
                 <a:ea typeface="LG Smart UI Regular" panose="020B0500000101010101" pitchFamily="50" charset="-127"/>
               </a:rPr>
               <a:t>-&gt; </a:t>
             </a:r>
             <a:r>
-              <a:rPr lang="ko-KR" altLang="en-US" sz="1500" dirty="0" smtClean="0">
+              <a:rPr lang="ko-KR" altLang="en-US" sz="1500" b="1" dirty="0" smtClean="0">
                 <a:latin typeface="LG Smart UI Regular" panose="020B0500000101010101" pitchFamily="50" charset="-127"/>
                 <a:ea typeface="LG Smart UI Regular" panose="020B0500000101010101" pitchFamily="50" charset="-127"/>
               </a:rPr>
               <a:t>상수 포인터</a:t>
             </a:r>
+            <a:endParaRPr lang="en-US" altLang="ko-KR" sz="1500" b="1" dirty="0" smtClean="0">
+              <a:latin typeface="LG Smart UI Regular" panose="020B0500000101010101" pitchFamily="50" charset="-127"/>
+              <a:ea typeface="LG Smart UI Regular" panose="020B0500000101010101" pitchFamily="50" charset="-127"/>
+            </a:endParaRPr>
+          </a:p>
+          <a:p>
             <a:endParaRPr lang="en-US" altLang="ko-KR" sz="1500" dirty="0" smtClean="0">
               <a:latin typeface="LG Smart UI Regular" panose="020B0500000101010101" pitchFamily="50" charset="-127"/>
               <a:ea typeface="LG Smart UI Regular" panose="020B0500000101010101" pitchFamily="50" charset="-127"/>
             </a:endParaRPr>
           </a:p>
           <a:p>
-            <a:endParaRPr lang="en-US" altLang="ko-KR" sz="1500" dirty="0" smtClean="0">
-              <a:latin typeface="LG Smart UI Regular" panose="020B0500000101010101" pitchFamily="50" charset="-127"/>
-              <a:ea typeface="LG Smart UI Regular" panose="020B0500000101010101" pitchFamily="50" charset="-127"/>
-            </a:endParaRPr>
-          </a:p>
-          <a:p>
             <a:r>
               <a:rPr lang="en-US" altLang="ko-KR" sz="1500" dirty="0">
                 <a:latin typeface="LG Smart UI Regular" panose="020B0500000101010101" pitchFamily="50" charset="-127"/>
@@ -26474,51 +26468,58 @@
                 <a:latin typeface="LG Smart UI Regular" panose="020B0500000101010101" pitchFamily="50" charset="-127"/>
                 <a:ea typeface="LG Smart UI Regular" panose="020B0500000101010101" pitchFamily="50" charset="-127"/>
               </a:rPr>
-              <a:t>* p2 = &amp;m; // </a:t>
-            </a:r>
-            <a:r>
-              <a:rPr lang="ko-KR" altLang="en-US" sz="1500" dirty="0" smtClean="0">
+              <a:t>* p2 = &amp;m; </a:t>
+            </a:r>
+            <a:r>
+              <a:rPr lang="en-US" altLang="ko-KR" sz="1500" b="1" dirty="0" smtClean="0">
+                <a:latin typeface="LG Smart UI Regular" panose="020B0500000101010101" pitchFamily="50" charset="-127"/>
+                <a:ea typeface="LG Smart UI Regular" panose="020B0500000101010101" pitchFamily="50" charset="-127"/>
+              </a:rPr>
+              <a:t>// </a:t>
+            </a:r>
+            <a:r>
+              <a:rPr lang="ko-KR" altLang="en-US" sz="1500" b="1" dirty="0" smtClean="0">
                 <a:latin typeface="LG Smart UI Regular" panose="020B0500000101010101" pitchFamily="50" charset="-127"/>
                 <a:ea typeface="LG Smart UI Regular" panose="020B0500000101010101" pitchFamily="50" charset="-127"/>
               </a:rPr>
               <a:t>값 변경 불가</a:t>
             </a:r>
             <a:r>
-              <a:rPr lang="en-US" altLang="ko-KR" sz="1500" dirty="0" smtClean="0">
+              <a:rPr lang="en-US" altLang="ko-KR" sz="1500" b="1" dirty="0" smtClean="0">
                 <a:latin typeface="LG Smart UI Regular" panose="020B0500000101010101" pitchFamily="50" charset="-127"/>
                 <a:ea typeface="LG Smart UI Regular" panose="020B0500000101010101" pitchFamily="50" charset="-127"/>
               </a:rPr>
               <a:t>, </a:t>
             </a:r>
             <a:r>
-              <a:rPr lang="ko-KR" altLang="en-US" sz="1500" dirty="0" err="1" smtClean="0">
+              <a:rPr lang="ko-KR" altLang="en-US" sz="1500" b="1" dirty="0" err="1" smtClean="0">
                 <a:latin typeface="LG Smart UI Regular" panose="020B0500000101010101" pitchFamily="50" charset="-127"/>
                 <a:ea typeface="LG Smart UI Regular" panose="020B0500000101010101" pitchFamily="50" charset="-127"/>
               </a:rPr>
               <a:t>주소값</a:t>
             </a:r>
             <a:r>
-              <a:rPr lang="ko-KR" altLang="en-US" sz="1500" dirty="0" smtClean="0">
+              <a:rPr lang="ko-KR" altLang="en-US" sz="1500" b="1" dirty="0" smtClean="0">
                 <a:latin typeface="LG Smart UI Regular" panose="020B0500000101010101" pitchFamily="50" charset="-127"/>
                 <a:ea typeface="LG Smart UI Regular" panose="020B0500000101010101" pitchFamily="50" charset="-127"/>
               </a:rPr>
               <a:t> 변경 가능 </a:t>
             </a:r>
             <a:r>
-              <a:rPr lang="en-US" altLang="ko-KR" sz="1500" dirty="0" smtClean="0">
+              <a:rPr lang="en-US" altLang="ko-KR" sz="1500" b="1" dirty="0" smtClean="0">
                 <a:latin typeface="LG Smart UI Regular" panose="020B0500000101010101" pitchFamily="50" charset="-127"/>
                 <a:ea typeface="LG Smart UI Regular" panose="020B0500000101010101" pitchFamily="50" charset="-127"/>
               </a:rPr>
               <a:t>-&gt; </a:t>
             </a:r>
             <a:r>
-              <a:rPr lang="ko-KR" altLang="en-US" sz="1500" dirty="0" smtClean="0">
+              <a:rPr lang="ko-KR" altLang="en-US" sz="1500" b="1" dirty="0" smtClean="0">
                 <a:latin typeface="LG Smart UI Regular" panose="020B0500000101010101" pitchFamily="50" charset="-127"/>
                 <a:ea typeface="LG Smart UI Regular" panose="020B0500000101010101" pitchFamily="50" charset="-127"/>
               </a:rPr>
               <a:t>상수 지시포인터</a:t>
             </a:r>
-            <a:endParaRPr lang="en-US" altLang="ko-KR" sz="1500" dirty="0" smtClean="0">
+            <a:endParaRPr lang="en-US" altLang="ko-KR" sz="1500" b="1" dirty="0" smtClean="0">
               <a:latin typeface="LG Smart UI Regular" panose="020B0500000101010101" pitchFamily="50" charset="-127"/>
               <a:ea typeface="LG Smart UI Regular" panose="020B0500000101010101" pitchFamily="50" charset="-127"/>
             </a:endParaRPr>
@@ -26577,65 +26578,72 @@
                 <a:latin typeface="LG Smart UI Regular" panose="020B0500000101010101" pitchFamily="50" charset="-127"/>
                 <a:ea typeface="LG Smart UI Regular" panose="020B0500000101010101" pitchFamily="50" charset="-127"/>
               </a:rPr>
-              <a:t> p3 = &amp;k; // </a:t>
-            </a:r>
-            <a:r>
-              <a:rPr lang="ko-KR" altLang="en-US" sz="1500" dirty="0" smtClean="0">
+              <a:t> p3 = &amp;k; </a:t>
+            </a:r>
+            <a:r>
+              <a:rPr lang="en-US" altLang="ko-KR" sz="1500" b="1" dirty="0" smtClean="0">
+                <a:latin typeface="LG Smart UI Regular" panose="020B0500000101010101" pitchFamily="50" charset="-127"/>
+                <a:ea typeface="LG Smart UI Regular" panose="020B0500000101010101" pitchFamily="50" charset="-127"/>
+              </a:rPr>
+              <a:t>// </a:t>
+            </a:r>
+            <a:r>
+              <a:rPr lang="ko-KR" altLang="en-US" sz="1500" b="1" dirty="0" smtClean="0">
                 <a:latin typeface="LG Smart UI Regular" panose="020B0500000101010101" pitchFamily="50" charset="-127"/>
                 <a:ea typeface="LG Smart UI Regular" panose="020B0500000101010101" pitchFamily="50" charset="-127"/>
               </a:rPr>
               <a:t>값</a:t>
             </a:r>
             <a:r>
-              <a:rPr lang="en-US" altLang="ko-KR" sz="1500" dirty="0" smtClean="0">
+              <a:rPr lang="en-US" altLang="ko-KR" sz="1500" b="1" dirty="0" smtClean="0">
                 <a:latin typeface="LG Smart UI Regular" panose="020B0500000101010101" pitchFamily="50" charset="-127"/>
                 <a:ea typeface="LG Smart UI Regular" panose="020B0500000101010101" pitchFamily="50" charset="-127"/>
               </a:rPr>
               <a:t>, </a:t>
             </a:r>
             <a:r>
-              <a:rPr lang="ko-KR" altLang="en-US" sz="1500" dirty="0" err="1" smtClean="0">
+              <a:rPr lang="ko-KR" altLang="en-US" sz="1500" b="1" dirty="0" err="1" smtClean="0">
                 <a:latin typeface="LG Smart UI Regular" panose="020B0500000101010101" pitchFamily="50" charset="-127"/>
                 <a:ea typeface="LG Smart UI Regular" panose="020B0500000101010101" pitchFamily="50" charset="-127"/>
               </a:rPr>
               <a:t>주소값</a:t>
             </a:r>
             <a:r>
-              <a:rPr lang="ko-KR" altLang="en-US" sz="1500" dirty="0" smtClean="0">
+              <a:rPr lang="ko-KR" altLang="en-US" sz="1500" b="1" dirty="0" smtClean="0">
                 <a:latin typeface="LG Smart UI Regular" panose="020B0500000101010101" pitchFamily="50" charset="-127"/>
                 <a:ea typeface="LG Smart UI Regular" panose="020B0500000101010101" pitchFamily="50" charset="-127"/>
               </a:rPr>
               <a:t> 둘 다 변경 불가 </a:t>
             </a:r>
             <a:r>
-              <a:rPr lang="en-US" altLang="ko-KR" sz="1500" dirty="0" smtClean="0">
+              <a:rPr lang="en-US" altLang="ko-KR" sz="1500" b="1" dirty="0" smtClean="0">
                 <a:latin typeface="LG Smart UI Regular" panose="020B0500000101010101" pitchFamily="50" charset="-127"/>
                 <a:ea typeface="LG Smart UI Regular" panose="020B0500000101010101" pitchFamily="50" charset="-127"/>
               </a:rPr>
               <a:t>-&gt; </a:t>
             </a:r>
             <a:r>
-              <a:rPr lang="ko-KR" altLang="en-US" sz="1500" dirty="0" smtClean="0">
+              <a:rPr lang="ko-KR" altLang="en-US" sz="1500" b="1" dirty="0" smtClean="0">
                 <a:latin typeface="LG Smart UI Regular" panose="020B0500000101010101" pitchFamily="50" charset="-127"/>
                 <a:ea typeface="LG Smart UI Regular" panose="020B0500000101010101" pitchFamily="50" charset="-127"/>
               </a:rPr>
               <a:t>포인터를 </a:t>
             </a:r>
             <a:r>
-              <a:rPr lang="ko-KR" altLang="en-US" sz="1500" dirty="0" err="1" smtClean="0">
+              <a:rPr lang="ko-KR" altLang="en-US" sz="1500" b="1" dirty="0" err="1" smtClean="0">
                 <a:latin typeface="LG Smart UI Regular" panose="020B0500000101010101" pitchFamily="50" charset="-127"/>
                 <a:ea typeface="LG Smart UI Regular" panose="020B0500000101010101" pitchFamily="50" charset="-127"/>
               </a:rPr>
               <a:t>가르키고</a:t>
             </a:r>
             <a:r>
-              <a:rPr lang="ko-KR" altLang="en-US" sz="1500" dirty="0" smtClean="0">
+              <a:rPr lang="ko-KR" altLang="en-US" sz="1500" b="1" dirty="0" smtClean="0">
                 <a:latin typeface="LG Smart UI Regular" panose="020B0500000101010101" pitchFamily="50" charset="-127"/>
                 <a:ea typeface="LG Smart UI Regular" panose="020B0500000101010101" pitchFamily="50" charset="-127"/>
               </a:rPr>
               <a:t> 있는 상수 포인터</a:t>
             </a:r>
-            <a:endParaRPr lang="en-US" altLang="ko-KR" sz="1500" dirty="0" smtClean="0">
+            <a:endParaRPr lang="en-US" altLang="ko-KR" sz="1500" b="1" dirty="0" smtClean="0">
               <a:latin typeface="LG Smart UI Regular" panose="020B0500000101010101" pitchFamily="50" charset="-127"/>
               <a:ea typeface="LG Smart UI Regular" panose="020B0500000101010101" pitchFamily="50" charset="-127"/>
             </a:endParaRPr>
@@ -27862,59 +27870,66 @@
                 <a:latin typeface="LG Smart UI Regular" panose="020B0500000101010101" pitchFamily="50" charset="-127"/>
                 <a:ea typeface="LG Smart UI Regular" panose="020B0500000101010101" pitchFamily="50" charset="-127"/>
               </a:rPr>
-              <a:t> data1[3] = { 0, 1, 2 }; // </a:t>
-            </a:r>
-            <a:r>
-              <a:rPr lang="ko-KR" altLang="en-US" sz="1430" dirty="0" smtClean="0">
+              <a:t> data1[3] = { 0, 1, 2 }; </a:t>
+            </a:r>
+            <a:r>
+              <a:rPr lang="en-US" altLang="ko-KR" sz="1430" b="1" dirty="0" smtClean="0">
+                <a:latin typeface="LG Smart UI Regular" panose="020B0500000101010101" pitchFamily="50" charset="-127"/>
+                <a:ea typeface="LG Smart UI Regular" panose="020B0500000101010101" pitchFamily="50" charset="-127"/>
+              </a:rPr>
+              <a:t>// </a:t>
+            </a:r>
+            <a:r>
+              <a:rPr lang="ko-KR" altLang="en-US" sz="1430" b="1" dirty="0" smtClean="0">
                 <a:latin typeface="LG Smart UI Regular" panose="020B0500000101010101" pitchFamily="50" charset="-127"/>
                 <a:ea typeface="LG Smart UI Regular" panose="020B0500000101010101" pitchFamily="50" charset="-127"/>
               </a:rPr>
               <a:t>배열을 각각 </a:t>
             </a:r>
             <a:r>
-              <a:rPr lang="en-US" altLang="ko-KR" sz="1430" dirty="0" smtClean="0">
+              <a:rPr lang="en-US" altLang="ko-KR" sz="1430" b="1" dirty="0" smtClean="0">
                 <a:latin typeface="LG Smart UI Regular" panose="020B0500000101010101" pitchFamily="50" charset="-127"/>
                 <a:ea typeface="LG Smart UI Regular" panose="020B0500000101010101" pitchFamily="50" charset="-127"/>
               </a:rPr>
               <a:t>0, 1, 2</a:t>
             </a:r>
             <a:r>
-              <a:rPr lang="ko-KR" altLang="en-US" sz="1430" dirty="0" smtClean="0">
+              <a:rPr lang="ko-KR" altLang="en-US" sz="1430" b="1" dirty="0" smtClean="0">
                 <a:latin typeface="LG Smart UI Regular" panose="020B0500000101010101" pitchFamily="50" charset="-127"/>
                 <a:ea typeface="LG Smart UI Regular" panose="020B0500000101010101" pitchFamily="50" charset="-127"/>
               </a:rPr>
               <a:t>로</a:t>
             </a:r>
             <a:r>
-              <a:rPr lang="en-US" altLang="ko-KR" sz="1430" dirty="0" smtClean="0">
+              <a:rPr lang="en-US" altLang="ko-KR" sz="1430" b="1" dirty="0" smtClean="0">
                 <a:latin typeface="LG Smart UI Regular" panose="020B0500000101010101" pitchFamily="50" charset="-127"/>
                 <a:ea typeface="LG Smart UI Regular" panose="020B0500000101010101" pitchFamily="50" charset="-127"/>
               </a:rPr>
               <a:t> </a:t>
             </a:r>
             <a:r>
-              <a:rPr lang="ko-KR" altLang="en-US" sz="1430" dirty="0" smtClean="0">
+              <a:rPr lang="ko-KR" altLang="en-US" sz="1430" b="1" dirty="0" smtClean="0">
                 <a:latin typeface="LG Smart UI Regular" panose="020B0500000101010101" pitchFamily="50" charset="-127"/>
                 <a:ea typeface="LG Smart UI Regular" panose="020B0500000101010101" pitchFamily="50" charset="-127"/>
               </a:rPr>
               <a:t>초기화</a:t>
             </a:r>
             <a:r>
-              <a:rPr lang="en-US" altLang="ko-KR" sz="1430" dirty="0" smtClean="0">
+              <a:rPr lang="en-US" altLang="ko-KR" sz="1430" b="1" dirty="0" smtClean="0">
                 <a:latin typeface="LG Smart UI Regular" panose="020B0500000101010101" pitchFamily="50" charset="-127"/>
                 <a:ea typeface="LG Smart UI Regular" panose="020B0500000101010101" pitchFamily="50" charset="-127"/>
               </a:rPr>
               <a:t>, </a:t>
             </a:r>
             <a:r>
-              <a:rPr lang="ko-KR" altLang="en-US" sz="1430" dirty="0" smtClean="0">
+              <a:rPr lang="ko-KR" altLang="en-US" sz="1430" b="1" dirty="0" smtClean="0">
                 <a:latin typeface="LG Smart UI Regular" panose="020B0500000101010101" pitchFamily="50" charset="-127"/>
                 <a:ea typeface="LG Smart UI Regular" panose="020B0500000101010101" pitchFamily="50" charset="-127"/>
               </a:rPr>
               <a:t>배열을 선언 한 경우 배열의 첫 번째 요소에 대한 포인터로 해석이 가능하다</a:t>
             </a:r>
             <a:r>
-              <a:rPr lang="en-US" altLang="ko-KR" sz="1430" dirty="0" smtClean="0">
+              <a:rPr lang="en-US" altLang="ko-KR" sz="1430" b="1" dirty="0" smtClean="0">
                 <a:latin typeface="LG Smart UI Regular" panose="020B0500000101010101" pitchFamily="50" charset="-127"/>
                 <a:ea typeface="LG Smart UI Regular" panose="020B0500000101010101" pitchFamily="50" charset="-127"/>
               </a:rPr>
@@ -27942,31 +27957,38 @@
                 <a:latin typeface="LG Smart UI Regular" panose="020B0500000101010101" pitchFamily="50" charset="-127"/>
                 <a:ea typeface="LG Smart UI Regular" panose="020B0500000101010101" pitchFamily="50" charset="-127"/>
               </a:rPr>
-              <a:t> data2[2][2] = { {0, }, }; // 0</a:t>
-            </a:r>
-            <a:r>
-              <a:rPr lang="ko-KR" altLang="en-US" sz="1430" dirty="0" smtClean="0">
+              <a:t> data2[2][2] = { {0, }, }; </a:t>
+            </a:r>
+            <a:r>
+              <a:rPr lang="en-US" altLang="ko-KR" sz="1430" b="1" dirty="0" smtClean="0">
+                <a:latin typeface="LG Smart UI Regular" panose="020B0500000101010101" pitchFamily="50" charset="-127"/>
+                <a:ea typeface="LG Smart UI Regular" panose="020B0500000101010101" pitchFamily="50" charset="-127"/>
+              </a:rPr>
+              <a:t>// 0</a:t>
+            </a:r>
+            <a:r>
+              <a:rPr lang="ko-KR" altLang="en-US" sz="1430" b="1" dirty="0" smtClean="0">
                 <a:latin typeface="LG Smart UI Regular" panose="020B0500000101010101" pitchFamily="50" charset="-127"/>
                 <a:ea typeface="LG Smart UI Regular" panose="020B0500000101010101" pitchFamily="50" charset="-127"/>
               </a:rPr>
               <a:t>과 쉼표 하나를 붙이면 </a:t>
             </a:r>
             <a:r>
-              <a:rPr lang="en-US" altLang="ko-KR" sz="1430" dirty="0" smtClean="0">
+              <a:rPr lang="en-US" altLang="ko-KR" sz="1430" b="1" dirty="0" smtClean="0">
                 <a:latin typeface="LG Smart UI Regular" panose="020B0500000101010101" pitchFamily="50" charset="-127"/>
                 <a:ea typeface="LG Smart UI Regular" panose="020B0500000101010101" pitchFamily="50" charset="-127"/>
               </a:rPr>
               <a:t>0, 0, 0, 0 </a:t>
             </a:r>
             <a:r>
-              <a:rPr lang="ko-KR" altLang="en-US" sz="1430" dirty="0" smtClean="0">
+              <a:rPr lang="ko-KR" altLang="en-US" sz="1430" b="1" dirty="0" smtClean="0">
                 <a:latin typeface="LG Smart UI Regular" panose="020B0500000101010101" pitchFamily="50" charset="-127"/>
                 <a:ea typeface="LG Smart UI Regular" panose="020B0500000101010101" pitchFamily="50" charset="-127"/>
               </a:rPr>
               <a:t>과 같은 의미로 전부다 초기화가 된다</a:t>
             </a:r>
             <a:r>
-              <a:rPr lang="en-US" altLang="ko-KR" sz="1430" dirty="0" smtClean="0">
+              <a:rPr lang="en-US" altLang="ko-KR" sz="1430" b="1" dirty="0" smtClean="0">
                 <a:latin typeface="LG Smart UI Regular" panose="020B0500000101010101" pitchFamily="50" charset="-127"/>
                 <a:ea typeface="LG Smart UI Regular" panose="020B0500000101010101" pitchFamily="50" charset="-127"/>
               </a:rPr>
@@ -27994,31 +28016,31 @@
                 <a:latin typeface="LG Smart UI Regular" panose="020B0500000101010101" pitchFamily="50" charset="-127"/>
                 <a:ea typeface="LG Smart UI Regular" panose="020B0500000101010101" pitchFamily="50" charset="-127"/>
               </a:rPr>
-              <a:t> </a:t>
-            </a:r>
-            <a:r>
-              <a:rPr lang="en-US" altLang="ko-KR" sz="1430" dirty="0" smtClean="0">
-                <a:latin typeface="LG Smart UI Regular" panose="020B0500000101010101" pitchFamily="50" charset="-127"/>
-                <a:ea typeface="LG Smart UI Regular" panose="020B0500000101010101" pitchFamily="50" charset="-127"/>
-              </a:rPr>
-              <a:t>data3[2][2]; // </a:t>
-            </a:r>
-            <a:r>
-              <a:rPr lang="ko-KR" altLang="en-US" sz="1430" dirty="0" err="1" smtClean="0">
+              <a:t> data3[2][2]; </a:t>
+            </a:r>
+            <a:r>
+              <a:rPr lang="en-US" altLang="ko-KR" sz="1430" b="1" dirty="0" smtClean="0">
+                <a:latin typeface="LG Smart UI Regular" panose="020B0500000101010101" pitchFamily="50" charset="-127"/>
+                <a:ea typeface="LG Smart UI Regular" panose="020B0500000101010101" pitchFamily="50" charset="-127"/>
+              </a:rPr>
+              <a:t>// </a:t>
+            </a:r>
+            <a:r>
+              <a:rPr lang="ko-KR" altLang="en-US" sz="1430" b="1" dirty="0" err="1" smtClean="0">
                 <a:latin typeface="LG Smart UI Regular" panose="020B0500000101010101" pitchFamily="50" charset="-127"/>
                 <a:ea typeface="LG Smart UI Regular" panose="020B0500000101010101" pitchFamily="50" charset="-127"/>
               </a:rPr>
               <a:t>쓰레기값이</a:t>
             </a:r>
             <a:r>
-              <a:rPr lang="ko-KR" altLang="en-US" sz="1430" dirty="0" smtClean="0">
+              <a:rPr lang="ko-KR" altLang="en-US" sz="1430" b="1" dirty="0" smtClean="0">
                 <a:latin typeface="LG Smart UI Regular" panose="020B0500000101010101" pitchFamily="50" charset="-127"/>
                 <a:ea typeface="LG Smart UI Regular" panose="020B0500000101010101" pitchFamily="50" charset="-127"/>
               </a:rPr>
               <a:t> 나올 수 있으므로 초기화를 꼭 해줘야 된다</a:t>
             </a:r>
             <a:r>
-              <a:rPr lang="en-US" altLang="ko-KR" sz="1430" dirty="0" smtClean="0">
+              <a:rPr lang="en-US" altLang="ko-KR" sz="1430" b="1" dirty="0" smtClean="0">
                 <a:latin typeface="LG Smart UI Regular" panose="020B0500000101010101" pitchFamily="50" charset="-127"/>
                 <a:ea typeface="LG Smart UI Regular" panose="020B0500000101010101" pitchFamily="50" charset="-127"/>
               </a:rPr>
@@ -28039,31 +28061,38 @@
                 <a:latin typeface="LG Smart UI Regular" panose="020B0500000101010101" pitchFamily="50" charset="-127"/>
                 <a:ea typeface="LG Smart UI Regular" panose="020B0500000101010101" pitchFamily="50" charset="-127"/>
               </a:rPr>
-              <a:t>data1[0] += 10; // data1[0] </a:t>
-            </a:r>
-            <a:r>
-              <a:rPr lang="ko-KR" altLang="en-US" sz="1430" dirty="0">
+              <a:t>data1[0] += 10; </a:t>
+            </a:r>
+            <a:r>
+              <a:rPr lang="en-US" altLang="ko-KR" sz="1430" b="1" dirty="0">
+                <a:latin typeface="LG Smart UI Regular" panose="020B0500000101010101" pitchFamily="50" charset="-127"/>
+                <a:ea typeface="LG Smart UI Regular" panose="020B0500000101010101" pitchFamily="50" charset="-127"/>
+              </a:rPr>
+              <a:t>// data1[0] </a:t>
+            </a:r>
+            <a:r>
+              <a:rPr lang="ko-KR" altLang="en-US" sz="1430" b="1" dirty="0">
                 <a:latin typeface="LG Smart UI Regular" panose="020B0500000101010101" pitchFamily="50" charset="-127"/>
                 <a:ea typeface="LG Smart UI Regular" panose="020B0500000101010101" pitchFamily="50" charset="-127"/>
               </a:rPr>
               <a:t>값이 </a:t>
             </a:r>
             <a:r>
-              <a:rPr lang="en-US" altLang="ko-KR" sz="1430" dirty="0">
+              <a:rPr lang="en-US" altLang="ko-KR" sz="1430" b="1" dirty="0">
                 <a:latin typeface="LG Smart UI Regular" panose="020B0500000101010101" pitchFamily="50" charset="-127"/>
                 <a:ea typeface="LG Smart UI Regular" panose="020B0500000101010101" pitchFamily="50" charset="-127"/>
               </a:rPr>
               <a:t>0 + 10 = 10 </a:t>
             </a:r>
             <a:r>
-              <a:rPr lang="ko-KR" altLang="en-US" sz="1430" dirty="0">
+              <a:rPr lang="ko-KR" altLang="en-US" sz="1430" b="1" dirty="0">
                 <a:latin typeface="LG Smart UI Regular" panose="020B0500000101010101" pitchFamily="50" charset="-127"/>
                 <a:ea typeface="LG Smart UI Regular" panose="020B0500000101010101" pitchFamily="50" charset="-127"/>
               </a:rPr>
               <a:t>으로 변경된다</a:t>
             </a:r>
             <a:r>
-              <a:rPr lang="en-US" altLang="ko-KR" sz="1430" dirty="0">
+              <a:rPr lang="en-US" altLang="ko-KR" sz="1430" b="1" dirty="0">
                 <a:latin typeface="LG Smart UI Regular" panose="020B0500000101010101" pitchFamily="50" charset="-127"/>
                 <a:ea typeface="LG Smart UI Regular" panose="020B0500000101010101" pitchFamily="50" charset="-127"/>
               </a:rPr>
@@ -28091,31 +28120,38 @@
                 <a:latin typeface="LG Smart UI Regular" panose="020B0500000101010101" pitchFamily="50" charset="-127"/>
                 <a:ea typeface="LG Smart UI Regular" panose="020B0500000101010101" pitchFamily="50" charset="-127"/>
               </a:rPr>
-              <a:t>] += 100; // data1[1] </a:t>
-            </a:r>
-            <a:r>
-              <a:rPr lang="ko-KR" altLang="en-US" sz="1430" dirty="0">
+              <a:t>] += 100; </a:t>
+            </a:r>
+            <a:r>
+              <a:rPr lang="en-US" altLang="ko-KR" sz="1430" b="1" dirty="0">
+                <a:latin typeface="LG Smart UI Regular" panose="020B0500000101010101" pitchFamily="50" charset="-127"/>
+                <a:ea typeface="LG Smart UI Regular" panose="020B0500000101010101" pitchFamily="50" charset="-127"/>
+              </a:rPr>
+              <a:t>// data1[1] </a:t>
+            </a:r>
+            <a:r>
+              <a:rPr lang="ko-KR" altLang="en-US" sz="1430" b="1" dirty="0">
                 <a:latin typeface="LG Smart UI Regular" panose="020B0500000101010101" pitchFamily="50" charset="-127"/>
                 <a:ea typeface="LG Smart UI Regular" panose="020B0500000101010101" pitchFamily="50" charset="-127"/>
               </a:rPr>
               <a:t>값이 </a:t>
             </a:r>
             <a:r>
-              <a:rPr lang="en-US" altLang="ko-KR" sz="1430" dirty="0">
+              <a:rPr lang="en-US" altLang="ko-KR" sz="1430" b="1" dirty="0">
                 <a:latin typeface="LG Smart UI Regular" panose="020B0500000101010101" pitchFamily="50" charset="-127"/>
                 <a:ea typeface="LG Smart UI Regular" panose="020B0500000101010101" pitchFamily="50" charset="-127"/>
               </a:rPr>
               <a:t>1 + 100 = 101 </a:t>
             </a:r>
             <a:r>
-              <a:rPr lang="ko-KR" altLang="en-US" sz="1430" dirty="0">
+              <a:rPr lang="ko-KR" altLang="en-US" sz="1430" b="1" dirty="0">
                 <a:latin typeface="LG Smart UI Regular" panose="020B0500000101010101" pitchFamily="50" charset="-127"/>
                 <a:ea typeface="LG Smart UI Regular" panose="020B0500000101010101" pitchFamily="50" charset="-127"/>
               </a:rPr>
               <a:t>로 변경된다</a:t>
             </a:r>
             <a:r>
-              <a:rPr lang="en-US" altLang="ko-KR" sz="1430" dirty="0">
+              <a:rPr lang="en-US" altLang="ko-KR" sz="1430" b="1" dirty="0">
                 <a:latin typeface="LG Smart UI Regular" panose="020B0500000101010101" pitchFamily="50" charset="-127"/>
                 <a:ea typeface="LG Smart UI Regular" panose="020B0500000101010101" pitchFamily="50" charset="-127"/>
               </a:rPr>
@@ -28143,45 +28179,52 @@
                 <a:latin typeface="LG Smart UI Regular" panose="020B0500000101010101" pitchFamily="50" charset="-127"/>
                 <a:ea typeface="LG Smart UI Regular" panose="020B0500000101010101" pitchFamily="50" charset="-127"/>
               </a:rPr>
-              <a:t>] -= 2; // data1[2] </a:t>
-            </a:r>
-            <a:r>
-              <a:rPr lang="ko-KR" altLang="en-US" sz="1430" dirty="0">
+              <a:t>] -= 2; </a:t>
+            </a:r>
+            <a:r>
+              <a:rPr lang="en-US" altLang="ko-KR" sz="1430" b="1" dirty="0">
+                <a:latin typeface="LG Smart UI Regular" panose="020B0500000101010101" pitchFamily="50" charset="-127"/>
+                <a:ea typeface="LG Smart UI Regular" panose="020B0500000101010101" pitchFamily="50" charset="-127"/>
+              </a:rPr>
+              <a:t>// data1[2] </a:t>
+            </a:r>
+            <a:r>
+              <a:rPr lang="ko-KR" altLang="en-US" sz="1430" b="1" dirty="0">
                 <a:latin typeface="LG Smart UI Regular" panose="020B0500000101010101" pitchFamily="50" charset="-127"/>
                 <a:ea typeface="LG Smart UI Regular" panose="020B0500000101010101" pitchFamily="50" charset="-127"/>
               </a:rPr>
               <a:t>값이 </a:t>
             </a:r>
             <a:r>
-              <a:rPr lang="en-US" altLang="ko-KR" sz="1430" dirty="0">
+              <a:rPr lang="en-US" altLang="ko-KR" sz="1430" b="1" dirty="0">
                 <a:latin typeface="LG Smart UI Regular" panose="020B0500000101010101" pitchFamily="50" charset="-127"/>
                 <a:ea typeface="LG Smart UI Regular" panose="020B0500000101010101" pitchFamily="50" charset="-127"/>
               </a:rPr>
               <a:t>2 – 2 = 0 </a:t>
             </a:r>
             <a:r>
-              <a:rPr lang="ko-KR" altLang="en-US" sz="1430" dirty="0">
+              <a:rPr lang="ko-KR" altLang="en-US" sz="1430" b="1" dirty="0">
                 <a:latin typeface="LG Smart UI Regular" panose="020B0500000101010101" pitchFamily="50" charset="-127"/>
                 <a:ea typeface="LG Smart UI Regular" panose="020B0500000101010101" pitchFamily="50" charset="-127"/>
               </a:rPr>
               <a:t>으로</a:t>
             </a:r>
             <a:r>
-              <a:rPr lang="en-US" altLang="ko-KR" sz="1430" dirty="0">
+              <a:rPr lang="en-US" altLang="ko-KR" sz="1430" b="1" dirty="0">
                 <a:latin typeface="LG Smart UI Regular" panose="020B0500000101010101" pitchFamily="50" charset="-127"/>
                 <a:ea typeface="LG Smart UI Regular" panose="020B0500000101010101" pitchFamily="50" charset="-127"/>
               </a:rPr>
               <a:t> </a:t>
             </a:r>
             <a:r>
-              <a:rPr lang="ko-KR" altLang="en-US" sz="1430" dirty="0">
+              <a:rPr lang="ko-KR" altLang="en-US" sz="1430" b="1" dirty="0">
                 <a:latin typeface="LG Smart UI Regular" panose="020B0500000101010101" pitchFamily="50" charset="-127"/>
                 <a:ea typeface="LG Smart UI Regular" panose="020B0500000101010101" pitchFamily="50" charset="-127"/>
               </a:rPr>
               <a:t>변경 된다</a:t>
             </a:r>
             <a:r>
-              <a:rPr lang="en-US" altLang="ko-KR" sz="1430" dirty="0" smtClean="0">
+              <a:rPr lang="en-US" altLang="ko-KR" sz="1430" b="1" dirty="0" smtClean="0">
                 <a:latin typeface="LG Smart UI Regular" panose="020B0500000101010101" pitchFamily="50" charset="-127"/>
                 <a:ea typeface="LG Smart UI Regular" panose="020B0500000101010101" pitchFamily="50" charset="-127"/>
               </a:rPr>
@@ -29223,49 +29266,148 @@
                 <a:latin typeface="LG Smart UI Regular" panose="020B0500000101010101" pitchFamily="50" charset="-127"/>
                 <a:ea typeface="LG Smart UI Regular" panose="020B0500000101010101" pitchFamily="50" charset="-127"/>
               </a:rPr>
-              <a:t> data1[10] = { 0, }; // </a:t>
-            </a:r>
-            <a:r>
-              <a:rPr lang="ko-KR" altLang="en-US" sz="1430" dirty="0" smtClean="0">
+              <a:t> data1[10] = { 0, }; </a:t>
+            </a:r>
+            <a:r>
+              <a:rPr lang="en-US" altLang="ko-KR" sz="1430" b="1" dirty="0" smtClean="0">
+                <a:latin typeface="LG Smart UI Regular" panose="020B0500000101010101" pitchFamily="50" charset="-127"/>
+                <a:ea typeface="LG Smart UI Regular" panose="020B0500000101010101" pitchFamily="50" charset="-127"/>
+              </a:rPr>
+              <a:t>// </a:t>
+            </a:r>
+            <a:r>
+              <a:rPr lang="ko-KR" altLang="en-US" sz="1430" b="1" dirty="0" smtClean="0">
                 <a:latin typeface="LG Smart UI Regular" panose="020B0500000101010101" pitchFamily="50" charset="-127"/>
                 <a:ea typeface="LG Smart UI Regular" panose="020B0500000101010101" pitchFamily="50" charset="-127"/>
               </a:rPr>
               <a:t>모든 값 </a:t>
             </a:r>
             <a:r>
-              <a:rPr lang="en-US" altLang="ko-KR" sz="1430" dirty="0" smtClean="0">
+              <a:rPr lang="en-US" altLang="ko-KR" sz="1430" b="1" dirty="0" smtClean="0">
                 <a:latin typeface="LG Smart UI Regular" panose="020B0500000101010101" pitchFamily="50" charset="-127"/>
                 <a:ea typeface="LG Smart UI Regular" panose="020B0500000101010101" pitchFamily="50" charset="-127"/>
               </a:rPr>
               <a:t>0</a:t>
             </a:r>
             <a:r>
-              <a:rPr lang="ko-KR" altLang="en-US" sz="1430" dirty="0" smtClean="0">
+              <a:rPr lang="ko-KR" altLang="en-US" sz="1430" b="1" dirty="0" smtClean="0">
                 <a:latin typeface="LG Smart UI Regular" panose="020B0500000101010101" pitchFamily="50" charset="-127"/>
                 <a:ea typeface="LG Smart UI Regular" panose="020B0500000101010101" pitchFamily="50" charset="-127"/>
               </a:rPr>
               <a:t>으로 초기 </a:t>
             </a:r>
             <a:r>
-              <a:rPr lang="ko-KR" altLang="en-US" sz="1430" dirty="0" err="1" smtClean="0">
+              <a:rPr lang="ko-KR" altLang="en-US" sz="1430" b="1" dirty="0" err="1" smtClean="0">
                 <a:latin typeface="LG Smart UI Regular" panose="020B0500000101010101" pitchFamily="50" charset="-127"/>
                 <a:ea typeface="LG Smart UI Regular" panose="020B0500000101010101" pitchFamily="50" charset="-127"/>
               </a:rPr>
               <a:t>세팅</a:t>
             </a:r>
+            <a:endParaRPr lang="en-US" altLang="ko-KR" sz="1430" b="1" dirty="0" smtClean="0">
+              <a:latin typeface="LG Smart UI Regular" panose="020B0500000101010101" pitchFamily="50" charset="-127"/>
+              <a:ea typeface="LG Smart UI Regular" panose="020B0500000101010101" pitchFamily="50" charset="-127"/>
+            </a:endParaRPr>
+          </a:p>
+          <a:p>
             <a:endParaRPr lang="en-US" altLang="ko-KR" sz="1430" dirty="0" smtClean="0">
               <a:latin typeface="LG Smart UI Regular" panose="020B0500000101010101" pitchFamily="50" charset="-127"/>
               <a:ea typeface="LG Smart UI Regular" panose="020B0500000101010101" pitchFamily="50" charset="-127"/>
             </a:endParaRPr>
           </a:p>
           <a:p>
-            <a:endParaRPr lang="en-US" altLang="ko-KR" sz="1430" dirty="0" smtClean="0">
+            <a:r>
+              <a:rPr lang="en-US" altLang="ko-KR" sz="1430" dirty="0">
+                <a:latin typeface="LG Smart UI Regular" panose="020B0500000101010101" pitchFamily="50" charset="-127"/>
+                <a:ea typeface="LG Smart UI Regular" panose="020B0500000101010101" pitchFamily="50" charset="-127"/>
+              </a:rPr>
+              <a:t>	</a:t>
+            </a:r>
+            <a:r>
+              <a:rPr lang="en-US" altLang="ko-KR" sz="1430" dirty="0" smtClean="0">
+                <a:latin typeface="LG Smart UI Regular" panose="020B0500000101010101" pitchFamily="50" charset="-127"/>
+                <a:ea typeface="LG Smart UI Regular" panose="020B0500000101010101" pitchFamily="50" charset="-127"/>
+              </a:rPr>
+              <a:t>fill(data1, data1 + 3, 10); </a:t>
+            </a:r>
+            <a:r>
+              <a:rPr lang="en-US" altLang="ko-KR" sz="1430" b="1" dirty="0" smtClean="0">
+                <a:latin typeface="LG Smart UI Regular" panose="020B0500000101010101" pitchFamily="50" charset="-127"/>
+                <a:ea typeface="LG Smart UI Regular" panose="020B0500000101010101" pitchFamily="50" charset="-127"/>
+              </a:rPr>
+              <a:t>// </a:t>
+            </a:r>
+            <a:r>
+              <a:rPr lang="ko-KR" altLang="en-US" sz="1430" b="1" dirty="0" smtClean="0">
+                <a:latin typeface="LG Smart UI Regular" panose="020B0500000101010101" pitchFamily="50" charset="-127"/>
+                <a:ea typeface="LG Smart UI Regular" panose="020B0500000101010101" pitchFamily="50" charset="-127"/>
+              </a:rPr>
+              <a:t>첫 인자로는 수정할 위치</a:t>
+            </a:r>
+            <a:r>
+              <a:rPr lang="en-US" altLang="ko-KR" sz="1430" b="1" dirty="0" smtClean="0">
+                <a:latin typeface="LG Smart UI Regular" panose="020B0500000101010101" pitchFamily="50" charset="-127"/>
+                <a:ea typeface="LG Smart UI Regular" panose="020B0500000101010101" pitchFamily="50" charset="-127"/>
+              </a:rPr>
+              <a:t>, </a:t>
+            </a:r>
+            <a:r>
+              <a:rPr lang="ko-KR" altLang="en-US" sz="1430" b="1" dirty="0" smtClean="0">
+                <a:latin typeface="LG Smart UI Regular" panose="020B0500000101010101" pitchFamily="50" charset="-127"/>
+                <a:ea typeface="LG Smart UI Regular" panose="020B0500000101010101" pitchFamily="50" charset="-127"/>
+              </a:rPr>
+              <a:t>두 번째 인자는 끝 위치</a:t>
+            </a:r>
+            <a:r>
+              <a:rPr lang="en-US" altLang="ko-KR" sz="1430" b="1" dirty="0" smtClean="0">
+                <a:latin typeface="LG Smart UI Regular" panose="020B0500000101010101" pitchFamily="50" charset="-127"/>
+                <a:ea typeface="LG Smart UI Regular" panose="020B0500000101010101" pitchFamily="50" charset="-127"/>
+              </a:rPr>
+              <a:t>, </a:t>
+            </a:r>
+            <a:r>
+              <a:rPr lang="ko-KR" altLang="en-US" sz="1430" b="1" dirty="0" smtClean="0">
+                <a:latin typeface="LG Smart UI Regular" panose="020B0500000101010101" pitchFamily="50" charset="-127"/>
+                <a:ea typeface="LG Smart UI Regular" panose="020B0500000101010101" pitchFamily="50" charset="-127"/>
+              </a:rPr>
+              <a:t>세 번째 인자는 </a:t>
+            </a:r>
+            <a:r>
+              <a:rPr lang="ko-KR" altLang="en-US" sz="1430" b="1" dirty="0" err="1" smtClean="0">
+                <a:latin typeface="LG Smart UI Regular" panose="020B0500000101010101" pitchFamily="50" charset="-127"/>
+                <a:ea typeface="LG Smart UI Regular" panose="020B0500000101010101" pitchFamily="50" charset="-127"/>
+              </a:rPr>
+              <a:t>세팅</a:t>
+            </a:r>
+            <a:r>
+              <a:rPr lang="ko-KR" altLang="en-US" sz="1430" b="1" dirty="0" smtClean="0">
+                <a:latin typeface="LG Smart UI Regular" panose="020B0500000101010101" pitchFamily="50" charset="-127"/>
+                <a:ea typeface="LG Smart UI Regular" panose="020B0500000101010101" pitchFamily="50" charset="-127"/>
+              </a:rPr>
+              <a:t> 할 값</a:t>
+            </a:r>
+            <a:endParaRPr lang="en-US" altLang="ko-KR" sz="1430" b="1" dirty="0" smtClean="0">
               <a:latin typeface="LG Smart UI Regular" panose="020B0500000101010101" pitchFamily="50" charset="-127"/>
               <a:ea typeface="LG Smart UI Regular" panose="020B0500000101010101" pitchFamily="50" charset="-127"/>
             </a:endParaRPr>
           </a:p>
           <a:p>
             <a:r>
+              <a:rPr lang="en-US" altLang="ko-KR" sz="1430" b="1" dirty="0">
+                <a:latin typeface="LG Smart UI Regular" panose="020B0500000101010101" pitchFamily="50" charset="-127"/>
+                <a:ea typeface="LG Smart UI Regular" panose="020B0500000101010101" pitchFamily="50" charset="-127"/>
+              </a:rPr>
+              <a:t>	</a:t>
+            </a:r>
+            <a:r>
+              <a:rPr lang="en-US" altLang="ko-KR" sz="1430" b="1" dirty="0" smtClean="0">
+                <a:latin typeface="LG Smart UI Regular" panose="020B0500000101010101" pitchFamily="50" charset="-127"/>
+                <a:ea typeface="LG Smart UI Regular" panose="020B0500000101010101" pitchFamily="50" charset="-127"/>
+              </a:rPr>
+              <a:t>				// 10, 10, 10, 0, 0, 0, 0, 0, 0, 0</a:t>
+            </a:r>
+          </a:p>
+          <a:p>
+            <a:r>
               <a:rPr lang="en-US" altLang="ko-KR" sz="1430" dirty="0">
                 <a:latin typeface="LG Smart UI Regular" panose="020B0500000101010101" pitchFamily="50" charset="-127"/>
                 <a:ea typeface="LG Smart UI Regular" panose="020B0500000101010101" pitchFamily="50" charset="-127"/>
@@ -29277,190 +29419,73 @@
                 <a:latin typeface="LG Smart UI Regular" panose="020B0500000101010101" pitchFamily="50" charset="-127"/>
                 <a:ea typeface="LG Smart UI Regular" panose="020B0500000101010101" pitchFamily="50" charset="-127"/>
               </a:rPr>
-              <a:t>fill(data1, data1 + 3, 10); // </a:t>
-            </a:r>
-            <a:r>
-              <a:rPr lang="ko-KR" altLang="en-US" sz="1430" dirty="0" smtClean="0">
-                <a:latin typeface="LG Smart UI Regular" panose="020B0500000101010101" pitchFamily="50" charset="-127"/>
-                <a:ea typeface="LG Smart UI Regular" panose="020B0500000101010101" pitchFamily="50" charset="-127"/>
-              </a:rPr>
-              <a:t>첫 인자로는 수정할 위치</a:t>
-            </a:r>
-            <a:r>
-              <a:rPr lang="en-US" altLang="ko-KR" sz="1430" dirty="0" smtClean="0">
-                <a:latin typeface="LG Smart UI Regular" panose="020B0500000101010101" pitchFamily="50" charset="-127"/>
-                <a:ea typeface="LG Smart UI Regular" panose="020B0500000101010101" pitchFamily="50" charset="-127"/>
-              </a:rPr>
-              <a:t>, </a:t>
-            </a:r>
-            <a:r>
-              <a:rPr lang="ko-KR" altLang="en-US" sz="1430" dirty="0" smtClean="0">
-                <a:latin typeface="LG Smart UI Regular" panose="020B0500000101010101" pitchFamily="50" charset="-127"/>
-                <a:ea typeface="LG Smart UI Regular" panose="020B0500000101010101" pitchFamily="50" charset="-127"/>
-              </a:rPr>
-              <a:t>두 번째 인자는 끝 위치</a:t>
-            </a:r>
-            <a:r>
-              <a:rPr lang="en-US" altLang="ko-KR" sz="1430" dirty="0" smtClean="0">
-                <a:latin typeface="LG Smart UI Regular" panose="020B0500000101010101" pitchFamily="50" charset="-127"/>
-                <a:ea typeface="LG Smart UI Regular" panose="020B0500000101010101" pitchFamily="50" charset="-127"/>
-              </a:rPr>
-              <a:t>, </a:t>
-            </a:r>
-            <a:r>
-              <a:rPr lang="ko-KR" altLang="en-US" sz="1430" dirty="0" smtClean="0">
-                <a:latin typeface="LG Smart UI Regular" panose="020B0500000101010101" pitchFamily="50" charset="-127"/>
-                <a:ea typeface="LG Smart UI Regular" panose="020B0500000101010101" pitchFamily="50" charset="-127"/>
-              </a:rPr>
-              <a:t>세 번째 인자는 </a:t>
-            </a:r>
-            <a:r>
-              <a:rPr lang="ko-KR" altLang="en-US" sz="1430" dirty="0" err="1" smtClean="0">
-                <a:latin typeface="LG Smart UI Regular" panose="020B0500000101010101" pitchFamily="50" charset="-127"/>
-                <a:ea typeface="LG Smart UI Regular" panose="020B0500000101010101" pitchFamily="50" charset="-127"/>
-              </a:rPr>
-              <a:t>세팅</a:t>
-            </a:r>
-            <a:r>
-              <a:rPr lang="ko-KR" altLang="en-US" sz="1430" dirty="0" smtClean="0">
-                <a:latin typeface="LG Smart UI Regular" panose="020B0500000101010101" pitchFamily="50" charset="-127"/>
-                <a:ea typeface="LG Smart UI Regular" panose="020B0500000101010101" pitchFamily="50" charset="-127"/>
-              </a:rPr>
-              <a:t> 할 값</a:t>
-            </a:r>
-            <a:endParaRPr lang="en-US" altLang="ko-KR" sz="1430" dirty="0" smtClean="0">
+              <a:t>fill(data1 + 4, data1 + 8 , 20); </a:t>
+            </a:r>
+            <a:r>
+              <a:rPr lang="en-US" altLang="ko-KR" sz="1430" b="1" dirty="0" smtClean="0">
+                <a:latin typeface="LG Smart UI Regular" panose="020B0500000101010101" pitchFamily="50" charset="-127"/>
+                <a:ea typeface="LG Smart UI Regular" panose="020B0500000101010101" pitchFamily="50" charset="-127"/>
+              </a:rPr>
+              <a:t>// </a:t>
+            </a:r>
+            <a:r>
+              <a:rPr lang="ko-KR" altLang="en-US" sz="1430" b="1" dirty="0" smtClean="0">
+                <a:latin typeface="LG Smart UI Regular" panose="020B0500000101010101" pitchFamily="50" charset="-127"/>
+                <a:ea typeface="LG Smart UI Regular" panose="020B0500000101010101" pitchFamily="50" charset="-127"/>
+              </a:rPr>
+              <a:t>다섯 번째 부터 여덟 번째까지 </a:t>
+            </a:r>
+            <a:r>
+              <a:rPr lang="ko-KR" altLang="en-US" sz="1430" b="1" dirty="0" err="1" smtClean="0">
+                <a:latin typeface="LG Smart UI Regular" panose="020B0500000101010101" pitchFamily="50" charset="-127"/>
+                <a:ea typeface="LG Smart UI Regular" panose="020B0500000101010101" pitchFamily="50" charset="-127"/>
+              </a:rPr>
+              <a:t>데이터값을</a:t>
+            </a:r>
+            <a:r>
+              <a:rPr lang="ko-KR" altLang="en-US" sz="1430" b="1" dirty="0" smtClean="0">
+                <a:latin typeface="LG Smart UI Regular" panose="020B0500000101010101" pitchFamily="50" charset="-127"/>
+                <a:ea typeface="LG Smart UI Regular" panose="020B0500000101010101" pitchFamily="50" charset="-127"/>
+              </a:rPr>
+              <a:t> </a:t>
+            </a:r>
+            <a:r>
+              <a:rPr lang="en-US" altLang="ko-KR" sz="1430" b="1" dirty="0" smtClean="0">
+                <a:latin typeface="LG Smart UI Regular" panose="020B0500000101010101" pitchFamily="50" charset="-127"/>
+                <a:ea typeface="LG Smart UI Regular" panose="020B0500000101010101" pitchFamily="50" charset="-127"/>
+              </a:rPr>
+              <a:t>20</a:t>
+            </a:r>
+            <a:r>
+              <a:rPr lang="ko-KR" altLang="en-US" sz="1430" b="1" dirty="0" smtClean="0">
+                <a:latin typeface="LG Smart UI Regular" panose="020B0500000101010101" pitchFamily="50" charset="-127"/>
+                <a:ea typeface="LG Smart UI Regular" panose="020B0500000101010101" pitchFamily="50" charset="-127"/>
+              </a:rPr>
+              <a:t>으로 변경</a:t>
+            </a:r>
+            <a:endParaRPr lang="en-US" altLang="ko-KR" sz="1430" b="1" dirty="0" smtClean="0">
               <a:latin typeface="LG Smart UI Regular" panose="020B0500000101010101" pitchFamily="50" charset="-127"/>
               <a:ea typeface="LG Smart UI Regular" panose="020B0500000101010101" pitchFamily="50" charset="-127"/>
             </a:endParaRPr>
           </a:p>
           <a:p>
             <a:r>
-              <a:rPr lang="en-US" altLang="ko-KR" sz="1430" dirty="0">
+              <a:rPr lang="en-US" altLang="ko-KR" sz="1430" b="1" dirty="0">
                 <a:latin typeface="LG Smart UI Regular" panose="020B0500000101010101" pitchFamily="50" charset="-127"/>
                 <a:ea typeface="LG Smart UI Regular" panose="020B0500000101010101" pitchFamily="50" charset="-127"/>
               </a:rPr>
               <a:t>	</a:t>
             </a:r>
             <a:r>
-              <a:rPr lang="en-US" altLang="ko-KR" sz="1430" dirty="0" smtClean="0">
-                <a:latin typeface="LG Smart UI Regular" panose="020B0500000101010101" pitchFamily="50" charset="-127"/>
-                <a:ea typeface="LG Smart UI Regular" panose="020B0500000101010101" pitchFamily="50" charset="-127"/>
-              </a:rPr>
-              <a:t>				// 10, 10, </a:t>
-            </a:r>
-            <a:r>
-              <a:rPr lang="en-US" altLang="ko-KR" sz="1430" dirty="0" smtClean="0">
-                <a:latin typeface="LG Smart UI Regular" panose="020B0500000101010101" pitchFamily="50" charset="-127"/>
-                <a:ea typeface="LG Smart UI Regular" panose="020B0500000101010101" pitchFamily="50" charset="-127"/>
-              </a:rPr>
-              <a:t>10</a:t>
-            </a:r>
-            <a:r>
-              <a:rPr lang="en-US" altLang="ko-KR" sz="1430" dirty="0" smtClean="0">
-                <a:latin typeface="LG Smart UI Regular" panose="020B0500000101010101" pitchFamily="50" charset="-127"/>
-                <a:ea typeface="LG Smart UI Regular" panose="020B0500000101010101" pitchFamily="50" charset="-127"/>
-              </a:rPr>
-              <a:t>, 0, 0, 0, 0, 0, 0, 0</a:t>
-            </a:r>
-            <a:endParaRPr lang="en-US" altLang="ko-KR" sz="1430" dirty="0" smtClean="0">
-              <a:latin typeface="LG Smart UI Regular" panose="020B0500000101010101" pitchFamily="50" charset="-127"/>
-              <a:ea typeface="LG Smart UI Regular" panose="020B0500000101010101" pitchFamily="50" charset="-127"/>
-            </a:endParaRPr>
-          </a:p>
-          <a:p>
-            <a:r>
-              <a:rPr lang="en-US" altLang="ko-KR" sz="1430" dirty="0">
-                <a:latin typeface="LG Smart UI Regular" panose="020B0500000101010101" pitchFamily="50" charset="-127"/>
-                <a:ea typeface="LG Smart UI Regular" panose="020B0500000101010101" pitchFamily="50" charset="-127"/>
-              </a:rPr>
-              <a:t>	</a:t>
-            </a:r>
-            <a:r>
-              <a:rPr lang="en-US" altLang="ko-KR" sz="1430" dirty="0" smtClean="0">
-                <a:latin typeface="LG Smart UI Regular" panose="020B0500000101010101" pitchFamily="50" charset="-127"/>
-                <a:ea typeface="LG Smart UI Regular" panose="020B0500000101010101" pitchFamily="50" charset="-127"/>
-              </a:rPr>
-              <a:t>fill(data1 + 4, data1 + 8 , 20); // </a:t>
-            </a:r>
-            <a:r>
-              <a:rPr lang="ko-KR" altLang="en-US" sz="1430" dirty="0" smtClean="0">
-                <a:latin typeface="LG Smart UI Regular" panose="020B0500000101010101" pitchFamily="50" charset="-127"/>
-                <a:ea typeface="LG Smart UI Regular" panose="020B0500000101010101" pitchFamily="50" charset="-127"/>
-              </a:rPr>
-              <a:t>다섯</a:t>
-            </a:r>
-            <a:r>
-              <a:rPr lang="ko-KR" altLang="en-US" sz="1430" dirty="0" smtClean="0">
-                <a:latin typeface="LG Smart UI Regular" panose="020B0500000101010101" pitchFamily="50" charset="-127"/>
-                <a:ea typeface="LG Smart UI Regular" panose="020B0500000101010101" pitchFamily="50" charset="-127"/>
-              </a:rPr>
-              <a:t> </a:t>
-            </a:r>
-            <a:r>
-              <a:rPr lang="ko-KR" altLang="en-US" sz="1430" dirty="0" smtClean="0">
-                <a:latin typeface="LG Smart UI Regular" panose="020B0500000101010101" pitchFamily="50" charset="-127"/>
-                <a:ea typeface="LG Smart UI Regular" panose="020B0500000101010101" pitchFamily="50" charset="-127"/>
-              </a:rPr>
-              <a:t>번째 부터 여덟 번째까지 </a:t>
-            </a:r>
-            <a:r>
-              <a:rPr lang="ko-KR" altLang="en-US" sz="1430" dirty="0" err="1" smtClean="0">
-                <a:latin typeface="LG Smart UI Regular" panose="020B0500000101010101" pitchFamily="50" charset="-127"/>
-                <a:ea typeface="LG Smart UI Regular" panose="020B0500000101010101" pitchFamily="50" charset="-127"/>
-              </a:rPr>
-              <a:t>데이터값을</a:t>
-            </a:r>
-            <a:r>
-              <a:rPr lang="ko-KR" altLang="en-US" sz="1430" dirty="0" smtClean="0">
-                <a:latin typeface="LG Smart UI Regular" panose="020B0500000101010101" pitchFamily="50" charset="-127"/>
-                <a:ea typeface="LG Smart UI Regular" panose="020B0500000101010101" pitchFamily="50" charset="-127"/>
-              </a:rPr>
-              <a:t> </a:t>
-            </a:r>
-            <a:r>
-              <a:rPr lang="en-US" altLang="ko-KR" sz="1430" dirty="0" smtClean="0">
-                <a:latin typeface="LG Smart UI Regular" panose="020B0500000101010101" pitchFamily="50" charset="-127"/>
-                <a:ea typeface="LG Smart UI Regular" panose="020B0500000101010101" pitchFamily="50" charset="-127"/>
-              </a:rPr>
-              <a:t>20</a:t>
-            </a:r>
-            <a:r>
-              <a:rPr lang="ko-KR" altLang="en-US" sz="1430" dirty="0" smtClean="0">
-                <a:latin typeface="LG Smart UI Regular" panose="020B0500000101010101" pitchFamily="50" charset="-127"/>
-                <a:ea typeface="LG Smart UI Regular" panose="020B0500000101010101" pitchFamily="50" charset="-127"/>
-              </a:rPr>
-              <a:t>으로 변경</a:t>
-            </a:r>
-            <a:endParaRPr lang="en-US" altLang="ko-KR" sz="1430" dirty="0" smtClean="0">
-              <a:latin typeface="LG Smart UI Regular" panose="020B0500000101010101" pitchFamily="50" charset="-127"/>
-              <a:ea typeface="LG Smart UI Regular" panose="020B0500000101010101" pitchFamily="50" charset="-127"/>
-            </a:endParaRPr>
-          </a:p>
-          <a:p>
-            <a:r>
-              <a:rPr lang="en-US" altLang="ko-KR" sz="1430" dirty="0">
-                <a:latin typeface="LG Smart UI Regular" panose="020B0500000101010101" pitchFamily="50" charset="-127"/>
-                <a:ea typeface="LG Smart UI Regular" panose="020B0500000101010101" pitchFamily="50" charset="-127"/>
-              </a:rPr>
-              <a:t>	</a:t>
-            </a:r>
-            <a:r>
-              <a:rPr lang="en-US" altLang="ko-KR" sz="1430" dirty="0" smtClean="0">
-                <a:latin typeface="LG Smart UI Regular" panose="020B0500000101010101" pitchFamily="50" charset="-127"/>
-                <a:ea typeface="LG Smart UI Regular" panose="020B0500000101010101" pitchFamily="50" charset="-127"/>
-              </a:rPr>
-              <a:t>				// 10, 10, 10, 0, 20, 20, 20, 20, 0, </a:t>
-            </a:r>
-            <a:r>
-              <a:rPr lang="en-US" altLang="ko-KR" sz="1430" dirty="0" smtClean="0">
-                <a:latin typeface="LG Smart UI Regular" panose="020B0500000101010101" pitchFamily="50" charset="-127"/>
-                <a:ea typeface="LG Smart UI Regular" panose="020B0500000101010101" pitchFamily="50" charset="-127"/>
-              </a:rPr>
-              <a:t>0</a:t>
-            </a:r>
-          </a:p>
-          <a:p>
-            <a:endParaRPr lang="en-US" altLang="ko-KR" sz="1430" dirty="0" smtClean="0">
+              <a:rPr lang="en-US" altLang="ko-KR" sz="1430" b="1" dirty="0" smtClean="0">
+                <a:latin typeface="LG Smart UI Regular" panose="020B0500000101010101" pitchFamily="50" charset="-127"/>
+                <a:ea typeface="LG Smart UI Regular" panose="020B0500000101010101" pitchFamily="50" charset="-127"/>
+              </a:rPr>
+              <a:t>				// 10, 10, 10, 0, 20, 20, 20, 20, 0, 0</a:t>
+            </a:r>
+          </a:p>
+          <a:p>
+            <a:endParaRPr lang="en-US" altLang="ko-KR" sz="1430" b="1" dirty="0" smtClean="0">
               <a:latin typeface="LG Smart UI Regular" panose="020B0500000101010101" pitchFamily="50" charset="-127"/>
               <a:ea typeface="LG Smart UI Regular" panose="020B0500000101010101" pitchFamily="50" charset="-127"/>
             </a:endParaRPr>
@@ -29491,136 +29516,150 @@
                 <a:latin typeface="LG Smart UI Regular" panose="020B0500000101010101" pitchFamily="50" charset="-127"/>
                 <a:ea typeface="LG Smart UI Regular" panose="020B0500000101010101" pitchFamily="50" charset="-127"/>
               </a:rPr>
-              <a:t>(data1, 2, 25); // </a:t>
-            </a:r>
-            <a:r>
-              <a:rPr lang="ko-KR" altLang="en-US" sz="1430" dirty="0" smtClean="0">
+              <a:t>(data1, 2, 25); </a:t>
+            </a:r>
+            <a:r>
+              <a:rPr lang="en-US" altLang="ko-KR" sz="1430" b="1" dirty="0" smtClean="0">
+                <a:latin typeface="LG Smart UI Regular" panose="020B0500000101010101" pitchFamily="50" charset="-127"/>
+                <a:ea typeface="LG Smart UI Regular" panose="020B0500000101010101" pitchFamily="50" charset="-127"/>
+              </a:rPr>
+              <a:t>// </a:t>
+            </a:r>
+            <a:r>
+              <a:rPr lang="ko-KR" altLang="en-US" sz="1430" b="1" dirty="0" smtClean="0">
                 <a:latin typeface="LG Smart UI Regular" panose="020B0500000101010101" pitchFamily="50" charset="-127"/>
                 <a:ea typeface="LG Smart UI Regular" panose="020B0500000101010101" pitchFamily="50" charset="-127"/>
               </a:rPr>
               <a:t>첫 인자로는 수정 시작 할 위치</a:t>
             </a:r>
             <a:r>
-              <a:rPr lang="en-US" altLang="ko-KR" sz="1430" dirty="0" smtClean="0">
+              <a:rPr lang="en-US" altLang="ko-KR" sz="1430" b="1" dirty="0" smtClean="0">
                 <a:latin typeface="LG Smart UI Regular" panose="020B0500000101010101" pitchFamily="50" charset="-127"/>
                 <a:ea typeface="LG Smart UI Regular" panose="020B0500000101010101" pitchFamily="50" charset="-127"/>
               </a:rPr>
               <a:t>, </a:t>
             </a:r>
             <a:r>
-              <a:rPr lang="ko-KR" altLang="en-US" sz="1430" dirty="0" smtClean="0">
+              <a:rPr lang="ko-KR" altLang="en-US" sz="1430" b="1" dirty="0" smtClean="0">
                 <a:latin typeface="LG Smart UI Regular" panose="020B0500000101010101" pitchFamily="50" charset="-127"/>
                 <a:ea typeface="LG Smart UI Regular" panose="020B0500000101010101" pitchFamily="50" charset="-127"/>
               </a:rPr>
               <a:t>두 번째 인자는 개수</a:t>
             </a:r>
             <a:r>
-              <a:rPr lang="en-US" altLang="ko-KR" sz="1430" dirty="0" smtClean="0">
+              <a:rPr lang="en-US" altLang="ko-KR" sz="1430" b="1" dirty="0" smtClean="0">
                 <a:latin typeface="LG Smart UI Regular" panose="020B0500000101010101" pitchFamily="50" charset="-127"/>
                 <a:ea typeface="LG Smart UI Regular" panose="020B0500000101010101" pitchFamily="50" charset="-127"/>
               </a:rPr>
               <a:t>, </a:t>
             </a:r>
             <a:r>
-              <a:rPr lang="ko-KR" altLang="en-US" sz="1430" dirty="0" smtClean="0">
+              <a:rPr lang="ko-KR" altLang="en-US" sz="1430" b="1" dirty="0" smtClean="0">
                 <a:latin typeface="LG Smart UI Regular" panose="020B0500000101010101" pitchFamily="50" charset="-127"/>
                 <a:ea typeface="LG Smart UI Regular" panose="020B0500000101010101" pitchFamily="50" charset="-127"/>
               </a:rPr>
               <a:t>세 번째 인자로는 </a:t>
             </a:r>
             <a:r>
-              <a:rPr lang="ko-KR" altLang="en-US" sz="1430" dirty="0" err="1" smtClean="0">
+              <a:rPr lang="ko-KR" altLang="en-US" sz="1430" b="1" dirty="0" err="1" smtClean="0">
                 <a:latin typeface="LG Smart UI Regular" panose="020B0500000101010101" pitchFamily="50" charset="-127"/>
                 <a:ea typeface="LG Smart UI Regular" panose="020B0500000101010101" pitchFamily="50" charset="-127"/>
               </a:rPr>
               <a:t>세팅할</a:t>
             </a:r>
             <a:r>
-              <a:rPr lang="ko-KR" altLang="en-US" sz="1430" dirty="0" smtClean="0">
+              <a:rPr lang="ko-KR" altLang="en-US" sz="1430" b="1" dirty="0" smtClean="0">
                 <a:latin typeface="LG Smart UI Regular" panose="020B0500000101010101" pitchFamily="50" charset="-127"/>
                 <a:ea typeface="LG Smart UI Regular" panose="020B0500000101010101" pitchFamily="50" charset="-127"/>
               </a:rPr>
               <a:t> 값</a:t>
             </a:r>
-            <a:endParaRPr lang="en-US" altLang="ko-KR" sz="1430" dirty="0" smtClean="0">
+            <a:endParaRPr lang="en-US" altLang="ko-KR" sz="1430" b="1" dirty="0" smtClean="0">
               <a:latin typeface="LG Smart UI Regular" panose="020B0500000101010101" pitchFamily="50" charset="-127"/>
               <a:ea typeface="LG Smart UI Regular" panose="020B0500000101010101" pitchFamily="50" charset="-127"/>
             </a:endParaRPr>
           </a:p>
           <a:p>
             <a:r>
+              <a:rPr lang="en-US" altLang="ko-KR" sz="1430" b="1" dirty="0" smtClean="0">
+                <a:latin typeface="LG Smart UI Regular" panose="020B0500000101010101" pitchFamily="50" charset="-127"/>
+                <a:ea typeface="LG Smart UI Regular" panose="020B0500000101010101" pitchFamily="50" charset="-127"/>
+              </a:rPr>
+              <a:t>				// 25, 25, 10, 0, 20, 20, 20, 20, 0, 0</a:t>
+            </a:r>
+          </a:p>
+          <a:p>
+            <a:r>
+              <a:rPr lang="en-US" altLang="ko-KR" sz="1430" dirty="0">
+                <a:latin typeface="LG Smart UI Regular" panose="020B0500000101010101" pitchFamily="50" charset="-127"/>
+                <a:ea typeface="LG Smart UI Regular" panose="020B0500000101010101" pitchFamily="50" charset="-127"/>
+              </a:rPr>
+              <a:t>	</a:t>
+            </a:r>
+            <a:r>
+              <a:rPr lang="en-US" altLang="ko-KR" sz="1430" dirty="0" err="1" smtClean="0">
+                <a:latin typeface="LG Smart UI Regular" panose="020B0500000101010101" pitchFamily="50" charset="-127"/>
+                <a:ea typeface="LG Smart UI Regular" panose="020B0500000101010101" pitchFamily="50" charset="-127"/>
+              </a:rPr>
+              <a:t>fill_n</a:t>
+            </a:r>
+            <a:r>
               <a:rPr lang="en-US" altLang="ko-KR" sz="1430" dirty="0" smtClean="0">
                 <a:latin typeface="LG Smart UI Regular" panose="020B0500000101010101" pitchFamily="50" charset="-127"/>
                 <a:ea typeface="LG Smart UI Regular" panose="020B0500000101010101" pitchFamily="50" charset="-127"/>
               </a:rPr>
-              <a:t>				// 25, 25, 10, 0, 20, 20, 20, 20, 0, 0</a:t>
-            </a:r>
-          </a:p>
-          <a:p>
-            <a:r>
-              <a:rPr lang="en-US" altLang="ko-KR" sz="1430" dirty="0">
-                <a:latin typeface="LG Smart UI Regular" panose="020B0500000101010101" pitchFamily="50" charset="-127"/>
-                <a:ea typeface="LG Smart UI Regular" panose="020B0500000101010101" pitchFamily="50" charset="-127"/>
-              </a:rPr>
-              <a:t>	</a:t>
-            </a:r>
-            <a:r>
-              <a:rPr lang="en-US" altLang="ko-KR" sz="1430" dirty="0" err="1" smtClean="0">
-                <a:latin typeface="LG Smart UI Regular" panose="020B0500000101010101" pitchFamily="50" charset="-127"/>
-                <a:ea typeface="LG Smart UI Regular" panose="020B0500000101010101" pitchFamily="50" charset="-127"/>
-              </a:rPr>
-              <a:t>fill_n</a:t>
-            </a:r>
-            <a:r>
-              <a:rPr lang="en-US" altLang="ko-KR" sz="1430" dirty="0" smtClean="0">
-                <a:latin typeface="LG Smart UI Regular" panose="020B0500000101010101" pitchFamily="50" charset="-127"/>
-                <a:ea typeface="LG Smart UI Regular" panose="020B0500000101010101" pitchFamily="50" charset="-127"/>
-              </a:rPr>
-              <a:t>(data1 + 4, 3, 30); // </a:t>
-            </a:r>
-            <a:r>
-              <a:rPr lang="ko-KR" altLang="en-US" sz="1430" dirty="0" smtClean="0">
+              <a:t>(data1 + 4, 3, 30); </a:t>
+            </a:r>
+            <a:r>
+              <a:rPr lang="en-US" altLang="ko-KR" sz="1430" b="1" dirty="0" smtClean="0">
+                <a:latin typeface="LG Smart UI Regular" panose="020B0500000101010101" pitchFamily="50" charset="-127"/>
+                <a:ea typeface="LG Smart UI Regular" panose="020B0500000101010101" pitchFamily="50" charset="-127"/>
+              </a:rPr>
+              <a:t>// </a:t>
+            </a:r>
+            <a:r>
+              <a:rPr lang="ko-KR" altLang="en-US" sz="1430" b="1" dirty="0" smtClean="0">
                 <a:latin typeface="LG Smart UI Regular" panose="020B0500000101010101" pitchFamily="50" charset="-127"/>
                 <a:ea typeface="LG Smart UI Regular" panose="020B0500000101010101" pitchFamily="50" charset="-127"/>
               </a:rPr>
               <a:t>다섯 번째부터 일곱 번째 까지의 데이터를 </a:t>
             </a:r>
             <a:r>
-              <a:rPr lang="en-US" altLang="ko-KR" sz="1430" dirty="0">
+              <a:rPr lang="en-US" altLang="ko-KR" sz="1430" b="1" dirty="0">
                 <a:latin typeface="LG Smart UI Regular" panose="020B0500000101010101" pitchFamily="50" charset="-127"/>
                 <a:ea typeface="LG Smart UI Regular" panose="020B0500000101010101" pitchFamily="50" charset="-127"/>
               </a:rPr>
               <a:t>3</a:t>
             </a:r>
             <a:r>
-              <a:rPr lang="en-US" altLang="ko-KR" sz="1430" dirty="0" smtClean="0">
+              <a:rPr lang="en-US" altLang="ko-KR" sz="1430" b="1" dirty="0" smtClean="0">
                 <a:latin typeface="LG Smart UI Regular" panose="020B0500000101010101" pitchFamily="50" charset="-127"/>
                 <a:ea typeface="LG Smart UI Regular" panose="020B0500000101010101" pitchFamily="50" charset="-127"/>
               </a:rPr>
               <a:t>0</a:t>
             </a:r>
             <a:r>
-              <a:rPr lang="ko-KR" altLang="en-US" sz="1430" dirty="0" smtClean="0">
+              <a:rPr lang="ko-KR" altLang="en-US" sz="1430" b="1" dirty="0" smtClean="0">
                 <a:latin typeface="LG Smart UI Regular" panose="020B0500000101010101" pitchFamily="50" charset="-127"/>
                 <a:ea typeface="LG Smart UI Regular" panose="020B0500000101010101" pitchFamily="50" charset="-127"/>
               </a:rPr>
               <a:t>으로 변경</a:t>
             </a:r>
-            <a:endParaRPr lang="en-US" altLang="ko-KR" sz="1430" dirty="0" smtClean="0">
+            <a:endParaRPr lang="en-US" altLang="ko-KR" sz="1430" b="1" dirty="0" smtClean="0">
               <a:latin typeface="LG Smart UI Regular" panose="020B0500000101010101" pitchFamily="50" charset="-127"/>
               <a:ea typeface="LG Smart UI Regular" panose="020B0500000101010101" pitchFamily="50" charset="-127"/>
             </a:endParaRPr>
           </a:p>
           <a:p>
             <a:r>
-              <a:rPr lang="en-US" altLang="ko-KR" sz="1430" dirty="0">
+              <a:rPr lang="en-US" altLang="ko-KR" sz="1430" b="1" dirty="0">
                 <a:latin typeface="LG Smart UI Regular" panose="020B0500000101010101" pitchFamily="50" charset="-127"/>
                 <a:ea typeface="LG Smart UI Regular" panose="020B0500000101010101" pitchFamily="50" charset="-127"/>
               </a:rPr>
               <a:t>	</a:t>
             </a:r>
             <a:r>
-              <a:rPr lang="en-US" altLang="ko-KR" sz="1430" dirty="0" smtClean="0">
+              <a:rPr lang="en-US" altLang="ko-KR" sz="1430" b="1" dirty="0" smtClean="0">
                 <a:latin typeface="LG Smart UI Regular" panose="020B0500000101010101" pitchFamily="50" charset="-127"/>
                 <a:ea typeface="LG Smart UI Regular" panose="020B0500000101010101" pitchFamily="50" charset="-127"/>
               </a:rPr>
@@ -29635,98 +29674,98 @@
           </a:p>
           <a:p>
             <a:r>
-              <a:rPr lang="en-US" altLang="ko-KR" sz="1430" dirty="0" smtClean="0">
+              <a:rPr lang="en-US" altLang="ko-KR" sz="1430" b="1" dirty="0" smtClean="0">
                 <a:latin typeface="LG Smart UI Regular" panose="020B0500000101010101" pitchFamily="50" charset="-127"/>
                 <a:ea typeface="LG Smart UI Regular" panose="020B0500000101010101" pitchFamily="50" charset="-127"/>
               </a:rPr>
               <a:t>	// -&gt; fill</a:t>
             </a:r>
             <a:r>
-              <a:rPr lang="ko-KR" altLang="en-US" sz="1430" dirty="0" smtClean="0">
+              <a:rPr lang="ko-KR" altLang="en-US" sz="1430" b="1" dirty="0" smtClean="0">
                 <a:latin typeface="LG Smart UI Regular" panose="020B0500000101010101" pitchFamily="50" charset="-127"/>
                 <a:ea typeface="LG Smart UI Regular" panose="020B0500000101010101" pitchFamily="50" charset="-127"/>
               </a:rPr>
               <a:t>이랑 </a:t>
             </a:r>
             <a:r>
-              <a:rPr lang="en-US" altLang="ko-KR" sz="1430" dirty="0" err="1" smtClean="0">
+              <a:rPr lang="en-US" altLang="ko-KR" sz="1430" b="1" dirty="0" err="1" smtClean="0">
                 <a:latin typeface="LG Smart UI Regular" panose="020B0500000101010101" pitchFamily="50" charset="-127"/>
                 <a:ea typeface="LG Smart UI Regular" panose="020B0500000101010101" pitchFamily="50" charset="-127"/>
               </a:rPr>
               <a:t>fill_n</a:t>
             </a:r>
             <a:r>
-              <a:rPr lang="ko-KR" altLang="en-US" sz="1430" dirty="0" smtClean="0">
+              <a:rPr lang="ko-KR" altLang="en-US" sz="1430" b="1" dirty="0" smtClean="0">
                 <a:latin typeface="LG Smart UI Regular" panose="020B0500000101010101" pitchFamily="50" charset="-127"/>
                 <a:ea typeface="LG Smart UI Regular" panose="020B0500000101010101" pitchFamily="50" charset="-127"/>
               </a:rPr>
               <a:t>은 비슷하지만 두 번째 인자로 </a:t>
             </a:r>
             <a:r>
-              <a:rPr lang="ko-KR" altLang="en-US" sz="1430" dirty="0" err="1" smtClean="0">
+              <a:rPr lang="ko-KR" altLang="en-US" sz="1430" b="1" dirty="0" err="1" smtClean="0">
                 <a:latin typeface="LG Smart UI Regular" panose="020B0500000101010101" pitchFamily="50" charset="-127"/>
                 <a:ea typeface="LG Smart UI Regular" panose="020B0500000101010101" pitchFamily="50" charset="-127"/>
               </a:rPr>
               <a:t>들어오는게</a:t>
             </a:r>
             <a:r>
-              <a:rPr lang="ko-KR" altLang="en-US" sz="1430" dirty="0" smtClean="0">
+              <a:rPr lang="ko-KR" altLang="en-US" sz="1430" b="1" dirty="0" smtClean="0">
                 <a:latin typeface="LG Smart UI Regular" panose="020B0500000101010101" pitchFamily="50" charset="-127"/>
                 <a:ea typeface="LG Smart UI Regular" panose="020B0500000101010101" pitchFamily="50" charset="-127"/>
               </a:rPr>
               <a:t> </a:t>
             </a:r>
             <a:r>
-              <a:rPr lang="en-US" altLang="ko-KR" sz="1430" dirty="0" smtClean="0">
+              <a:rPr lang="en-US" altLang="ko-KR" sz="1430" b="1" dirty="0" smtClean="0">
                 <a:latin typeface="LG Smart UI Regular" panose="020B0500000101010101" pitchFamily="50" charset="-127"/>
                 <a:ea typeface="LG Smart UI Regular" panose="020B0500000101010101" pitchFamily="50" charset="-127"/>
               </a:rPr>
               <a:t>fill</a:t>
             </a:r>
             <a:r>
-              <a:rPr lang="ko-KR" altLang="en-US" sz="1430" dirty="0" smtClean="0">
+              <a:rPr lang="ko-KR" altLang="en-US" sz="1430" b="1" dirty="0" smtClean="0">
                 <a:latin typeface="LG Smart UI Regular" panose="020B0500000101010101" pitchFamily="50" charset="-127"/>
                 <a:ea typeface="LG Smart UI Regular" panose="020B0500000101010101" pitchFamily="50" charset="-127"/>
               </a:rPr>
               <a:t>은 끝낼 위치가 들어오고</a:t>
             </a:r>
             <a:r>
-              <a:rPr lang="en-US" altLang="ko-KR" sz="1430" dirty="0" smtClean="0">
+              <a:rPr lang="en-US" altLang="ko-KR" sz="1430" b="1" dirty="0" smtClean="0">
                 <a:latin typeface="LG Smart UI Regular" panose="020B0500000101010101" pitchFamily="50" charset="-127"/>
                 <a:ea typeface="LG Smart UI Regular" panose="020B0500000101010101" pitchFamily="50" charset="-127"/>
               </a:rPr>
               <a:t>, </a:t>
             </a:r>
             <a:r>
-              <a:rPr lang="en-US" altLang="ko-KR" sz="1430" dirty="0" err="1" smtClean="0">
+              <a:rPr lang="en-US" altLang="ko-KR" sz="1430" b="1" dirty="0" err="1" smtClean="0">
                 <a:latin typeface="LG Smart UI Regular" panose="020B0500000101010101" pitchFamily="50" charset="-127"/>
                 <a:ea typeface="LG Smart UI Regular" panose="020B0500000101010101" pitchFamily="50" charset="-127"/>
               </a:rPr>
               <a:t>fill_n</a:t>
             </a:r>
             <a:r>
-              <a:rPr lang="ko-KR" altLang="en-US" sz="1430" dirty="0" smtClean="0">
+              <a:rPr lang="ko-KR" altLang="en-US" sz="1430" b="1" dirty="0" smtClean="0">
                 <a:latin typeface="LG Smart UI Regular" panose="020B0500000101010101" pitchFamily="50" charset="-127"/>
                 <a:ea typeface="LG Smart UI Regular" panose="020B0500000101010101" pitchFamily="50" charset="-127"/>
               </a:rPr>
               <a:t>은 수정 시작 할 </a:t>
             </a:r>
             <a:r>
-              <a:rPr lang="en-US" altLang="ko-KR" sz="1430" dirty="0" smtClean="0">
+              <a:rPr lang="en-US" altLang="ko-KR" sz="1430" b="1" dirty="0" smtClean="0">
                 <a:latin typeface="LG Smart UI Regular" panose="020B0500000101010101" pitchFamily="50" charset="-127"/>
                 <a:ea typeface="LG Smart UI Regular" panose="020B0500000101010101" pitchFamily="50" charset="-127"/>
               </a:rPr>
               <a:t>	//	</a:t>
             </a:r>
             <a:r>
-              <a:rPr lang="ko-KR" altLang="en-US" sz="1430" dirty="0" smtClean="0">
+              <a:rPr lang="ko-KR" altLang="en-US" sz="1430" b="1" dirty="0" smtClean="0">
                 <a:latin typeface="LG Smart UI Regular" panose="020B0500000101010101" pitchFamily="50" charset="-127"/>
                 <a:ea typeface="LG Smart UI Regular" panose="020B0500000101010101" pitchFamily="50" charset="-127"/>
               </a:rPr>
               <a:t>위치부터 몇 개를 수정 할지에 대한 인자가 들어오게 된다</a:t>
             </a:r>
             <a:r>
-              <a:rPr lang="en-US" altLang="ko-KR" sz="1430" dirty="0" smtClean="0">
+              <a:rPr lang="en-US" altLang="ko-KR" sz="1430" b="1" dirty="0" smtClean="0">
                 <a:latin typeface="LG Smart UI Regular" panose="020B0500000101010101" pitchFamily="50" charset="-127"/>
                 <a:ea typeface="LG Smart UI Regular" panose="020B0500000101010101" pitchFamily="50" charset="-127"/>
               </a:rPr>
@@ -29816,7 +29855,7 @@
         </p:nvSpPr>
         <p:spPr>
           <a:xfrm>
-            <a:off x="864971" y="131805"/>
+            <a:off x="858664" y="0"/>
             <a:ext cx="5873579" cy="722757"/>
           </a:xfrm>
           <a:prstGeom prst="rect">
@@ -30403,7 +30442,7 @@
         </p:blipFill>
         <p:spPr>
           <a:xfrm>
-            <a:off x="976185" y="722758"/>
+            <a:off x="779496" y="722758"/>
             <a:ext cx="3764539" cy="3423997"/>
           </a:xfrm>
           <a:prstGeom prst="rect">
@@ -30427,7 +30466,7 @@
         </p:blipFill>
         <p:spPr>
           <a:xfrm>
-            <a:off x="4740724" y="722758"/>
+            <a:off x="4544035" y="722758"/>
             <a:ext cx="5453835" cy="3423997"/>
           </a:xfrm>
           <a:prstGeom prst="rect">
@@ -30590,14 +30629,7 @@
                 <a:latin typeface="LG Smart UI Regular" panose="020B0500000101010101" pitchFamily="50" charset="-127"/>
                 <a:ea typeface="LG Smart UI Regular" panose="020B0500000101010101" pitchFamily="50" charset="-127"/>
               </a:rPr>
-              <a:t>헤더파일에 정의 되어있는 </a:t>
-            </a:r>
-            <a:r>
-              <a:rPr lang="ko-KR" altLang="en-US" sz="1230" dirty="0" smtClean="0">
-                <a:latin typeface="LG Smart UI Regular" panose="020B0500000101010101" pitchFamily="50" charset="-127"/>
-                <a:ea typeface="LG Smart UI Regular" panose="020B0500000101010101" pitchFamily="50" charset="-127"/>
-              </a:rPr>
-              <a:t>변수나 함수를 이용하여 파일을 읽고</a:t>
+              <a:t>헤더파일에 정의 되어있는 변수나 함수를 이용하여 파일을 읽고</a:t>
             </a:r>
             <a:r>
               <a:rPr lang="en-US" altLang="ko-KR" sz="1230" dirty="0" smtClean="0">
@@ -31284,27 +31316,27 @@
               <a:t>    </a:t>
             </a:r>
             <a:r>
-              <a:rPr lang="en-US" altLang="ko-KR" sz="1230" dirty="0">
+              <a:rPr lang="en-US" altLang="ko-KR" sz="1230" b="1" dirty="0">
                 <a:latin typeface="LG Smart UI Regular" panose="020B0500000101010101" pitchFamily="50" charset="-127"/>
                 <a:ea typeface="LG Smart UI Regular" panose="020B0500000101010101" pitchFamily="50" charset="-127"/>
               </a:rPr>
               <a:t>//</a:t>
             </a:r>
             <a:r>
-              <a:rPr lang="ko-KR" altLang="en-US" sz="1230" dirty="0">
+              <a:rPr lang="ko-KR" altLang="en-US" sz="1230" b="1" dirty="0">
                 <a:latin typeface="LG Smart UI Regular" panose="020B0500000101010101" pitchFamily="50" charset="-127"/>
                 <a:ea typeface="LG Smart UI Regular" panose="020B0500000101010101" pitchFamily="50" charset="-127"/>
               </a:rPr>
               <a:t>파일을 읽기 위한 입력 </a:t>
             </a:r>
             <a:r>
-              <a:rPr lang="ko-KR" altLang="en-US" sz="1230" dirty="0" err="1">
+              <a:rPr lang="ko-KR" altLang="en-US" sz="1230" b="1" dirty="0" err="1">
                 <a:latin typeface="LG Smart UI Regular" panose="020B0500000101010101" pitchFamily="50" charset="-127"/>
                 <a:ea typeface="LG Smart UI Regular" panose="020B0500000101010101" pitchFamily="50" charset="-127"/>
               </a:rPr>
               <a:t>스트림</a:t>
             </a:r>
-            <a:endParaRPr lang="ko-KR" altLang="en-US" sz="1230" dirty="0">
+            <a:endParaRPr lang="ko-KR" altLang="en-US" sz="1230" b="1" dirty="0">
               <a:latin typeface="LG Smart UI Regular" panose="020B0500000101010101" pitchFamily="50" charset="-127"/>
               <a:ea typeface="LG Smart UI Regular" panose="020B0500000101010101" pitchFamily="50" charset="-127"/>
             </a:endParaRPr>
@@ -31366,17 +31398,24 @@
                 <a:latin typeface="LG Smart UI Regular" panose="020B0500000101010101" pitchFamily="50" charset="-127"/>
                 <a:ea typeface="LG Smart UI Regular" panose="020B0500000101010101" pitchFamily="50" charset="-127"/>
               </a:rPr>
-              <a:t>::in); // </a:t>
-            </a:r>
-            <a:r>
-              <a:rPr lang="ko-KR" altLang="en-US" sz="1230" dirty="0">
+              <a:t>::in); </a:t>
+            </a:r>
+            <a:r>
+              <a:rPr lang="en-US" altLang="ko-KR" sz="1230" b="1" dirty="0">
+                <a:latin typeface="LG Smart UI Regular" panose="020B0500000101010101" pitchFamily="50" charset="-127"/>
+                <a:ea typeface="LG Smart UI Regular" panose="020B0500000101010101" pitchFamily="50" charset="-127"/>
+              </a:rPr>
+              <a:t>// </a:t>
+            </a:r>
+            <a:r>
+              <a:rPr lang="ko-KR" altLang="en-US" sz="1230" b="1" dirty="0">
                 <a:latin typeface="LG Smart UI Regular" panose="020B0500000101010101" pitchFamily="50" charset="-127"/>
                 <a:ea typeface="LG Smart UI Regular" panose="020B0500000101010101" pitchFamily="50" charset="-127"/>
               </a:rPr>
               <a:t>읽기모드로 파일 </a:t>
             </a:r>
             <a:r>
-              <a:rPr lang="en-US" altLang="ko-KR" sz="1230" dirty="0">
+              <a:rPr lang="en-US" altLang="ko-KR" sz="1230" b="1" dirty="0">
                 <a:latin typeface="LG Smart UI Regular" panose="020B0500000101010101" pitchFamily="50" charset="-127"/>
                 <a:ea typeface="LG Smart UI Regular" panose="020B0500000101010101" pitchFamily="50" charset="-127"/>
               </a:rPr>
@@ -31426,134 +31465,141 @@
               <a:t>ss</a:t>
             </a:r>
             <a:r>
+              <a:rPr lang="en-US" altLang="ko-KR" sz="1230" b="1" dirty="0">
+                <a:latin typeface="LG Smart UI Regular" panose="020B0500000101010101" pitchFamily="50" charset="-127"/>
+                <a:ea typeface="LG Smart UI Regular" panose="020B0500000101010101" pitchFamily="50" charset="-127"/>
+              </a:rPr>
+              <a:t>; // </a:t>
+            </a:r>
+            <a:r>
+              <a:rPr lang="en-US" altLang="ko-KR" sz="1230" b="1" dirty="0" err="1">
+                <a:latin typeface="LG Smart UI Regular" panose="020B0500000101010101" pitchFamily="50" charset="-127"/>
+                <a:ea typeface="LG Smart UI Regular" panose="020B0500000101010101" pitchFamily="50" charset="-127"/>
+              </a:rPr>
+              <a:t>stringstream</a:t>
+            </a:r>
+            <a:r>
+              <a:rPr lang="en-US" altLang="ko-KR" sz="1230" b="1" dirty="0">
+                <a:latin typeface="LG Smart UI Regular" panose="020B0500000101010101" pitchFamily="50" charset="-127"/>
+                <a:ea typeface="LG Smart UI Regular" panose="020B0500000101010101" pitchFamily="50" charset="-127"/>
+              </a:rPr>
+              <a:t> </a:t>
+            </a:r>
+            <a:r>
+              <a:rPr lang="ko-KR" altLang="en-US" sz="1230" b="1" dirty="0">
+                <a:latin typeface="LG Smart UI Regular" panose="020B0500000101010101" pitchFamily="50" charset="-127"/>
+                <a:ea typeface="LG Smart UI Regular" panose="020B0500000101010101" pitchFamily="50" charset="-127"/>
+              </a:rPr>
+              <a:t>객체 </a:t>
+            </a:r>
+            <a:r>
+              <a:rPr lang="en-US" altLang="ko-KR" sz="1230" b="1" dirty="0" err="1">
+                <a:latin typeface="LG Smart UI Regular" panose="020B0500000101010101" pitchFamily="50" charset="-127"/>
+                <a:ea typeface="LG Smart UI Regular" panose="020B0500000101010101" pitchFamily="50" charset="-127"/>
+              </a:rPr>
+              <a:t>ss</a:t>
+            </a:r>
+            <a:r>
+              <a:rPr lang="en-US" altLang="ko-KR" sz="1230" b="1" dirty="0">
+                <a:latin typeface="LG Smart UI Regular" panose="020B0500000101010101" pitchFamily="50" charset="-127"/>
+                <a:ea typeface="LG Smart UI Regular" panose="020B0500000101010101" pitchFamily="50" charset="-127"/>
+              </a:rPr>
+              <a:t> </a:t>
+            </a:r>
+            <a:r>
+              <a:rPr lang="ko-KR" altLang="en-US" sz="1230" b="1" dirty="0">
+                <a:latin typeface="LG Smart UI Regular" panose="020B0500000101010101" pitchFamily="50" charset="-127"/>
+                <a:ea typeface="LG Smart UI Regular" panose="020B0500000101010101" pitchFamily="50" charset="-127"/>
+              </a:rPr>
+              <a:t>생성</a:t>
+            </a:r>
+          </a:p>
+          <a:p>
+            <a:r>
+              <a:rPr lang="ko-KR" altLang="en-US" sz="1230" dirty="0">
+                <a:latin typeface="LG Smart UI Regular" panose="020B0500000101010101" pitchFamily="50" charset="-127"/>
+                <a:ea typeface="LG Smart UI Regular" panose="020B0500000101010101" pitchFamily="50" charset="-127"/>
+              </a:rPr>
+              <a:t>    </a:t>
+            </a:r>
+            <a:r>
+              <a:rPr lang="en-US" altLang="ko-KR" sz="1230" dirty="0" err="1">
+                <a:latin typeface="LG Smart UI Regular" panose="020B0500000101010101" pitchFamily="50" charset="-127"/>
+                <a:ea typeface="LG Smart UI Regular" panose="020B0500000101010101" pitchFamily="50" charset="-127"/>
+              </a:rPr>
+              <a:t>ss</a:t>
+            </a:r>
+            <a:r>
               <a:rPr lang="en-US" altLang="ko-KR" sz="1230" dirty="0">
                 <a:latin typeface="LG Smart UI Regular" panose="020B0500000101010101" pitchFamily="50" charset="-127"/>
                 <a:ea typeface="LG Smart UI Regular" panose="020B0500000101010101" pitchFamily="50" charset="-127"/>
               </a:rPr>
-              <a:t>; // </a:t>
+              <a:t> &lt;&lt; </a:t>
             </a:r>
             <a:r>
               <a:rPr lang="en-US" altLang="ko-KR" sz="1230" dirty="0" err="1">
                 <a:latin typeface="LG Smart UI Regular" panose="020B0500000101010101" pitchFamily="50" charset="-127"/>
                 <a:ea typeface="LG Smart UI Regular" panose="020B0500000101010101" pitchFamily="50" charset="-127"/>
               </a:rPr>
+              <a:t>ifs.rdbuf</a:t>
+            </a:r>
+            <a:r>
+              <a:rPr lang="en-US" altLang="ko-KR" sz="1230" dirty="0">
+                <a:latin typeface="LG Smart UI Regular" panose="020B0500000101010101" pitchFamily="50" charset="-127"/>
+                <a:ea typeface="LG Smart UI Regular" panose="020B0500000101010101" pitchFamily="50" charset="-127"/>
+              </a:rPr>
+              <a:t>(); </a:t>
+            </a:r>
+            <a:r>
+              <a:rPr lang="en-US" altLang="ko-KR" sz="1230" b="1" dirty="0">
+                <a:latin typeface="LG Smart UI Regular" panose="020B0500000101010101" pitchFamily="50" charset="-127"/>
+                <a:ea typeface="LG Smart UI Regular" panose="020B0500000101010101" pitchFamily="50" charset="-127"/>
+              </a:rPr>
+              <a:t>// </a:t>
+            </a:r>
+            <a:r>
+              <a:rPr lang="ko-KR" altLang="en-US" sz="1230" b="1" dirty="0">
+                <a:latin typeface="LG Smart UI Regular" panose="020B0500000101010101" pitchFamily="50" charset="-127"/>
+                <a:ea typeface="LG Smart UI Regular" panose="020B0500000101010101" pitchFamily="50" charset="-127"/>
+              </a:rPr>
+              <a:t>파일 </a:t>
+            </a:r>
+            <a:r>
+              <a:rPr lang="ko-KR" altLang="en-US" sz="1230" b="1" dirty="0" err="1">
+                <a:latin typeface="LG Smart UI Regular" panose="020B0500000101010101" pitchFamily="50" charset="-127"/>
+                <a:ea typeface="LG Smart UI Regular" panose="020B0500000101010101" pitchFamily="50" charset="-127"/>
+              </a:rPr>
+              <a:t>스트림의</a:t>
+            </a:r>
+            <a:r>
+              <a:rPr lang="ko-KR" altLang="en-US" sz="1230" b="1" dirty="0">
+                <a:latin typeface="LG Smart UI Regular" panose="020B0500000101010101" pitchFamily="50" charset="-127"/>
+                <a:ea typeface="LG Smart UI Regular" panose="020B0500000101010101" pitchFamily="50" charset="-127"/>
+              </a:rPr>
+              <a:t> 버퍼를 </a:t>
+            </a:r>
+            <a:r>
+              <a:rPr lang="en-US" altLang="ko-KR" sz="1230" b="1" dirty="0" err="1">
+                <a:latin typeface="LG Smart UI Regular" panose="020B0500000101010101" pitchFamily="50" charset="-127"/>
+                <a:ea typeface="LG Smart UI Regular" panose="020B0500000101010101" pitchFamily="50" charset="-127"/>
+              </a:rPr>
               <a:t>stringstream</a:t>
             </a:r>
             <a:r>
-              <a:rPr lang="en-US" altLang="ko-KR" sz="1230" dirty="0">
-                <a:latin typeface="LG Smart UI Regular" panose="020B0500000101010101" pitchFamily="50" charset="-127"/>
-                <a:ea typeface="LG Smart UI Regular" panose="020B0500000101010101" pitchFamily="50" charset="-127"/>
-              </a:rPr>
-              <a:t> </a:t>
-            </a:r>
-            <a:r>
-              <a:rPr lang="ko-KR" altLang="en-US" sz="1230" dirty="0">
-                <a:latin typeface="LG Smart UI Regular" panose="020B0500000101010101" pitchFamily="50" charset="-127"/>
-                <a:ea typeface="LG Smart UI Regular" panose="020B0500000101010101" pitchFamily="50" charset="-127"/>
-              </a:rPr>
-              <a:t>객체 </a:t>
-            </a:r>
-            <a:r>
-              <a:rPr lang="en-US" altLang="ko-KR" sz="1230" dirty="0" err="1">
-                <a:latin typeface="LG Smart UI Regular" panose="020B0500000101010101" pitchFamily="50" charset="-127"/>
-                <a:ea typeface="LG Smart UI Regular" panose="020B0500000101010101" pitchFamily="50" charset="-127"/>
-              </a:rPr>
-              <a:t>ss</a:t>
-            </a:r>
-            <a:r>
-              <a:rPr lang="en-US" altLang="ko-KR" sz="1230" dirty="0">
-                <a:latin typeface="LG Smart UI Regular" panose="020B0500000101010101" pitchFamily="50" charset="-127"/>
-                <a:ea typeface="LG Smart UI Regular" panose="020B0500000101010101" pitchFamily="50" charset="-127"/>
-              </a:rPr>
-              <a:t> </a:t>
-            </a:r>
-            <a:r>
-              <a:rPr lang="ko-KR" altLang="en-US" sz="1230" dirty="0">
-                <a:latin typeface="LG Smart UI Regular" panose="020B0500000101010101" pitchFamily="50" charset="-127"/>
-                <a:ea typeface="LG Smart UI Regular" panose="020B0500000101010101" pitchFamily="50" charset="-127"/>
-              </a:rPr>
-              <a:t>생성</a:t>
-            </a:r>
-          </a:p>
-          <a:p>
-            <a:r>
-              <a:rPr lang="ko-KR" altLang="en-US" sz="1230" dirty="0">
-                <a:latin typeface="LG Smart UI Regular" panose="020B0500000101010101" pitchFamily="50" charset="-127"/>
-                <a:ea typeface="LG Smart UI Regular" panose="020B0500000101010101" pitchFamily="50" charset="-127"/>
-              </a:rPr>
-              <a:t>    </a:t>
-            </a:r>
-            <a:r>
-              <a:rPr lang="en-US" altLang="ko-KR" sz="1230" dirty="0" err="1">
-                <a:latin typeface="LG Smart UI Regular" panose="020B0500000101010101" pitchFamily="50" charset="-127"/>
-                <a:ea typeface="LG Smart UI Regular" panose="020B0500000101010101" pitchFamily="50" charset="-127"/>
-              </a:rPr>
-              <a:t>ss</a:t>
-            </a:r>
-            <a:r>
-              <a:rPr lang="en-US" altLang="ko-KR" sz="1230" dirty="0">
-                <a:latin typeface="LG Smart UI Regular" panose="020B0500000101010101" pitchFamily="50" charset="-127"/>
-                <a:ea typeface="LG Smart UI Regular" panose="020B0500000101010101" pitchFamily="50" charset="-127"/>
-              </a:rPr>
-              <a:t> &lt;&lt; </a:t>
-            </a:r>
-            <a:r>
-              <a:rPr lang="en-US" altLang="ko-KR" sz="1230" dirty="0" err="1">
-                <a:latin typeface="LG Smart UI Regular" panose="020B0500000101010101" pitchFamily="50" charset="-127"/>
-                <a:ea typeface="LG Smart UI Regular" panose="020B0500000101010101" pitchFamily="50" charset="-127"/>
-              </a:rPr>
-              <a:t>ifs.rdbuf</a:t>
-            </a:r>
-            <a:r>
-              <a:rPr lang="en-US" altLang="ko-KR" sz="1230" dirty="0">
-                <a:latin typeface="LG Smart UI Regular" panose="020B0500000101010101" pitchFamily="50" charset="-127"/>
-                <a:ea typeface="LG Smart UI Regular" panose="020B0500000101010101" pitchFamily="50" charset="-127"/>
-              </a:rPr>
-              <a:t>(); // </a:t>
-            </a:r>
-            <a:r>
-              <a:rPr lang="ko-KR" altLang="en-US" sz="1230" dirty="0">
-                <a:latin typeface="LG Smart UI Regular" panose="020B0500000101010101" pitchFamily="50" charset="-127"/>
-                <a:ea typeface="LG Smart UI Regular" panose="020B0500000101010101" pitchFamily="50" charset="-127"/>
-              </a:rPr>
-              <a:t>파일 </a:t>
-            </a:r>
-            <a:r>
-              <a:rPr lang="ko-KR" altLang="en-US" sz="1230" dirty="0" err="1">
-                <a:latin typeface="LG Smart UI Regular" panose="020B0500000101010101" pitchFamily="50" charset="-127"/>
-                <a:ea typeface="LG Smart UI Regular" panose="020B0500000101010101" pitchFamily="50" charset="-127"/>
-              </a:rPr>
-              <a:t>스트림의</a:t>
-            </a:r>
-            <a:r>
-              <a:rPr lang="ko-KR" altLang="en-US" sz="1230" dirty="0">
-                <a:latin typeface="LG Smart UI Regular" panose="020B0500000101010101" pitchFamily="50" charset="-127"/>
-                <a:ea typeface="LG Smart UI Regular" panose="020B0500000101010101" pitchFamily="50" charset="-127"/>
-              </a:rPr>
-              <a:t> 버퍼를 </a:t>
-            </a:r>
-            <a:r>
-              <a:rPr lang="en-US" altLang="ko-KR" sz="1230" dirty="0" err="1">
-                <a:latin typeface="LG Smart UI Regular" panose="020B0500000101010101" pitchFamily="50" charset="-127"/>
-                <a:ea typeface="LG Smart UI Regular" panose="020B0500000101010101" pitchFamily="50" charset="-127"/>
-              </a:rPr>
-              <a:t>stringstream</a:t>
-            </a:r>
-            <a:r>
-              <a:rPr lang="ko-KR" altLang="en-US" sz="1230" dirty="0">
+              <a:rPr lang="ko-KR" altLang="en-US" sz="1230" b="1" dirty="0">
                 <a:latin typeface="LG Smart UI Regular" panose="020B0500000101010101" pitchFamily="50" charset="-127"/>
                 <a:ea typeface="LG Smart UI Regular" panose="020B0500000101010101" pitchFamily="50" charset="-127"/>
               </a:rPr>
               <a:t>에 </a:t>
             </a:r>
             <a:r>
-              <a:rPr lang="ko-KR" altLang="en-US" sz="1230" dirty="0" smtClean="0">
+              <a:rPr lang="ko-KR" altLang="en-US" sz="1230" b="1" dirty="0" smtClean="0">
                 <a:latin typeface="LG Smart UI Regular" panose="020B0500000101010101" pitchFamily="50" charset="-127"/>
                 <a:ea typeface="LG Smart UI Regular" panose="020B0500000101010101" pitchFamily="50" charset="-127"/>
               </a:rPr>
               <a:t>저장</a:t>
             </a:r>
-            <a:endParaRPr lang="ko-KR" altLang="en-US" sz="1230" dirty="0">
+            <a:endParaRPr lang="ko-KR" altLang="en-US" sz="1230" b="1" dirty="0">
               <a:latin typeface="LG Smart UI Regular" panose="020B0500000101010101" pitchFamily="50" charset="-127"/>
               <a:ea typeface="LG Smart UI Regular" panose="020B0500000101010101" pitchFamily="50" charset="-127"/>
             </a:endParaRPr>
@@ -31601,31 +31647,38 @@
                 <a:latin typeface="LG Smart UI Regular" panose="020B0500000101010101" pitchFamily="50" charset="-127"/>
                 <a:ea typeface="LG Smart UI Regular" panose="020B0500000101010101" pitchFamily="50" charset="-127"/>
               </a:rPr>
-              <a:t>(); //</a:t>
-            </a:r>
-            <a:r>
-              <a:rPr lang="en-US" altLang="ko-KR" sz="1230" dirty="0" err="1">
+              <a:t>(); </a:t>
+            </a:r>
+            <a:r>
+              <a:rPr lang="en-US" altLang="ko-KR" sz="1230" b="1" dirty="0">
+                <a:latin typeface="LG Smart UI Regular" panose="020B0500000101010101" pitchFamily="50" charset="-127"/>
+                <a:ea typeface="LG Smart UI Regular" panose="020B0500000101010101" pitchFamily="50" charset="-127"/>
+              </a:rPr>
+              <a:t>//</a:t>
+            </a:r>
+            <a:r>
+              <a:rPr lang="en-US" altLang="ko-KR" sz="1230" b="1" dirty="0" err="1">
                 <a:latin typeface="LG Smart UI Regular" panose="020B0500000101010101" pitchFamily="50" charset="-127"/>
                 <a:ea typeface="LG Smart UI Regular" panose="020B0500000101010101" pitchFamily="50" charset="-127"/>
               </a:rPr>
               <a:t>stringstream</a:t>
             </a:r>
             <a:r>
-              <a:rPr lang="ko-KR" altLang="en-US" sz="1230" dirty="0">
+              <a:rPr lang="ko-KR" altLang="en-US" sz="1230" b="1" dirty="0">
                 <a:latin typeface="LG Smart UI Regular" panose="020B0500000101010101" pitchFamily="50" charset="-127"/>
                 <a:ea typeface="LG Smart UI Regular" panose="020B0500000101010101" pitchFamily="50" charset="-127"/>
               </a:rPr>
               <a:t>을 </a:t>
             </a:r>
             <a:r>
-              <a:rPr lang="en-US" altLang="ko-KR" sz="1230" dirty="0">
+              <a:rPr lang="en-US" altLang="ko-KR" sz="1230" b="1" dirty="0">
                 <a:latin typeface="LG Smart UI Regular" panose="020B0500000101010101" pitchFamily="50" charset="-127"/>
                 <a:ea typeface="LG Smart UI Regular" panose="020B0500000101010101" pitchFamily="50" charset="-127"/>
               </a:rPr>
               <a:t>string</a:t>
             </a:r>
             <a:r>
-              <a:rPr lang="ko-KR" altLang="en-US" sz="1230" dirty="0">
+              <a:rPr lang="ko-KR" altLang="en-US" sz="1230" b="1" dirty="0">
                 <a:latin typeface="LG Smart UI Regular" panose="020B0500000101010101" pitchFamily="50" charset="-127"/>
                 <a:ea typeface="LG Smart UI Regular" panose="020B0500000101010101" pitchFamily="50" charset="-127"/>
               </a:rPr>
@@ -31693,14 +31746,30 @@
                 <a:latin typeface="LG Smart UI Regular" panose="020B0500000101010101" pitchFamily="50" charset="-127"/>
                 <a:ea typeface="LG Smart UI Regular" panose="020B0500000101010101" pitchFamily="50" charset="-127"/>
               </a:rPr>
-              <a:t>; // </a:t>
-            </a:r>
+              <a:t>; </a:t>
+            </a:r>
+            <a:r>
+              <a:rPr lang="en-US" altLang="ko-KR" sz="1230" b="1" dirty="0">
+                <a:latin typeface="LG Smart UI Regular" panose="020B0500000101010101" pitchFamily="50" charset="-127"/>
+                <a:ea typeface="LG Smart UI Regular" panose="020B0500000101010101" pitchFamily="50" charset="-127"/>
+              </a:rPr>
+              <a:t>// </a:t>
+            </a:r>
+            <a:r>
+              <a:rPr lang="ko-KR" altLang="en-US" sz="1230" b="1" dirty="0">
+                <a:latin typeface="LG Smart UI Regular" panose="020B0500000101010101" pitchFamily="50" charset="-127"/>
+                <a:ea typeface="LG Smart UI Regular" panose="020B0500000101010101" pitchFamily="50" charset="-127"/>
+              </a:rPr>
+              <a:t>결과 출력</a:t>
+            </a:r>
+          </a:p>
+          <a:p>
             <a:r>
               <a:rPr lang="ko-KR" altLang="en-US" sz="1230" dirty="0">
                 <a:latin typeface="LG Smart UI Regular" panose="020B0500000101010101" pitchFamily="50" charset="-127"/>
                 <a:ea typeface="LG Smart UI Regular" panose="020B0500000101010101" pitchFamily="50" charset="-127"/>
               </a:rPr>
-              <a:t>결과 출력</a:t>
+              <a:t>    </a:t>
             </a:r>
           </a:p>
           <a:p>
@@ -31711,15 +31780,6 @@
               </a:rPr>
               <a:t>    </a:t>
             </a:r>
-          </a:p>
-          <a:p>
-            <a:r>
-              <a:rPr lang="ko-KR" altLang="en-US" sz="1230" dirty="0">
-                <a:latin typeface="LG Smart UI Regular" panose="020B0500000101010101" pitchFamily="50" charset="-127"/>
-                <a:ea typeface="LG Smart UI Regular" panose="020B0500000101010101" pitchFamily="50" charset="-127"/>
-              </a:rPr>
-              <a:t>    </a:t>
-            </a:r>
             <a:r>
               <a:rPr lang="en-US" altLang="ko-KR" sz="1230" dirty="0" err="1">
                 <a:latin typeface="LG Smart UI Regular" panose="020B0500000101010101" pitchFamily="50" charset="-127"/>
@@ -31732,10 +31792,17 @@
                 <a:latin typeface="LG Smart UI Regular" panose="020B0500000101010101" pitchFamily="50" charset="-127"/>
                 <a:ea typeface="LG Smart UI Regular" panose="020B0500000101010101" pitchFamily="50" charset="-127"/>
               </a:rPr>
-              <a:t>() // </a:t>
-            </a:r>
-            <a:r>
-              <a:rPr lang="ko-KR" altLang="en-US" sz="1230" dirty="0">
+              <a:t>() </a:t>
+            </a:r>
+            <a:r>
+              <a:rPr lang="en-US" altLang="ko-KR" sz="1230" b="1" dirty="0">
+                <a:latin typeface="LG Smart UI Regular" panose="020B0500000101010101" pitchFamily="50" charset="-127"/>
+                <a:ea typeface="LG Smart UI Regular" panose="020B0500000101010101" pitchFamily="50" charset="-127"/>
+              </a:rPr>
+              <a:t>// </a:t>
+            </a:r>
+            <a:r>
+              <a:rPr lang="ko-KR" altLang="en-US" sz="1230" b="1" dirty="0">
                 <a:latin typeface="LG Smart UI Regular" panose="020B0500000101010101" pitchFamily="50" charset="-127"/>
                 <a:ea typeface="LG Smart UI Regular" panose="020B0500000101010101" pitchFamily="50" charset="-127"/>
               </a:rPr>
@@ -32087,10 +32154,6 @@
               </a:rPr>
               <a:t>.</a:t>
             </a:r>
-            <a:endParaRPr lang="en-US" altLang="ko-KR" sz="1230" dirty="0" smtClean="0">
-              <a:latin typeface="LG Smart UI Regular" panose="020B0500000101010101" pitchFamily="50" charset="-127"/>
-              <a:ea typeface="LG Smart UI Regular" panose="020B0500000101010101" pitchFamily="50" charset="-127"/>
-            </a:endParaRPr>
           </a:p>
         </p:txBody>
       </p:sp>
@@ -32199,24 +32262,31 @@
                 <a:latin typeface="LG Smart UI Regular" panose="020B0500000101010101" pitchFamily="50" charset="-127"/>
                 <a:ea typeface="LG Smart UI Regular" panose="020B0500000101010101" pitchFamily="50" charset="-127"/>
               </a:rPr>
-              <a:t>; // </a:t>
-            </a:r>
-            <a:r>
-              <a:rPr lang="en-US" altLang="ko-KR" sz="1230" dirty="0" err="1">
+              <a:t>; </a:t>
+            </a:r>
+            <a:r>
+              <a:rPr lang="en-US" altLang="ko-KR" sz="1230" b="1" dirty="0">
+                <a:latin typeface="LG Smart UI Regular" panose="020B0500000101010101" pitchFamily="50" charset="-127"/>
+                <a:ea typeface="LG Smart UI Regular" panose="020B0500000101010101" pitchFamily="50" charset="-127"/>
+              </a:rPr>
+              <a:t>// </a:t>
+            </a:r>
+            <a:r>
+              <a:rPr lang="en-US" altLang="ko-KR" sz="1230" b="1" dirty="0" err="1">
                 <a:latin typeface="LG Smart UI Regular" panose="020B0500000101010101" pitchFamily="50" charset="-127"/>
                 <a:ea typeface="LG Smart UI Regular" panose="020B0500000101010101" pitchFamily="50" charset="-127"/>
               </a:rPr>
               <a:t>filesystem</a:t>
             </a:r>
             <a:r>
-              <a:rPr lang="en-US" altLang="ko-KR" sz="1230" dirty="0">
+              <a:rPr lang="en-US" altLang="ko-KR" sz="1230" b="1" dirty="0">
                 <a:latin typeface="LG Smart UI Regular" panose="020B0500000101010101" pitchFamily="50" charset="-127"/>
                 <a:ea typeface="LG Smart UI Regular" panose="020B0500000101010101" pitchFamily="50" charset="-127"/>
               </a:rPr>
               <a:t> </a:t>
             </a:r>
             <a:r>
-              <a:rPr lang="ko-KR" altLang="en-US" sz="1230" dirty="0">
+              <a:rPr lang="ko-KR" altLang="en-US" sz="1230" b="1" dirty="0">
                 <a:latin typeface="LG Smart UI Regular" panose="020B0500000101010101" pitchFamily="50" charset="-127"/>
                 <a:ea typeface="LG Smart UI Regular" panose="020B0500000101010101" pitchFamily="50" charset="-127"/>
               </a:rPr>
@@ -32286,23 +32356,30 @@
                 <a:latin typeface="LG Smart UI Regular" panose="020B0500000101010101" pitchFamily="50" charset="-127"/>
                 <a:ea typeface="LG Smart UI Regular" panose="020B0500000101010101" pitchFamily="50" charset="-127"/>
               </a:rPr>
-              <a:t>(); // </a:t>
-            </a:r>
-            <a:r>
-              <a:rPr lang="ko-KR" altLang="en-US" sz="1230" dirty="0">
+              <a:t>(); </a:t>
+            </a:r>
+            <a:r>
+              <a:rPr lang="en-US" altLang="ko-KR" sz="1230" b="1" dirty="0">
+                <a:latin typeface="LG Smart UI Regular" panose="020B0500000101010101" pitchFamily="50" charset="-127"/>
+                <a:ea typeface="LG Smart UI Regular" panose="020B0500000101010101" pitchFamily="50" charset="-127"/>
+              </a:rPr>
+              <a:t>// </a:t>
+            </a:r>
+            <a:r>
+              <a:rPr lang="ko-KR" altLang="en-US" sz="1230" b="1" dirty="0">
                 <a:latin typeface="LG Smart UI Regular" panose="020B0500000101010101" pitchFamily="50" charset="-127"/>
                 <a:ea typeface="LG Smart UI Regular" panose="020B0500000101010101" pitchFamily="50" charset="-127"/>
               </a:rPr>
               <a:t>프로젝트의 폴더를 알아 낼 수 있다</a:t>
             </a:r>
             <a:r>
-              <a:rPr lang="en-US" altLang="ko-KR" sz="1230" dirty="0">
+              <a:rPr lang="en-US" altLang="ko-KR" sz="1230" b="1" dirty="0">
                 <a:latin typeface="LG Smart UI Regular" panose="020B0500000101010101" pitchFamily="50" charset="-127"/>
                 <a:ea typeface="LG Smart UI Regular" panose="020B0500000101010101" pitchFamily="50" charset="-127"/>
               </a:rPr>
               <a:t>.</a:t>
             </a:r>
-            <a:endParaRPr lang="ko-KR" altLang="en-US" sz="1230" dirty="0">
+            <a:endParaRPr lang="ko-KR" altLang="en-US" sz="1230" b="1" dirty="0">
               <a:latin typeface="LG Smart UI Regular" panose="020B0500000101010101" pitchFamily="50" charset="-127"/>
               <a:ea typeface="LG Smart UI Regular" panose="020B0500000101010101" pitchFamily="50" charset="-127"/>
             </a:endParaRPr>
@@ -32327,38 +32404,45 @@
                 <a:latin typeface="LG Smart UI Regular" panose="020B0500000101010101" pitchFamily="50" charset="-127"/>
                 <a:ea typeface="LG Smart UI Regular" panose="020B0500000101010101" pitchFamily="50" charset="-127"/>
               </a:rPr>
-              <a:t>::exists("C://target") // </a:t>
-            </a:r>
-            <a:r>
-              <a:rPr lang="ko-KR" altLang="en-US" sz="1230" dirty="0">
+              <a:t>::exists("C://target") </a:t>
+            </a:r>
+            <a:r>
+              <a:rPr lang="en-US" altLang="ko-KR" sz="1230" b="1" dirty="0">
+                <a:latin typeface="LG Smart UI Regular" panose="020B0500000101010101" pitchFamily="50" charset="-127"/>
+                <a:ea typeface="LG Smart UI Regular" panose="020B0500000101010101" pitchFamily="50" charset="-127"/>
+              </a:rPr>
+              <a:t>// </a:t>
+            </a:r>
+            <a:r>
+              <a:rPr lang="ko-KR" altLang="en-US" sz="1230" b="1" dirty="0">
                 <a:latin typeface="LG Smart UI Regular" panose="020B0500000101010101" pitchFamily="50" charset="-127"/>
                 <a:ea typeface="LG Smart UI Regular" panose="020B0500000101010101" pitchFamily="50" charset="-127"/>
               </a:rPr>
               <a:t>존재하면 </a:t>
             </a:r>
             <a:r>
-              <a:rPr lang="en-US" altLang="ko-KR" sz="1230" dirty="0">
+              <a:rPr lang="en-US" altLang="ko-KR" sz="1230" b="1" dirty="0">
                 <a:latin typeface="LG Smart UI Regular" panose="020B0500000101010101" pitchFamily="50" charset="-127"/>
                 <a:ea typeface="LG Smart UI Regular" panose="020B0500000101010101" pitchFamily="50" charset="-127"/>
               </a:rPr>
               <a:t>1(true), </a:t>
             </a:r>
             <a:r>
-              <a:rPr lang="ko-KR" altLang="en-US" sz="1230" dirty="0">
+              <a:rPr lang="ko-KR" altLang="en-US" sz="1230" b="1" dirty="0">
                 <a:latin typeface="LG Smart UI Regular" panose="020B0500000101010101" pitchFamily="50" charset="-127"/>
                 <a:ea typeface="LG Smart UI Regular" panose="020B0500000101010101" pitchFamily="50" charset="-127"/>
               </a:rPr>
               <a:t>존재하지 않으면 </a:t>
             </a:r>
             <a:r>
-              <a:rPr lang="en-US" altLang="ko-KR" sz="1230" dirty="0">
+              <a:rPr lang="en-US" altLang="ko-KR" sz="1230" b="1" dirty="0">
                 <a:latin typeface="LG Smart UI Regular" panose="020B0500000101010101" pitchFamily="50" charset="-127"/>
                 <a:ea typeface="LG Smart UI Regular" panose="020B0500000101010101" pitchFamily="50" charset="-127"/>
               </a:rPr>
               <a:t>0(false) </a:t>
             </a:r>
             <a:r>
-              <a:rPr lang="ko-KR" altLang="en-US" sz="1230" dirty="0">
+              <a:rPr lang="ko-KR" altLang="en-US" sz="1230" b="1" dirty="0">
                 <a:latin typeface="LG Smart UI Regular" panose="020B0500000101010101" pitchFamily="50" charset="-127"/>
                 <a:ea typeface="LG Smart UI Regular" panose="020B0500000101010101" pitchFamily="50" charset="-127"/>
               </a:rPr>
@@ -32451,37 +32535,44 @@
                 <a:latin typeface="LG Smart UI Regular" panose="020B0500000101010101" pitchFamily="50" charset="-127"/>
                 <a:ea typeface="LG Smart UI Regular" panose="020B0500000101010101" pitchFamily="50" charset="-127"/>
               </a:rPr>
-              <a:t>(directory)) // directory</a:t>
-            </a:r>
-            <a:r>
-              <a:rPr lang="ko-KR" altLang="en-US" sz="1230" dirty="0">
+              <a:t>(directory)) </a:t>
+            </a:r>
+            <a:r>
+              <a:rPr lang="en-US" altLang="ko-KR" sz="1230" b="1" dirty="0">
+                <a:latin typeface="LG Smart UI Regular" panose="020B0500000101010101" pitchFamily="50" charset="-127"/>
+                <a:ea typeface="LG Smart UI Regular" panose="020B0500000101010101" pitchFamily="50" charset="-127"/>
+              </a:rPr>
+              <a:t>// directory</a:t>
+            </a:r>
+            <a:r>
+              <a:rPr lang="ko-KR" altLang="en-US" sz="1230" b="1" dirty="0">
                 <a:latin typeface="LG Smart UI Regular" panose="020B0500000101010101" pitchFamily="50" charset="-127"/>
                 <a:ea typeface="LG Smart UI Regular" panose="020B0500000101010101" pitchFamily="50" charset="-127"/>
               </a:rPr>
               <a:t>경로에 있는 각 파일이나 </a:t>
             </a:r>
             <a:r>
-              <a:rPr lang="ko-KR" altLang="en-US" sz="1230" dirty="0" err="1">
+              <a:rPr lang="ko-KR" altLang="en-US" sz="1230" b="1" dirty="0" err="1">
                 <a:latin typeface="LG Smart UI Regular" panose="020B0500000101010101" pitchFamily="50" charset="-127"/>
                 <a:ea typeface="LG Smart UI Regular" panose="020B0500000101010101" pitchFamily="50" charset="-127"/>
               </a:rPr>
               <a:t>디렉토리에</a:t>
             </a:r>
             <a:r>
-              <a:rPr lang="ko-KR" altLang="en-US" sz="1230" dirty="0">
+              <a:rPr lang="ko-KR" altLang="en-US" sz="1230" b="1" dirty="0">
                 <a:latin typeface="LG Smart UI Regular" panose="020B0500000101010101" pitchFamily="50" charset="-127"/>
                 <a:ea typeface="LG Smart UI Regular" panose="020B0500000101010101" pitchFamily="50" charset="-127"/>
               </a:rPr>
               <a:t> 대해 출력한다</a:t>
             </a:r>
             <a:r>
-              <a:rPr lang="en-US" altLang="ko-KR" sz="1230" dirty="0">
+              <a:rPr lang="en-US" altLang="ko-KR" sz="1230" b="1" dirty="0">
                 <a:latin typeface="LG Smart UI Regular" panose="020B0500000101010101" pitchFamily="50" charset="-127"/>
                 <a:ea typeface="LG Smart UI Regular" panose="020B0500000101010101" pitchFamily="50" charset="-127"/>
               </a:rPr>
               <a:t>.</a:t>
             </a:r>
-            <a:endParaRPr lang="ko-KR" altLang="en-US" sz="1230" dirty="0">
+            <a:endParaRPr lang="ko-KR" altLang="en-US" sz="1230" b="1" dirty="0">
               <a:latin typeface="LG Smart UI Regular" panose="020B0500000101010101" pitchFamily="50" charset="-127"/>
               <a:ea typeface="LG Smart UI Regular" panose="020B0500000101010101" pitchFamily="50" charset="-127"/>
             </a:endParaRPr>
@@ -32556,21 +32647,200 @@
                 <a:latin typeface="LG Smart UI Regular" panose="020B0500000101010101" pitchFamily="50" charset="-127"/>
                 <a:ea typeface="LG Smart UI Regular" panose="020B0500000101010101" pitchFamily="50" charset="-127"/>
               </a:rPr>
-              <a:t>("temp"); // temp </a:t>
-            </a:r>
-            <a:r>
-              <a:rPr lang="ko-KR" altLang="en-US" sz="1230" dirty="0" err="1">
+              <a:t>("temp"); </a:t>
+            </a:r>
+            <a:r>
+              <a:rPr lang="en-US" altLang="ko-KR" sz="1230" b="1" dirty="0">
+                <a:latin typeface="LG Smart UI Regular" panose="020B0500000101010101" pitchFamily="50" charset="-127"/>
+                <a:ea typeface="LG Smart UI Regular" panose="020B0500000101010101" pitchFamily="50" charset="-127"/>
+              </a:rPr>
+              <a:t>// temp </a:t>
+            </a:r>
+            <a:r>
+              <a:rPr lang="ko-KR" altLang="en-US" sz="1230" b="1" dirty="0" err="1">
                 <a:latin typeface="LG Smart UI Regular" panose="020B0500000101010101" pitchFamily="50" charset="-127"/>
                 <a:ea typeface="LG Smart UI Regular" panose="020B0500000101010101" pitchFamily="50" charset="-127"/>
               </a:rPr>
               <a:t>디렉토리</a:t>
             </a:r>
             <a:r>
+              <a:rPr lang="ko-KR" altLang="en-US" sz="1230" b="1" dirty="0">
+                <a:latin typeface="LG Smart UI Regular" panose="020B0500000101010101" pitchFamily="50" charset="-127"/>
+                <a:ea typeface="LG Smart UI Regular" panose="020B0500000101010101" pitchFamily="50" charset="-127"/>
+              </a:rPr>
+              <a:t> 생성</a:t>
+            </a:r>
+          </a:p>
+          <a:p>
+            <a:r>
               <a:rPr lang="ko-KR" altLang="en-US" sz="1230" dirty="0">
                 <a:latin typeface="LG Smart UI Regular" panose="020B0500000101010101" pitchFamily="50" charset="-127"/>
                 <a:ea typeface="LG Smart UI Regular" panose="020B0500000101010101" pitchFamily="50" charset="-127"/>
               </a:rPr>
-              <a:t> 생성</a:t>
+              <a:t>    </a:t>
+            </a:r>
+            <a:r>
+              <a:rPr lang="en-US" altLang="ko-KR" sz="1230" dirty="0" err="1">
+                <a:latin typeface="LG Smart UI Regular" panose="020B0500000101010101" pitchFamily="50" charset="-127"/>
+                <a:ea typeface="LG Smart UI Regular" panose="020B0500000101010101" pitchFamily="50" charset="-127"/>
+              </a:rPr>
+              <a:t>fs</a:t>
+            </a:r>
+            <a:r>
+              <a:rPr lang="en-US" altLang="ko-KR" sz="1230" dirty="0">
+                <a:latin typeface="LG Smart UI Regular" panose="020B0500000101010101" pitchFamily="50" charset="-127"/>
+                <a:ea typeface="LG Smart UI Regular" panose="020B0500000101010101" pitchFamily="50" charset="-127"/>
+              </a:rPr>
+              <a:t>::copy("temp", "</a:t>
+            </a:r>
+            <a:r>
+              <a:rPr lang="en-US" altLang="ko-KR" sz="1230" dirty="0" err="1">
+                <a:latin typeface="LG Smart UI Regular" panose="020B0500000101010101" pitchFamily="50" charset="-127"/>
+                <a:ea typeface="LG Smart UI Regular" panose="020B0500000101010101" pitchFamily="50" charset="-127"/>
+              </a:rPr>
+              <a:t>temp_copy</a:t>
+            </a:r>
+            <a:r>
+              <a:rPr lang="en-US" altLang="ko-KR" sz="1230" dirty="0">
+                <a:latin typeface="LG Smart UI Regular" panose="020B0500000101010101" pitchFamily="50" charset="-127"/>
+                <a:ea typeface="LG Smart UI Regular" panose="020B0500000101010101" pitchFamily="50" charset="-127"/>
+              </a:rPr>
+              <a:t>"); </a:t>
+            </a:r>
+            <a:r>
+              <a:rPr lang="en-US" altLang="ko-KR" sz="1230" b="1" dirty="0">
+                <a:latin typeface="LG Smart UI Regular" panose="020B0500000101010101" pitchFamily="50" charset="-127"/>
+                <a:ea typeface="LG Smart UI Regular" panose="020B0500000101010101" pitchFamily="50" charset="-127"/>
+              </a:rPr>
+              <a:t>// temp </a:t>
+            </a:r>
+            <a:r>
+              <a:rPr lang="ko-KR" altLang="en-US" sz="1230" b="1" dirty="0" err="1">
+                <a:latin typeface="LG Smart UI Regular" panose="020B0500000101010101" pitchFamily="50" charset="-127"/>
+                <a:ea typeface="LG Smart UI Regular" panose="020B0500000101010101" pitchFamily="50" charset="-127"/>
+              </a:rPr>
+              <a:t>디렉토리를</a:t>
+            </a:r>
+            <a:r>
+              <a:rPr lang="ko-KR" altLang="en-US" sz="1230" b="1" dirty="0">
+                <a:latin typeface="LG Smart UI Regular" panose="020B0500000101010101" pitchFamily="50" charset="-127"/>
+                <a:ea typeface="LG Smart UI Regular" panose="020B0500000101010101" pitchFamily="50" charset="-127"/>
+              </a:rPr>
+              <a:t> </a:t>
+            </a:r>
+            <a:r>
+              <a:rPr lang="en-US" altLang="ko-KR" sz="1230" b="1" dirty="0">
+                <a:latin typeface="LG Smart UI Regular" panose="020B0500000101010101" pitchFamily="50" charset="-127"/>
+                <a:ea typeface="LG Smart UI Regular" panose="020B0500000101010101" pitchFamily="50" charset="-127"/>
+              </a:rPr>
+              <a:t>copy </a:t>
+            </a:r>
+            <a:r>
+              <a:rPr lang="ko-KR" altLang="en-US" sz="1230" b="1" dirty="0">
+                <a:latin typeface="LG Smart UI Regular" panose="020B0500000101010101" pitchFamily="50" charset="-127"/>
+                <a:ea typeface="LG Smart UI Regular" panose="020B0500000101010101" pitchFamily="50" charset="-127"/>
+              </a:rPr>
+              <a:t>하여 </a:t>
+            </a:r>
+            <a:r>
+              <a:rPr lang="en-US" altLang="ko-KR" sz="1230" b="1" dirty="0">
+                <a:latin typeface="LG Smart UI Regular" panose="020B0500000101010101" pitchFamily="50" charset="-127"/>
+                <a:ea typeface="LG Smart UI Regular" panose="020B0500000101010101" pitchFamily="50" charset="-127"/>
+              </a:rPr>
+              <a:t>temp </a:t>
+            </a:r>
+            <a:r>
+              <a:rPr lang="ko-KR" altLang="en-US" sz="1230" b="1" dirty="0" err="1">
+                <a:latin typeface="LG Smart UI Regular" panose="020B0500000101010101" pitchFamily="50" charset="-127"/>
+                <a:ea typeface="LG Smart UI Regular" panose="020B0500000101010101" pitchFamily="50" charset="-127"/>
+              </a:rPr>
+              <a:t>디렉토리</a:t>
+            </a:r>
+            <a:r>
+              <a:rPr lang="ko-KR" altLang="en-US" sz="1230" b="1" dirty="0">
+                <a:latin typeface="LG Smart UI Regular" panose="020B0500000101010101" pitchFamily="50" charset="-127"/>
+                <a:ea typeface="LG Smart UI Regular" panose="020B0500000101010101" pitchFamily="50" charset="-127"/>
+              </a:rPr>
+              <a:t> 내에 있는 모든 파일을 </a:t>
+            </a:r>
+            <a:r>
+              <a:rPr lang="en-US" altLang="ko-KR" sz="1230" b="1" dirty="0">
+                <a:latin typeface="LG Smart UI Regular" panose="020B0500000101010101" pitchFamily="50" charset="-127"/>
+                <a:ea typeface="LG Smart UI Regular" panose="020B0500000101010101" pitchFamily="50" charset="-127"/>
+              </a:rPr>
+              <a:t>"</a:t>
+            </a:r>
+            <a:r>
+              <a:rPr lang="en-US" altLang="ko-KR" sz="1230" b="1" dirty="0" err="1">
+                <a:latin typeface="LG Smart UI Regular" panose="020B0500000101010101" pitchFamily="50" charset="-127"/>
+                <a:ea typeface="LG Smart UI Regular" panose="020B0500000101010101" pitchFamily="50" charset="-127"/>
+              </a:rPr>
+              <a:t>temp_copy</a:t>
+            </a:r>
+            <a:r>
+              <a:rPr lang="en-US" altLang="ko-KR" sz="1230" b="1" dirty="0">
+                <a:latin typeface="LG Smart UI Regular" panose="020B0500000101010101" pitchFamily="50" charset="-127"/>
+                <a:ea typeface="LG Smart UI Regular" panose="020B0500000101010101" pitchFamily="50" charset="-127"/>
+              </a:rPr>
+              <a:t>" </a:t>
+            </a:r>
+            <a:r>
+              <a:rPr lang="ko-KR" altLang="en-US" sz="1230" b="1" dirty="0" err="1">
+                <a:latin typeface="LG Smart UI Regular" panose="020B0500000101010101" pitchFamily="50" charset="-127"/>
+                <a:ea typeface="LG Smart UI Regular" panose="020B0500000101010101" pitchFamily="50" charset="-127"/>
+              </a:rPr>
+              <a:t>디렉토리</a:t>
+            </a:r>
+            <a:r>
+              <a:rPr lang="ko-KR" altLang="en-US" sz="1230" b="1" dirty="0">
+                <a:latin typeface="LG Smart UI Regular" panose="020B0500000101010101" pitchFamily="50" charset="-127"/>
+                <a:ea typeface="LG Smart UI Regular" panose="020B0500000101010101" pitchFamily="50" charset="-127"/>
+              </a:rPr>
+              <a:t> 생성과 동시에 </a:t>
+            </a:r>
+            <a:r>
+              <a:rPr lang="en-US" altLang="ko-KR" sz="1230" b="1" dirty="0">
+                <a:latin typeface="LG Smart UI Regular" panose="020B0500000101010101" pitchFamily="50" charset="-127"/>
+                <a:ea typeface="LG Smart UI Regular" panose="020B0500000101010101" pitchFamily="50" charset="-127"/>
+              </a:rPr>
+              <a:t>copy</a:t>
+            </a:r>
+          </a:p>
+          <a:p>
+            <a:r>
+              <a:rPr lang="en-US" altLang="ko-KR" sz="1230" b="1" dirty="0">
+                <a:latin typeface="LG Smart UI Regular" panose="020B0500000101010101" pitchFamily="50" charset="-127"/>
+                <a:ea typeface="LG Smart UI Regular" panose="020B0500000101010101" pitchFamily="50" charset="-127"/>
+              </a:rPr>
+              <a:t>    </a:t>
+            </a:r>
+            <a:r>
+              <a:rPr lang="en-US" altLang="ko-KR" sz="1230" b="1" dirty="0" err="1">
+                <a:latin typeface="LG Smart UI Regular" panose="020B0500000101010101" pitchFamily="50" charset="-127"/>
+                <a:ea typeface="LG Smart UI Regular" panose="020B0500000101010101" pitchFamily="50" charset="-127"/>
+              </a:rPr>
+              <a:t>fs</a:t>
+            </a:r>
+            <a:r>
+              <a:rPr lang="en-US" altLang="ko-KR" sz="1230" b="1" dirty="0">
+                <a:latin typeface="LG Smart UI Regular" panose="020B0500000101010101" pitchFamily="50" charset="-127"/>
+                <a:ea typeface="LG Smart UI Regular" panose="020B0500000101010101" pitchFamily="50" charset="-127"/>
+              </a:rPr>
+              <a:t>::remove("temp"); // temp </a:t>
+            </a:r>
+            <a:r>
+              <a:rPr lang="ko-KR" altLang="en-US" sz="1230" b="1" dirty="0" err="1">
+                <a:latin typeface="LG Smart UI Regular" panose="020B0500000101010101" pitchFamily="50" charset="-127"/>
+                <a:ea typeface="LG Smart UI Regular" panose="020B0500000101010101" pitchFamily="50" charset="-127"/>
+              </a:rPr>
+              <a:t>디렉토리</a:t>
+            </a:r>
+            <a:r>
+              <a:rPr lang="ko-KR" altLang="en-US" sz="1230" b="1" dirty="0">
+                <a:latin typeface="LG Smart UI Regular" panose="020B0500000101010101" pitchFamily="50" charset="-127"/>
+                <a:ea typeface="LG Smart UI Regular" panose="020B0500000101010101" pitchFamily="50" charset="-127"/>
+              </a:rPr>
+              <a:t> 및 하위에 있는 파일 삭제</a:t>
             </a:r>
           </a:p>
           <a:p>
@@ -32593,7 +32863,7 @@
                 <a:latin typeface="LG Smart UI Regular" panose="020B0500000101010101" pitchFamily="50" charset="-127"/>
                 <a:ea typeface="LG Smart UI Regular" panose="020B0500000101010101" pitchFamily="50" charset="-127"/>
               </a:rPr>
-              <a:t>::copy("temp", "</a:t>
+              <a:t>::remove("</a:t>
             </a:r>
             <a:r>
               <a:rPr lang="en-US" altLang="ko-KR" sz="1230" dirty="0" err="1">
@@ -32607,200 +32877,203 @@
                 <a:latin typeface="LG Smart UI Regular" panose="020B0500000101010101" pitchFamily="50" charset="-127"/>
                 <a:ea typeface="LG Smart UI Regular" panose="020B0500000101010101" pitchFamily="50" charset="-127"/>
               </a:rPr>
-              <a:t>"); // temp </a:t>
-            </a:r>
-            <a:r>
-              <a:rPr lang="ko-KR" altLang="en-US" sz="1230" dirty="0" err="1">
-                <a:latin typeface="LG Smart UI Regular" panose="020B0500000101010101" pitchFamily="50" charset="-127"/>
-                <a:ea typeface="LG Smart UI Regular" panose="020B0500000101010101" pitchFamily="50" charset="-127"/>
-              </a:rPr>
-              <a:t>디렉토리를</a:t>
-            </a:r>
+              <a:t>"); </a:t>
+            </a:r>
+            <a:r>
+              <a:rPr lang="en-US" altLang="ko-KR" sz="1230" b="1" dirty="0">
+                <a:latin typeface="LG Smart UI Regular" panose="020B0500000101010101" pitchFamily="50" charset="-127"/>
+                <a:ea typeface="LG Smart UI Regular" panose="020B0500000101010101" pitchFamily="50" charset="-127"/>
+              </a:rPr>
+              <a:t>// </a:t>
+            </a:r>
+            <a:r>
+              <a:rPr lang="en-US" altLang="ko-KR" sz="1230" b="1" dirty="0" err="1">
+                <a:latin typeface="LG Smart UI Regular" panose="020B0500000101010101" pitchFamily="50" charset="-127"/>
+                <a:ea typeface="LG Smart UI Regular" panose="020B0500000101010101" pitchFamily="50" charset="-127"/>
+              </a:rPr>
+              <a:t>temp_copy</a:t>
+            </a:r>
+            <a:r>
+              <a:rPr lang="en-US" altLang="ko-KR" sz="1230" b="1" dirty="0">
+                <a:latin typeface="LG Smart UI Regular" panose="020B0500000101010101" pitchFamily="50" charset="-127"/>
+                <a:ea typeface="LG Smart UI Regular" panose="020B0500000101010101" pitchFamily="50" charset="-127"/>
+              </a:rPr>
+              <a:t> </a:t>
+            </a:r>
+            <a:r>
+              <a:rPr lang="ko-KR" altLang="en-US" sz="1230" b="1" dirty="0" err="1">
+                <a:latin typeface="LG Smart UI Regular" panose="020B0500000101010101" pitchFamily="50" charset="-127"/>
+                <a:ea typeface="LG Smart UI Regular" panose="020B0500000101010101" pitchFamily="50" charset="-127"/>
+              </a:rPr>
+              <a:t>디렉토리</a:t>
+            </a:r>
+            <a:r>
+              <a:rPr lang="ko-KR" altLang="en-US" sz="1230" b="1" dirty="0">
+                <a:latin typeface="LG Smart UI Regular" panose="020B0500000101010101" pitchFamily="50" charset="-127"/>
+                <a:ea typeface="LG Smart UI Regular" panose="020B0500000101010101" pitchFamily="50" charset="-127"/>
+              </a:rPr>
+              <a:t> 및 하위에 있는 파일 삭제</a:t>
+            </a:r>
+          </a:p>
+          <a:p>
+            <a:r>
+              <a:rPr lang="ko-KR" altLang="en-US" sz="1230" b="1" dirty="0">
+                <a:latin typeface="LG Smart UI Regular" panose="020B0500000101010101" pitchFamily="50" charset="-127"/>
+                <a:ea typeface="LG Smart UI Regular" panose="020B0500000101010101" pitchFamily="50" charset="-127"/>
+              </a:rPr>
+              <a:t/>
+            </a:r>
+            <a:br>
+              <a:rPr lang="ko-KR" altLang="en-US" sz="1230" b="1" dirty="0">
+                <a:latin typeface="LG Smart UI Regular" panose="020B0500000101010101" pitchFamily="50" charset="-127"/>
+                <a:ea typeface="LG Smart UI Regular" panose="020B0500000101010101" pitchFamily="50" charset="-127"/>
+              </a:rPr>
+            </a:br>
             <a:r>
               <a:rPr lang="ko-KR" altLang="en-US" sz="1230" dirty="0">
                 <a:latin typeface="LG Smart UI Regular" panose="020B0500000101010101" pitchFamily="50" charset="-127"/>
                 <a:ea typeface="LG Smart UI Regular" panose="020B0500000101010101" pitchFamily="50" charset="-127"/>
               </a:rPr>
-              <a:t> </a:t>
+              <a:t>    </a:t>
+            </a:r>
+            <a:r>
+              <a:rPr lang="en-US" altLang="ko-KR" sz="1230" dirty="0" err="1">
+                <a:latin typeface="LG Smart UI Regular" panose="020B0500000101010101" pitchFamily="50" charset="-127"/>
+                <a:ea typeface="LG Smart UI Regular" panose="020B0500000101010101" pitchFamily="50" charset="-127"/>
+              </a:rPr>
+              <a:t>ifstream</a:t>
             </a:r>
             <a:r>
               <a:rPr lang="en-US" altLang="ko-KR" sz="1230" dirty="0">
                 <a:latin typeface="LG Smart UI Regular" panose="020B0500000101010101" pitchFamily="50" charset="-127"/>
                 <a:ea typeface="LG Smart UI Regular" panose="020B0500000101010101" pitchFamily="50" charset="-127"/>
               </a:rPr>
-              <a:t>copy </a:t>
-            </a:r>
+              <a:t> stream;</a:t>
+            </a:r>
+          </a:p>
+          <a:p>
+            <a:r>
+              <a:rPr lang="en-US" altLang="ko-KR" sz="1230" dirty="0">
+                <a:latin typeface="LG Smart UI Regular" panose="020B0500000101010101" pitchFamily="50" charset="-127"/>
+                <a:ea typeface="LG Smart UI Regular" panose="020B0500000101010101" pitchFamily="50" charset="-127"/>
+              </a:rPr>
+              <a:t>    </a:t>
+            </a:r>
+            <a:r>
+              <a:rPr lang="en-US" altLang="ko-KR" sz="1230" dirty="0" err="1">
+                <a:latin typeface="LG Smart UI Regular" panose="020B0500000101010101" pitchFamily="50" charset="-127"/>
+                <a:ea typeface="LG Smart UI Regular" panose="020B0500000101010101" pitchFamily="50" charset="-127"/>
+              </a:rPr>
+              <a:t>stream.open</a:t>
+            </a:r>
+            <a:r>
+              <a:rPr lang="en-US" altLang="ko-KR" sz="1230" dirty="0">
+                <a:latin typeface="LG Smart UI Regular" panose="020B0500000101010101" pitchFamily="50" charset="-127"/>
+                <a:ea typeface="LG Smart UI Regular" panose="020B0500000101010101" pitchFamily="50" charset="-127"/>
+              </a:rPr>
+              <a:t>("D:/Visual Code C++ 200/Chapter97_103_File_Folder/096.txt");</a:t>
+            </a:r>
+          </a:p>
+          <a:p>
+            <a:r>
+              <a:rPr lang="en-US" altLang="ko-KR" sz="1230" dirty="0">
+                <a:latin typeface="LG Smart UI Regular" panose="020B0500000101010101" pitchFamily="50" charset="-127"/>
+                <a:ea typeface="LG Smart UI Regular" panose="020B0500000101010101" pitchFamily="50" charset="-127"/>
+              </a:rPr>
+              <a:t>    </a:t>
+            </a:r>
+            <a:r>
+              <a:rPr lang="en-US" altLang="ko-KR" sz="1230" dirty="0" err="1">
+                <a:latin typeface="LG Smart UI Regular" panose="020B0500000101010101" pitchFamily="50" charset="-127"/>
+                <a:ea typeface="LG Smart UI Regular" panose="020B0500000101010101" pitchFamily="50" charset="-127"/>
+              </a:rPr>
+              <a:t>stream.good</a:t>
+            </a:r>
+            <a:r>
+              <a:rPr lang="en-US" altLang="ko-KR" sz="1230" dirty="0">
+                <a:latin typeface="LG Smart UI Regular" panose="020B0500000101010101" pitchFamily="50" charset="-127"/>
+                <a:ea typeface="LG Smart UI Regular" panose="020B0500000101010101" pitchFamily="50" charset="-127"/>
+              </a:rPr>
+              <a:t>(); </a:t>
+            </a:r>
+            <a:r>
+              <a:rPr lang="en-US" altLang="ko-KR" sz="1230" b="1" dirty="0">
+                <a:latin typeface="LG Smart UI Regular" panose="020B0500000101010101" pitchFamily="50" charset="-127"/>
+                <a:ea typeface="LG Smart UI Regular" panose="020B0500000101010101" pitchFamily="50" charset="-127"/>
+              </a:rPr>
+              <a:t>// </a:t>
+            </a:r>
+            <a:r>
+              <a:rPr lang="ko-KR" altLang="en-US" sz="1230" b="1" dirty="0">
+                <a:latin typeface="LG Smart UI Regular" panose="020B0500000101010101" pitchFamily="50" charset="-127"/>
+                <a:ea typeface="LG Smart UI Regular" panose="020B0500000101010101" pitchFamily="50" charset="-127"/>
+              </a:rPr>
+              <a:t>파일이 존재하면 </a:t>
+            </a:r>
+            <a:r>
+              <a:rPr lang="en-US" altLang="ko-KR" sz="1230" b="1" dirty="0">
+                <a:latin typeface="LG Smart UI Regular" panose="020B0500000101010101" pitchFamily="50" charset="-127"/>
+                <a:ea typeface="LG Smart UI Regular" panose="020B0500000101010101" pitchFamily="50" charset="-127"/>
+              </a:rPr>
+              <a:t>1(true), </a:t>
+            </a:r>
+            <a:r>
+              <a:rPr lang="ko-KR" altLang="en-US" sz="1230" b="1" dirty="0">
+                <a:latin typeface="LG Smart UI Regular" panose="020B0500000101010101" pitchFamily="50" charset="-127"/>
+                <a:ea typeface="LG Smart UI Regular" panose="020B0500000101010101" pitchFamily="50" charset="-127"/>
+              </a:rPr>
+              <a:t>파일이 존재하지 않으면 </a:t>
+            </a:r>
+            <a:r>
+              <a:rPr lang="en-US" altLang="ko-KR" sz="1230" b="1" dirty="0">
+                <a:latin typeface="LG Smart UI Regular" panose="020B0500000101010101" pitchFamily="50" charset="-127"/>
+                <a:ea typeface="LG Smart UI Regular" panose="020B0500000101010101" pitchFamily="50" charset="-127"/>
+              </a:rPr>
+              <a:t>0(false) </a:t>
+            </a:r>
+            <a:r>
+              <a:rPr lang="ko-KR" altLang="en-US" sz="1230" b="1" dirty="0">
+                <a:latin typeface="LG Smart UI Regular" panose="020B0500000101010101" pitchFamily="50" charset="-127"/>
+                <a:ea typeface="LG Smart UI Regular" panose="020B0500000101010101" pitchFamily="50" charset="-127"/>
+              </a:rPr>
+              <a:t>리턴</a:t>
+            </a:r>
+          </a:p>
+          <a:p>
             <a:r>
               <a:rPr lang="ko-KR" altLang="en-US" sz="1230" dirty="0">
                 <a:latin typeface="LG Smart UI Regular" panose="020B0500000101010101" pitchFamily="50" charset="-127"/>
                 <a:ea typeface="LG Smart UI Regular" panose="020B0500000101010101" pitchFamily="50" charset="-127"/>
               </a:rPr>
-              <a:t>하여 </a:t>
+              <a:t>    </a:t>
+            </a:r>
+            <a:r>
+              <a:rPr lang="en-US" altLang="ko-KR" sz="1230" dirty="0" err="1">
+                <a:latin typeface="LG Smart UI Regular" panose="020B0500000101010101" pitchFamily="50" charset="-127"/>
+                <a:ea typeface="LG Smart UI Regular" panose="020B0500000101010101" pitchFamily="50" charset="-127"/>
+              </a:rPr>
+              <a:t>stream.close</a:t>
             </a:r>
             <a:r>
               <a:rPr lang="en-US" altLang="ko-KR" sz="1230" dirty="0">
                 <a:latin typeface="LG Smart UI Regular" panose="020B0500000101010101" pitchFamily="50" charset="-127"/>
                 <a:ea typeface="LG Smart UI Regular" panose="020B0500000101010101" pitchFamily="50" charset="-127"/>
               </a:rPr>
-              <a:t>temp </a:t>
-            </a:r>
-            <a:r>
-              <a:rPr lang="ko-KR" altLang="en-US" sz="1230" dirty="0" err="1">
-                <a:latin typeface="LG Smart UI Regular" panose="020B0500000101010101" pitchFamily="50" charset="-127"/>
-                <a:ea typeface="LG Smart UI Regular" panose="020B0500000101010101" pitchFamily="50" charset="-127"/>
-              </a:rPr>
-              <a:t>디렉토리</a:t>
-            </a:r>
-            <a:r>
-              <a:rPr lang="ko-KR" altLang="en-US" sz="1230" dirty="0">
-                <a:latin typeface="LG Smart UI Regular" panose="020B0500000101010101" pitchFamily="50" charset="-127"/>
-                <a:ea typeface="LG Smart UI Regular" panose="020B0500000101010101" pitchFamily="50" charset="-127"/>
-              </a:rPr>
-              <a:t> 내에 있는 모든 파일을 </a:t>
-            </a:r>
-            <a:r>
-              <a:rPr lang="en-US" altLang="ko-KR" sz="1230" dirty="0">
-                <a:latin typeface="LG Smart UI Regular" panose="020B0500000101010101" pitchFamily="50" charset="-127"/>
-                <a:ea typeface="LG Smart UI Regular" panose="020B0500000101010101" pitchFamily="50" charset="-127"/>
-              </a:rPr>
-              <a:t>"</a:t>
-            </a:r>
-            <a:r>
-              <a:rPr lang="en-US" altLang="ko-KR" sz="1230" dirty="0" err="1">
-                <a:latin typeface="LG Smart UI Regular" panose="020B0500000101010101" pitchFamily="50" charset="-127"/>
-                <a:ea typeface="LG Smart UI Regular" panose="020B0500000101010101" pitchFamily="50" charset="-127"/>
-              </a:rPr>
-              <a:t>temp_copy</a:t>
-            </a:r>
-            <a:r>
-              <a:rPr lang="en-US" altLang="ko-KR" sz="1230" dirty="0">
-                <a:latin typeface="LG Smart UI Regular" panose="020B0500000101010101" pitchFamily="50" charset="-127"/>
-                <a:ea typeface="LG Smart UI Regular" panose="020B0500000101010101" pitchFamily="50" charset="-127"/>
-              </a:rPr>
-              <a:t>" </a:t>
-            </a:r>
-            <a:r>
-              <a:rPr lang="ko-KR" altLang="en-US" sz="1230" dirty="0" err="1">
-                <a:latin typeface="LG Smart UI Regular" panose="020B0500000101010101" pitchFamily="50" charset="-127"/>
-                <a:ea typeface="LG Smart UI Regular" panose="020B0500000101010101" pitchFamily="50" charset="-127"/>
-              </a:rPr>
-              <a:t>디렉토리</a:t>
-            </a:r>
-            <a:r>
-              <a:rPr lang="ko-KR" altLang="en-US" sz="1230" dirty="0">
-                <a:latin typeface="LG Smart UI Regular" panose="020B0500000101010101" pitchFamily="50" charset="-127"/>
-                <a:ea typeface="LG Smart UI Regular" panose="020B0500000101010101" pitchFamily="50" charset="-127"/>
-              </a:rPr>
-              <a:t> 생성과 동시에 </a:t>
-            </a:r>
-            <a:r>
-              <a:rPr lang="en-US" altLang="ko-KR" sz="1230" dirty="0">
-                <a:latin typeface="LG Smart UI Regular" panose="020B0500000101010101" pitchFamily="50" charset="-127"/>
-                <a:ea typeface="LG Smart UI Regular" panose="020B0500000101010101" pitchFamily="50" charset="-127"/>
-              </a:rPr>
-              <a:t>copy</a:t>
-            </a:r>
-          </a:p>
-          <a:p>
-            <a:r>
-              <a:rPr lang="en-US" altLang="ko-KR" sz="1230" dirty="0">
-                <a:latin typeface="LG Smart UI Regular" panose="020B0500000101010101" pitchFamily="50" charset="-127"/>
-                <a:ea typeface="LG Smart UI Regular" panose="020B0500000101010101" pitchFamily="50" charset="-127"/>
-              </a:rPr>
-              <a:t>    </a:t>
-            </a:r>
-            <a:r>
-              <a:rPr lang="en-US" altLang="ko-KR" sz="1230" dirty="0" err="1">
-                <a:latin typeface="LG Smart UI Regular" panose="020B0500000101010101" pitchFamily="50" charset="-127"/>
-                <a:ea typeface="LG Smart UI Regular" panose="020B0500000101010101" pitchFamily="50" charset="-127"/>
-              </a:rPr>
-              <a:t>fs</a:t>
-            </a:r>
-            <a:r>
-              <a:rPr lang="en-US" altLang="ko-KR" sz="1230" dirty="0">
-                <a:latin typeface="LG Smart UI Regular" panose="020B0500000101010101" pitchFamily="50" charset="-127"/>
-                <a:ea typeface="LG Smart UI Regular" panose="020B0500000101010101" pitchFamily="50" charset="-127"/>
-              </a:rPr>
-              <a:t>::remove("temp"); // temp </a:t>
-            </a:r>
-            <a:r>
-              <a:rPr lang="ko-KR" altLang="en-US" sz="1230" dirty="0" err="1">
-                <a:latin typeface="LG Smart UI Regular" panose="020B0500000101010101" pitchFamily="50" charset="-127"/>
-                <a:ea typeface="LG Smart UI Regular" panose="020B0500000101010101" pitchFamily="50" charset="-127"/>
-              </a:rPr>
-              <a:t>디렉토리</a:t>
-            </a:r>
-            <a:r>
-              <a:rPr lang="ko-KR" altLang="en-US" sz="1230" dirty="0">
-                <a:latin typeface="LG Smart UI Regular" panose="020B0500000101010101" pitchFamily="50" charset="-127"/>
-                <a:ea typeface="LG Smart UI Regular" panose="020B0500000101010101" pitchFamily="50" charset="-127"/>
-              </a:rPr>
-              <a:t> 및 하위에 있는 파일 삭제</a:t>
-            </a:r>
-          </a:p>
-          <a:p>
-            <a:r>
-              <a:rPr lang="ko-KR" altLang="en-US" sz="1230" dirty="0">
-                <a:latin typeface="LG Smart UI Regular" panose="020B0500000101010101" pitchFamily="50" charset="-127"/>
-                <a:ea typeface="LG Smart UI Regular" panose="020B0500000101010101" pitchFamily="50" charset="-127"/>
-              </a:rPr>
-              <a:t>    </a:t>
-            </a:r>
-            <a:r>
-              <a:rPr lang="en-US" altLang="ko-KR" sz="1230" dirty="0" err="1">
-                <a:latin typeface="LG Smart UI Regular" panose="020B0500000101010101" pitchFamily="50" charset="-127"/>
-                <a:ea typeface="LG Smart UI Regular" panose="020B0500000101010101" pitchFamily="50" charset="-127"/>
-              </a:rPr>
-              <a:t>fs</a:t>
-            </a:r>
-            <a:r>
-              <a:rPr lang="en-US" altLang="ko-KR" sz="1230" dirty="0">
-                <a:latin typeface="LG Smart UI Regular" panose="020B0500000101010101" pitchFamily="50" charset="-127"/>
-                <a:ea typeface="LG Smart UI Regular" panose="020B0500000101010101" pitchFamily="50" charset="-127"/>
-              </a:rPr>
-              <a:t>::remove("</a:t>
-            </a:r>
-            <a:r>
-              <a:rPr lang="en-US" altLang="ko-KR" sz="1230" dirty="0" err="1">
-                <a:latin typeface="LG Smart UI Regular" panose="020B0500000101010101" pitchFamily="50" charset="-127"/>
-                <a:ea typeface="LG Smart UI Regular" panose="020B0500000101010101" pitchFamily="50" charset="-127"/>
-              </a:rPr>
-              <a:t>temp_copy</a:t>
-            </a:r>
-            <a:r>
-              <a:rPr lang="en-US" altLang="ko-KR" sz="1230" dirty="0">
-                <a:latin typeface="LG Smart UI Regular" panose="020B0500000101010101" pitchFamily="50" charset="-127"/>
-                <a:ea typeface="LG Smart UI Regular" panose="020B0500000101010101" pitchFamily="50" charset="-127"/>
-              </a:rPr>
-              <a:t>"); // </a:t>
-            </a:r>
-            <a:r>
-              <a:rPr lang="en-US" altLang="ko-KR" sz="1230" dirty="0" err="1">
-                <a:latin typeface="LG Smart UI Regular" panose="020B0500000101010101" pitchFamily="50" charset="-127"/>
-                <a:ea typeface="LG Smart UI Regular" panose="020B0500000101010101" pitchFamily="50" charset="-127"/>
-              </a:rPr>
-              <a:t>temp_copy</a:t>
-            </a:r>
-            <a:r>
-              <a:rPr lang="en-US" altLang="ko-KR" sz="1230" dirty="0">
-                <a:latin typeface="LG Smart UI Regular" panose="020B0500000101010101" pitchFamily="50" charset="-127"/>
-                <a:ea typeface="LG Smart UI Regular" panose="020B0500000101010101" pitchFamily="50" charset="-127"/>
-              </a:rPr>
-              <a:t> </a:t>
-            </a:r>
-            <a:r>
-              <a:rPr lang="ko-KR" altLang="en-US" sz="1230" dirty="0" err="1">
-                <a:latin typeface="LG Smart UI Regular" panose="020B0500000101010101" pitchFamily="50" charset="-127"/>
-                <a:ea typeface="LG Smart UI Regular" panose="020B0500000101010101" pitchFamily="50" charset="-127"/>
-              </a:rPr>
-              <a:t>디렉토리</a:t>
-            </a:r>
-            <a:r>
-              <a:rPr lang="ko-KR" altLang="en-US" sz="1230" dirty="0">
-                <a:latin typeface="LG Smart UI Regular" panose="020B0500000101010101" pitchFamily="50" charset="-127"/>
-                <a:ea typeface="LG Smart UI Regular" panose="020B0500000101010101" pitchFamily="50" charset="-127"/>
-              </a:rPr>
-              <a:t> 및 하위에 있는 파일 삭제</a:t>
+              <a:t>(); </a:t>
+            </a:r>
+            <a:r>
+              <a:rPr lang="en-US" altLang="ko-KR" sz="1230" b="1" dirty="0">
+                <a:latin typeface="LG Smart UI Regular" panose="020B0500000101010101" pitchFamily="50" charset="-127"/>
+                <a:ea typeface="LG Smart UI Regular" panose="020B0500000101010101" pitchFamily="50" charset="-127"/>
+              </a:rPr>
+              <a:t>// </a:t>
+            </a:r>
+            <a:r>
+              <a:rPr lang="ko-KR" altLang="en-US" sz="1230" b="1" dirty="0">
+                <a:latin typeface="LG Smart UI Regular" panose="020B0500000101010101" pitchFamily="50" charset="-127"/>
+                <a:ea typeface="LG Smart UI Regular" panose="020B0500000101010101" pitchFamily="50" charset="-127"/>
+              </a:rPr>
+              <a:t>파일 닫기</a:t>
             </a:r>
           </a:p>
           <a:p>
@@ -32829,192 +33102,52 @@
                 <a:latin typeface="LG Smart UI Regular" panose="020B0500000101010101" pitchFamily="50" charset="-127"/>
                 <a:ea typeface="LG Smart UI Regular" panose="020B0500000101010101" pitchFamily="50" charset="-127"/>
               </a:rPr>
-              <a:t>ifstream</a:t>
+              <a:t>int</a:t>
             </a:r>
             <a:r>
               <a:rPr lang="en-US" altLang="ko-KR" sz="1230" dirty="0">
                 <a:latin typeface="LG Smart UI Regular" panose="020B0500000101010101" pitchFamily="50" charset="-127"/>
                 <a:ea typeface="LG Smart UI Regular" panose="020B0500000101010101" pitchFamily="50" charset="-127"/>
               </a:rPr>
-              <a:t> stream;</a:t>
-            </a:r>
-          </a:p>
-          <a:p>
+              <a:t> size = </a:t>
+            </a:r>
+            <a:r>
+              <a:rPr lang="en-US" altLang="ko-KR" sz="1230" dirty="0" err="1">
+                <a:latin typeface="LG Smart UI Regular" panose="020B0500000101010101" pitchFamily="50" charset="-127"/>
+                <a:ea typeface="LG Smart UI Regular" panose="020B0500000101010101" pitchFamily="50" charset="-127"/>
+              </a:rPr>
+              <a:t>fs</a:t>
+            </a:r>
             <a:r>
               <a:rPr lang="en-US" altLang="ko-KR" sz="1230" dirty="0">
                 <a:latin typeface="LG Smart UI Regular" panose="020B0500000101010101" pitchFamily="50" charset="-127"/>
                 <a:ea typeface="LG Smart UI Regular" panose="020B0500000101010101" pitchFamily="50" charset="-127"/>
               </a:rPr>
-              <a:t>    </a:t>
+              <a:t>::</a:t>
             </a:r>
             <a:r>
               <a:rPr lang="en-US" altLang="ko-KR" sz="1230" dirty="0" err="1">
                 <a:latin typeface="LG Smart UI Regular" panose="020B0500000101010101" pitchFamily="50" charset="-127"/>
                 <a:ea typeface="LG Smart UI Regular" panose="020B0500000101010101" pitchFamily="50" charset="-127"/>
               </a:rPr>
-              <a:t>stream.open</a:t>
+              <a:t>file_size</a:t>
             </a:r>
             <a:r>
               <a:rPr lang="en-US" altLang="ko-KR" sz="1230" dirty="0">
                 <a:latin typeface="LG Smart UI Regular" panose="020B0500000101010101" pitchFamily="50" charset="-127"/>
                 <a:ea typeface="LG Smart UI Regular" panose="020B0500000101010101" pitchFamily="50" charset="-127"/>
               </a:rPr>
-              <a:t>("D:/Visual Code C++ 200/Chapter97_103_File_Folder/096.txt");</a:t>
-            </a:r>
-          </a:p>
-          <a:p>
-            <a:r>
-              <a:rPr lang="en-US" altLang="ko-KR" sz="1230" dirty="0">
-                <a:latin typeface="LG Smart UI Regular" panose="020B0500000101010101" pitchFamily="50" charset="-127"/>
-                <a:ea typeface="LG Smart UI Regular" panose="020B0500000101010101" pitchFamily="50" charset="-127"/>
-              </a:rPr>
-              <a:t>    </a:t>
-            </a:r>
-            <a:r>
-              <a:rPr lang="en-US" altLang="ko-KR" sz="1230" dirty="0" err="1">
-                <a:latin typeface="LG Smart UI Regular" panose="020B0500000101010101" pitchFamily="50" charset="-127"/>
-                <a:ea typeface="LG Smart UI Regular" panose="020B0500000101010101" pitchFamily="50" charset="-127"/>
-              </a:rPr>
-              <a:t>stream.good</a:t>
-            </a:r>
-            <a:r>
-              <a:rPr lang="en-US" altLang="ko-KR" sz="1230" dirty="0">
-                <a:latin typeface="LG Smart UI Regular" panose="020B0500000101010101" pitchFamily="50" charset="-127"/>
-                <a:ea typeface="LG Smart UI Regular" panose="020B0500000101010101" pitchFamily="50" charset="-127"/>
-              </a:rPr>
-              <a:t>(); // </a:t>
-            </a:r>
-            <a:r>
-              <a:rPr lang="ko-KR" altLang="en-US" sz="1230" dirty="0">
-                <a:latin typeface="LG Smart UI Regular" panose="020B0500000101010101" pitchFamily="50" charset="-127"/>
-                <a:ea typeface="LG Smart UI Regular" panose="020B0500000101010101" pitchFamily="50" charset="-127"/>
-              </a:rPr>
-              <a:t>파일이 존재하면 </a:t>
-            </a:r>
-            <a:r>
-              <a:rPr lang="en-US" altLang="ko-KR" sz="1230" dirty="0">
-                <a:latin typeface="LG Smart UI Regular" panose="020B0500000101010101" pitchFamily="50" charset="-127"/>
-                <a:ea typeface="LG Smart UI Regular" panose="020B0500000101010101" pitchFamily="50" charset="-127"/>
-              </a:rPr>
-              <a:t>1(true), </a:t>
-            </a:r>
-            <a:r>
-              <a:rPr lang="ko-KR" altLang="en-US" sz="1230" dirty="0">
-                <a:latin typeface="LG Smart UI Regular" panose="020B0500000101010101" pitchFamily="50" charset="-127"/>
-                <a:ea typeface="LG Smart UI Regular" panose="020B0500000101010101" pitchFamily="50" charset="-127"/>
-              </a:rPr>
-              <a:t>파일이 존재하지 않으면 </a:t>
-            </a:r>
-            <a:r>
-              <a:rPr lang="en-US" altLang="ko-KR" sz="1230" dirty="0">
-                <a:latin typeface="LG Smart UI Regular" panose="020B0500000101010101" pitchFamily="50" charset="-127"/>
-                <a:ea typeface="LG Smart UI Regular" panose="020B0500000101010101" pitchFamily="50" charset="-127"/>
-              </a:rPr>
-              <a:t>0(false) </a:t>
-            </a:r>
-            <a:r>
-              <a:rPr lang="ko-KR" altLang="en-US" sz="1230" dirty="0">
-                <a:latin typeface="LG Smart UI Regular" panose="020B0500000101010101" pitchFamily="50" charset="-127"/>
-                <a:ea typeface="LG Smart UI Regular" panose="020B0500000101010101" pitchFamily="50" charset="-127"/>
-              </a:rPr>
-              <a:t>리턴</a:t>
-            </a:r>
-          </a:p>
-          <a:p>
-            <a:r>
-              <a:rPr lang="ko-KR" altLang="en-US" sz="1230" dirty="0">
-                <a:latin typeface="LG Smart UI Regular" panose="020B0500000101010101" pitchFamily="50" charset="-127"/>
-                <a:ea typeface="LG Smart UI Regular" panose="020B0500000101010101" pitchFamily="50" charset="-127"/>
-              </a:rPr>
-              <a:t>    </a:t>
-            </a:r>
-            <a:r>
-              <a:rPr lang="en-US" altLang="ko-KR" sz="1230" dirty="0" err="1">
-                <a:latin typeface="LG Smart UI Regular" panose="020B0500000101010101" pitchFamily="50" charset="-127"/>
-                <a:ea typeface="LG Smart UI Regular" panose="020B0500000101010101" pitchFamily="50" charset="-127"/>
-              </a:rPr>
-              <a:t>stream.close</a:t>
-            </a:r>
-            <a:r>
-              <a:rPr lang="en-US" altLang="ko-KR" sz="1230" dirty="0">
-                <a:latin typeface="LG Smart UI Regular" panose="020B0500000101010101" pitchFamily="50" charset="-127"/>
-                <a:ea typeface="LG Smart UI Regular" panose="020B0500000101010101" pitchFamily="50" charset="-127"/>
-              </a:rPr>
-              <a:t>(); // </a:t>
-            </a:r>
-            <a:r>
-              <a:rPr lang="ko-KR" altLang="en-US" sz="1230" dirty="0">
-                <a:latin typeface="LG Smart UI Regular" panose="020B0500000101010101" pitchFamily="50" charset="-127"/>
-                <a:ea typeface="LG Smart UI Regular" panose="020B0500000101010101" pitchFamily="50" charset="-127"/>
-              </a:rPr>
-              <a:t>파일 닫기</a:t>
-            </a:r>
-          </a:p>
-          <a:p>
-            <a:r>
-              <a:rPr lang="ko-KR" altLang="en-US" sz="1230" dirty="0">
-                <a:latin typeface="LG Smart UI Regular" panose="020B0500000101010101" pitchFamily="50" charset="-127"/>
-                <a:ea typeface="LG Smart UI Regular" panose="020B0500000101010101" pitchFamily="50" charset="-127"/>
-              </a:rPr>
-              <a:t/>
-            </a:r>
-            <a:br>
-              <a:rPr lang="ko-KR" altLang="en-US" sz="1230" dirty="0">
-                <a:latin typeface="LG Smart UI Regular" panose="020B0500000101010101" pitchFamily="50" charset="-127"/>
-                <a:ea typeface="LG Smart UI Regular" panose="020B0500000101010101" pitchFamily="50" charset="-127"/>
-              </a:rPr>
-            </a:br>
-            <a:r>
-              <a:rPr lang="ko-KR" altLang="en-US" sz="1230" dirty="0">
-                <a:latin typeface="LG Smart UI Regular" panose="020B0500000101010101" pitchFamily="50" charset="-127"/>
-                <a:ea typeface="LG Smart UI Regular" panose="020B0500000101010101" pitchFamily="50" charset="-127"/>
-              </a:rPr>
-              <a:t>    </a:t>
-            </a:r>
-            <a:r>
-              <a:rPr lang="en-US" altLang="ko-KR" sz="1230" dirty="0" err="1">
-                <a:latin typeface="LG Smart UI Regular" panose="020B0500000101010101" pitchFamily="50" charset="-127"/>
-                <a:ea typeface="LG Smart UI Regular" panose="020B0500000101010101" pitchFamily="50" charset="-127"/>
-              </a:rPr>
-              <a:t>int</a:t>
-            </a:r>
-            <a:r>
-              <a:rPr lang="en-US" altLang="ko-KR" sz="1230" dirty="0">
-                <a:latin typeface="LG Smart UI Regular" panose="020B0500000101010101" pitchFamily="50" charset="-127"/>
-                <a:ea typeface="LG Smart UI Regular" panose="020B0500000101010101" pitchFamily="50" charset="-127"/>
-              </a:rPr>
-              <a:t> size = </a:t>
-            </a:r>
-            <a:r>
-              <a:rPr lang="en-US" altLang="ko-KR" sz="1230" dirty="0" err="1">
-                <a:latin typeface="LG Smart UI Regular" panose="020B0500000101010101" pitchFamily="50" charset="-127"/>
-                <a:ea typeface="LG Smart UI Regular" panose="020B0500000101010101" pitchFamily="50" charset="-127"/>
-              </a:rPr>
-              <a:t>fs</a:t>
-            </a:r>
-            <a:r>
-              <a:rPr lang="en-US" altLang="ko-KR" sz="1230" dirty="0">
-                <a:latin typeface="LG Smart UI Regular" panose="020B0500000101010101" pitchFamily="50" charset="-127"/>
-                <a:ea typeface="LG Smart UI Regular" panose="020B0500000101010101" pitchFamily="50" charset="-127"/>
-              </a:rPr>
-              <a:t>::</a:t>
-            </a:r>
-            <a:r>
-              <a:rPr lang="en-US" altLang="ko-KR" sz="1230" dirty="0" err="1">
-                <a:latin typeface="LG Smart UI Regular" panose="020B0500000101010101" pitchFamily="50" charset="-127"/>
-                <a:ea typeface="LG Smart UI Regular" panose="020B0500000101010101" pitchFamily="50" charset="-127"/>
-              </a:rPr>
-              <a:t>file_size</a:t>
-            </a:r>
-            <a:r>
-              <a:rPr lang="en-US" altLang="ko-KR" sz="1230" dirty="0">
-                <a:latin typeface="LG Smart UI Regular" panose="020B0500000101010101" pitchFamily="50" charset="-127"/>
-                <a:ea typeface="LG Smart UI Regular" panose="020B0500000101010101" pitchFamily="50" charset="-127"/>
-              </a:rPr>
-              <a:t>("D:/Visual Code C++ 200/Chapter97_103_File_Folder/096.txt"); // </a:t>
-            </a:r>
-            <a:r>
-              <a:rPr lang="ko-KR" altLang="en-US" sz="1230" dirty="0">
+              <a:t>("D:/Visual Code C++ 200/Chapter97_103_File_Folder/096.txt"); </a:t>
+            </a:r>
+            <a:r>
+              <a:rPr lang="en-US" altLang="ko-KR" sz="1230" b="1" dirty="0">
+                <a:latin typeface="LG Smart UI Regular" panose="020B0500000101010101" pitchFamily="50" charset="-127"/>
+                <a:ea typeface="LG Smart UI Regular" panose="020B0500000101010101" pitchFamily="50" charset="-127"/>
+              </a:rPr>
+              <a:t>// </a:t>
+            </a:r>
+            <a:r>
+              <a:rPr lang="ko-KR" altLang="en-US" sz="1230" b="1" dirty="0">
                 <a:latin typeface="LG Smart UI Regular" panose="020B0500000101010101" pitchFamily="50" charset="-127"/>
                 <a:ea typeface="LG Smart UI Regular" panose="020B0500000101010101" pitchFamily="50" charset="-127"/>
               </a:rPr>
@@ -33157,18 +33290,7 @@
                 <a:ea typeface="LG Smart UI Regular" panose="020B0500000101010101" pitchFamily="50" charset="-127"/>
                 <a:cs typeface="KoPubWorld바탕체 Bold" panose="00000800000000000000" pitchFamily="2" charset="-127"/>
               </a:rPr>
-              <a:t>Chapter </a:t>
-            </a:r>
-            <a:r>
-              <a:rPr lang="en-US" altLang="ko-KR" sz="2200" dirty="0" smtClean="0">
-                <a:solidFill>
-                  <a:schemeClr val="tx1"/>
-                </a:solidFill>
-                <a:latin typeface="LG Smart UI Regular" panose="020B0500000101010101" pitchFamily="50" charset="-127"/>
-                <a:ea typeface="LG Smart UI Regular" panose="020B0500000101010101" pitchFamily="50" charset="-127"/>
-                <a:cs typeface="KoPubWorld바탕체 Bold" panose="00000800000000000000" pitchFamily="2" charset="-127"/>
-              </a:rPr>
-              <a:t>30 </a:t>
+              <a:t>Chapter 30 </a:t>
             </a:r>
             <a:r>
               <a:rPr lang="ko-KR" altLang="en-US" sz="2200" dirty="0" err="1" smtClean="0">
@@ -33872,18 +33994,7 @@
                 <a:ea typeface="LG Smart UI Regular" panose="020B0500000101010101" pitchFamily="50" charset="-127"/>
                 <a:cs typeface="KoPubWorld바탕체 Bold" panose="00000800000000000000" pitchFamily="2" charset="-127"/>
               </a:rPr>
-              <a:t>Chapter </a:t>
-            </a:r>
-            <a:r>
-              <a:rPr lang="en-US" altLang="ko-KR" sz="2200" dirty="0" smtClean="0">
-                <a:solidFill>
-                  <a:schemeClr val="tx1"/>
-                </a:solidFill>
-                <a:latin typeface="LG Smart UI Regular" panose="020B0500000101010101" pitchFamily="50" charset="-127"/>
-                <a:ea typeface="LG Smart UI Regular" panose="020B0500000101010101" pitchFamily="50" charset="-127"/>
-                <a:cs typeface="KoPubWorld바탕체 Bold" panose="00000800000000000000" pitchFamily="2" charset="-127"/>
-              </a:rPr>
-              <a:t>30 </a:t>
+              <a:t>Chapter 30 </a:t>
             </a:r>
             <a:r>
               <a:rPr lang="ko-KR" altLang="en-US" sz="2200" dirty="0" err="1" smtClean="0">
@@ -34509,18 +34620,7 @@
                 <a:ea typeface="LG Smart UI Regular" panose="020B0500000101010101" pitchFamily="50" charset="-127"/>
                 <a:cs typeface="KoPubWorld바탕체 Bold" panose="00000800000000000000" pitchFamily="2" charset="-127"/>
               </a:rPr>
-              <a:t>Chapter </a:t>
-            </a:r>
-            <a:r>
-              <a:rPr lang="en-US" altLang="ko-KR" sz="2200" dirty="0" smtClean="0">
-                <a:solidFill>
-                  <a:schemeClr val="tx1"/>
-                </a:solidFill>
-                <a:latin typeface="LG Smart UI Regular" panose="020B0500000101010101" pitchFamily="50" charset="-127"/>
-                <a:ea typeface="LG Smart UI Regular" panose="020B0500000101010101" pitchFamily="50" charset="-127"/>
-                <a:cs typeface="KoPubWorld바탕체 Bold" panose="00000800000000000000" pitchFamily="2" charset="-127"/>
-              </a:rPr>
-              <a:t>31. </a:t>
+              <a:t>Chapter 31. </a:t>
             </a:r>
             <a:r>
               <a:rPr lang="ko-KR" altLang="en-US" sz="2200" dirty="0" err="1" smtClean="0">
@@ -34797,18 +34897,7 @@
                 <a:ea typeface="LG Smart UI Regular" panose="020B0500000101010101" pitchFamily="50" charset="-127"/>
                 <a:cs typeface="KoPubWorld바탕체 Bold" panose="00000800000000000000" pitchFamily="2" charset="-127"/>
               </a:rPr>
-              <a:t>Chapter </a:t>
-            </a:r>
-            <a:r>
-              <a:rPr lang="en-US" altLang="ko-KR" sz="2200" dirty="0" smtClean="0">
-                <a:solidFill>
-                  <a:schemeClr val="tx1"/>
-                </a:solidFill>
-                <a:latin typeface="LG Smart UI Regular" panose="020B0500000101010101" pitchFamily="50" charset="-127"/>
-                <a:ea typeface="LG Smart UI Regular" panose="020B0500000101010101" pitchFamily="50" charset="-127"/>
-                <a:cs typeface="KoPubWorld바탕체 Bold" panose="00000800000000000000" pitchFamily="2" charset="-127"/>
-              </a:rPr>
-              <a:t>32 ~ 36 </a:t>
+              <a:t>Chapter 32 ~ 36 </a:t>
             </a:r>
             <a:r>
               <a:rPr lang="ko-KR" altLang="en-US" sz="2200" dirty="0" smtClean="0">
@@ -34884,70 +34973,70 @@
               </a:lnSpc>
             </a:pPr>
             <a:r>
-              <a:rPr lang="en-US" altLang="ko-KR" sz="1230" dirty="0">
+              <a:rPr lang="en-US" altLang="ko-KR" sz="1230" b="1" dirty="0">
                 <a:latin typeface="LG Smart UI Regular" panose="020B0500000101010101" pitchFamily="50" charset="-127"/>
                 <a:ea typeface="LG Smart UI Regular" panose="020B0500000101010101" pitchFamily="50" charset="-127"/>
               </a:rPr>
               <a:t>// </a:t>
             </a:r>
             <a:r>
-              <a:rPr lang="ko-KR" altLang="en-US" sz="1230" dirty="0" err="1">
+              <a:rPr lang="ko-KR" altLang="en-US" sz="1230" b="1" dirty="0" err="1">
                 <a:latin typeface="LG Smart UI Regular" panose="020B0500000101010101" pitchFamily="50" charset="-127"/>
                 <a:ea typeface="LG Smart UI Regular" panose="020B0500000101010101" pitchFamily="50" charset="-127"/>
               </a:rPr>
               <a:t>초기식</a:t>
             </a:r>
             <a:r>
-              <a:rPr lang="en-US" altLang="ko-KR" sz="1230" dirty="0">
+              <a:rPr lang="en-US" altLang="ko-KR" sz="1230" b="1" dirty="0">
                 <a:latin typeface="LG Smart UI Regular" panose="020B0500000101010101" pitchFamily="50" charset="-127"/>
                 <a:ea typeface="LG Smart UI Regular" panose="020B0500000101010101" pitchFamily="50" charset="-127"/>
               </a:rPr>
               <a:t>,  </a:t>
             </a:r>
             <a:r>
-              <a:rPr lang="ko-KR" altLang="en-US" sz="1230" dirty="0" err="1">
+              <a:rPr lang="ko-KR" altLang="en-US" sz="1230" b="1" dirty="0" err="1">
                 <a:latin typeface="LG Smart UI Regular" panose="020B0500000101010101" pitchFamily="50" charset="-127"/>
                 <a:ea typeface="LG Smart UI Regular" panose="020B0500000101010101" pitchFamily="50" charset="-127"/>
               </a:rPr>
               <a:t>조건식</a:t>
             </a:r>
             <a:r>
-              <a:rPr lang="en-US" altLang="ko-KR" sz="1230" dirty="0">
+              <a:rPr lang="en-US" altLang="ko-KR" sz="1230" b="1" dirty="0">
                 <a:latin typeface="LG Smart UI Regular" panose="020B0500000101010101" pitchFamily="50" charset="-127"/>
                 <a:ea typeface="LG Smart UI Regular" panose="020B0500000101010101" pitchFamily="50" charset="-127"/>
               </a:rPr>
               <a:t>, </a:t>
             </a:r>
             <a:r>
-              <a:rPr lang="ko-KR" altLang="en-US" sz="1230" dirty="0" err="1">
+              <a:rPr lang="ko-KR" altLang="en-US" sz="1230" b="1" dirty="0" err="1">
                 <a:latin typeface="LG Smart UI Regular" panose="020B0500000101010101" pitchFamily="50" charset="-127"/>
                 <a:ea typeface="LG Smart UI Regular" panose="020B0500000101010101" pitchFamily="50" charset="-127"/>
               </a:rPr>
               <a:t>증감식에</a:t>
             </a:r>
             <a:r>
-              <a:rPr lang="ko-KR" altLang="en-US" sz="1230" dirty="0">
+              <a:rPr lang="ko-KR" altLang="en-US" sz="1230" b="1" dirty="0">
                 <a:latin typeface="LG Smart UI Regular" panose="020B0500000101010101" pitchFamily="50" charset="-127"/>
                 <a:ea typeface="LG Smart UI Regular" panose="020B0500000101010101" pitchFamily="50" charset="-127"/>
               </a:rPr>
               <a:t> 따라 </a:t>
             </a:r>
             <a:r>
-              <a:rPr lang="ko-KR" altLang="en-US" sz="1230" dirty="0" err="1">
+              <a:rPr lang="ko-KR" altLang="en-US" sz="1230" b="1" dirty="0" err="1">
                 <a:latin typeface="LG Smart UI Regular" panose="020B0500000101010101" pitchFamily="50" charset="-127"/>
                 <a:ea typeface="LG Smart UI Regular" panose="020B0500000101010101" pitchFamily="50" charset="-127"/>
               </a:rPr>
               <a:t>반복문이</a:t>
             </a:r>
             <a:r>
-              <a:rPr lang="ko-KR" altLang="en-US" sz="1230" dirty="0">
+              <a:rPr lang="ko-KR" altLang="en-US" sz="1230" b="1" dirty="0">
                 <a:latin typeface="LG Smart UI Regular" panose="020B0500000101010101" pitchFamily="50" charset="-127"/>
                 <a:ea typeface="LG Smart UI Regular" panose="020B0500000101010101" pitchFamily="50" charset="-127"/>
               </a:rPr>
               <a:t> 실행이 된다</a:t>
             </a:r>
             <a:r>
-              <a:rPr lang="en-US" altLang="ko-KR" sz="1230" dirty="0">
+              <a:rPr lang="en-US" altLang="ko-KR" sz="1230" b="1" dirty="0">
                 <a:latin typeface="LG Smart UI Regular" panose="020B0500000101010101" pitchFamily="50" charset="-127"/>
                 <a:ea typeface="LG Smart UI Regular" panose="020B0500000101010101" pitchFamily="50" charset="-127"/>
               </a:rPr>
@@ -35204,79 +35293,86 @@
                 <a:latin typeface="LG Smart UI Regular" panose="020B0500000101010101" pitchFamily="50" charset="-127"/>
                 <a:ea typeface="LG Smart UI Regular" panose="020B0500000101010101" pitchFamily="50" charset="-127"/>
               </a:rPr>
-              <a:t>2){ // </a:t>
-            </a:r>
-            <a:r>
-              <a:rPr lang="ko-KR" altLang="en-US" sz="1230" dirty="0">
+              <a:t>2){ </a:t>
+            </a:r>
+            <a:r>
+              <a:rPr lang="en-US" altLang="ko-KR" sz="1230" b="1" dirty="0">
+                <a:latin typeface="LG Smart UI Regular" panose="020B0500000101010101" pitchFamily="50" charset="-127"/>
+                <a:ea typeface="LG Smart UI Regular" panose="020B0500000101010101" pitchFamily="50" charset="-127"/>
+              </a:rPr>
+              <a:t>// </a:t>
+            </a:r>
+            <a:r>
+              <a:rPr lang="ko-KR" altLang="en-US" sz="1230" b="1" dirty="0">
                 <a:latin typeface="LG Smart UI Regular" panose="020B0500000101010101" pitchFamily="50" charset="-127"/>
                 <a:ea typeface="LG Smart UI Regular" panose="020B0500000101010101" pitchFamily="50" charset="-127"/>
               </a:rPr>
               <a:t>조건식이 </a:t>
             </a:r>
             <a:r>
-              <a:rPr lang="en-US" altLang="ko-KR" sz="1230" dirty="0">
+              <a:rPr lang="en-US" altLang="ko-KR" sz="1230" b="1" dirty="0">
                 <a:latin typeface="LG Smart UI Regular" panose="020B0500000101010101" pitchFamily="50" charset="-127"/>
                 <a:ea typeface="LG Smart UI Regular" panose="020B0500000101010101" pitchFamily="50" charset="-127"/>
               </a:rPr>
               <a:t>true </a:t>
             </a:r>
             <a:r>
-              <a:rPr lang="ko-KR" altLang="en-US" sz="1230" dirty="0" err="1" smtClean="0">
+              <a:rPr lang="ko-KR" altLang="en-US" sz="1230" b="1" dirty="0" err="1" smtClean="0">
                 <a:latin typeface="LG Smart UI Regular" panose="020B0500000101010101" pitchFamily="50" charset="-127"/>
                 <a:ea typeface="LG Smart UI Regular" panose="020B0500000101010101" pitchFamily="50" charset="-127"/>
               </a:rPr>
               <a:t>일경우</a:t>
             </a:r>
             <a:r>
-              <a:rPr lang="ko-KR" altLang="en-US" sz="1230" dirty="0">
+              <a:rPr lang="ko-KR" altLang="en-US" sz="1230" b="1" dirty="0">
                 <a:latin typeface="LG Smart UI Regular" panose="020B0500000101010101" pitchFamily="50" charset="-127"/>
                 <a:ea typeface="LG Smart UI Regular" panose="020B0500000101010101" pitchFamily="50" charset="-127"/>
               </a:rPr>
               <a:t> </a:t>
             </a:r>
             <a:r>
-              <a:rPr lang="en-US" altLang="ko-KR" sz="1230" dirty="0" smtClean="0">
+              <a:rPr lang="en-US" altLang="ko-KR" sz="1230" b="1" dirty="0" smtClean="0">
                 <a:latin typeface="LG Smart UI Regular" panose="020B0500000101010101" pitchFamily="50" charset="-127"/>
                 <a:ea typeface="LG Smart UI Regular" panose="020B0500000101010101" pitchFamily="50" charset="-127"/>
               </a:rPr>
               <a:t>// </a:t>
             </a:r>
             <a:r>
-              <a:rPr lang="en-US" altLang="ko-KR" sz="1230" dirty="0" err="1" smtClean="0">
+              <a:rPr lang="en-US" altLang="ko-KR" sz="1230" b="1" dirty="0" err="1" smtClean="0">
                 <a:latin typeface="LG Smart UI Regular" panose="020B0500000101010101" pitchFamily="50" charset="-127"/>
                 <a:ea typeface="LG Smart UI Regular" panose="020B0500000101010101" pitchFamily="50" charset="-127"/>
               </a:rPr>
               <a:t>str</a:t>
             </a:r>
             <a:r>
-              <a:rPr lang="en-US" altLang="ko-KR" sz="1230" dirty="0" smtClean="0">
+              <a:rPr lang="en-US" altLang="ko-KR" sz="1230" b="1" dirty="0" smtClean="0">
                 <a:latin typeface="LG Smart UI Regular" panose="020B0500000101010101" pitchFamily="50" charset="-127"/>
                 <a:ea typeface="LG Smart UI Regular" panose="020B0500000101010101" pitchFamily="50" charset="-127"/>
               </a:rPr>
               <a:t>[</a:t>
             </a:r>
             <a:r>
-              <a:rPr lang="en-US" altLang="ko-KR" sz="1230" dirty="0" err="1" smtClean="0">
+              <a:rPr lang="en-US" altLang="ko-KR" sz="1230" b="1" dirty="0" err="1" smtClean="0">
                 <a:latin typeface="LG Smart UI Regular" panose="020B0500000101010101" pitchFamily="50" charset="-127"/>
                 <a:ea typeface="LG Smart UI Regular" panose="020B0500000101010101" pitchFamily="50" charset="-127"/>
               </a:rPr>
               <a:t>i</a:t>
             </a:r>
             <a:r>
-              <a:rPr lang="en-US" altLang="ko-KR" sz="1230" dirty="0" smtClean="0">
+              <a:rPr lang="en-US" altLang="ko-KR" sz="1230" b="1" dirty="0" smtClean="0">
                 <a:latin typeface="LG Smart UI Regular" panose="020B0500000101010101" pitchFamily="50" charset="-127"/>
                 <a:ea typeface="LG Smart UI Regular" panose="020B0500000101010101" pitchFamily="50" charset="-127"/>
               </a:rPr>
               <a:t>] == </a:t>
             </a:r>
             <a:r>
-              <a:rPr lang="en-US" altLang="ko-KR" sz="1230" dirty="0" err="1" smtClean="0">
+              <a:rPr lang="en-US" altLang="ko-KR" sz="1230" b="1" dirty="0" err="1" smtClean="0">
                 <a:latin typeface="LG Smart UI Regular" panose="020B0500000101010101" pitchFamily="50" charset="-127"/>
                 <a:ea typeface="LG Smart UI Regular" panose="020B0500000101010101" pitchFamily="50" charset="-127"/>
               </a:rPr>
               <a:t>ch</a:t>
             </a:r>
-            <a:endParaRPr lang="en-US" altLang="ko-KR" sz="1230" dirty="0">
+            <a:endParaRPr lang="en-US" altLang="ko-KR" sz="1230" b="1" dirty="0">
               <a:latin typeface="LG Smart UI Regular" panose="020B0500000101010101" pitchFamily="50" charset="-127"/>
               <a:ea typeface="LG Smart UI Regular" panose="020B0500000101010101" pitchFamily="50" charset="-127"/>
             </a:endParaRPr>
@@ -35320,86 +35416,93 @@
                 <a:latin typeface="LG Smart UI Regular" panose="020B0500000101010101" pitchFamily="50" charset="-127"/>
                 <a:ea typeface="LG Smart UI Regular" panose="020B0500000101010101" pitchFamily="50" charset="-127"/>
               </a:rPr>
-              <a:t>			//</a:t>
-            </a:r>
-            <a:r>
-              <a:rPr lang="ko-KR" altLang="en-US" sz="1230" dirty="0" err="1">
+              <a:t>			</a:t>
+            </a:r>
+            <a:r>
+              <a:rPr lang="en-US" altLang="ko-KR" sz="1230" b="1" dirty="0">
+                <a:latin typeface="LG Smart UI Regular" panose="020B0500000101010101" pitchFamily="50" charset="-127"/>
+                <a:ea typeface="LG Smart UI Regular" panose="020B0500000101010101" pitchFamily="50" charset="-127"/>
+              </a:rPr>
+              <a:t>//</a:t>
+            </a:r>
+            <a:r>
+              <a:rPr lang="ko-KR" altLang="en-US" sz="1230" b="1" dirty="0" err="1">
                 <a:latin typeface="LG Smart UI Regular" panose="020B0500000101010101" pitchFamily="50" charset="-127"/>
                 <a:ea typeface="LG Smart UI Regular" panose="020B0500000101010101" pitchFamily="50" charset="-127"/>
               </a:rPr>
               <a:t>조건식</a:t>
             </a:r>
             <a:r>
-              <a:rPr lang="ko-KR" altLang="en-US" sz="1230" dirty="0">
+              <a:rPr lang="ko-KR" altLang="en-US" sz="1230" b="1" dirty="0">
                 <a:latin typeface="LG Smart UI Regular" panose="020B0500000101010101" pitchFamily="50" charset="-127"/>
                 <a:ea typeface="LG Smart UI Regular" panose="020B0500000101010101" pitchFamily="50" charset="-127"/>
               </a:rPr>
               <a:t> </a:t>
             </a:r>
             <a:r>
-              <a:rPr lang="en-US" altLang="ko-KR" sz="1230" dirty="0">
+              <a:rPr lang="en-US" altLang="ko-KR" sz="1230" b="1" dirty="0">
                 <a:latin typeface="LG Smart UI Regular" panose="020B0500000101010101" pitchFamily="50" charset="-127"/>
                 <a:ea typeface="LG Smart UI Regular" panose="020B0500000101010101" pitchFamily="50" charset="-127"/>
               </a:rPr>
               <a:t>3</a:t>
             </a:r>
             <a:r>
-              <a:rPr lang="ko-KR" altLang="en-US" sz="1230" dirty="0">
+              <a:rPr lang="ko-KR" altLang="en-US" sz="1230" b="1" dirty="0">
                 <a:latin typeface="LG Smart UI Regular" panose="020B0500000101010101" pitchFamily="50" charset="-127"/>
                 <a:ea typeface="LG Smart UI Regular" panose="020B0500000101010101" pitchFamily="50" charset="-127"/>
               </a:rPr>
               <a:t>이 </a:t>
             </a:r>
             <a:r>
-              <a:rPr lang="en-US" altLang="ko-KR" sz="1230" dirty="0">
+              <a:rPr lang="en-US" altLang="ko-KR" sz="1230" b="1" dirty="0">
                 <a:latin typeface="LG Smart UI Regular" panose="020B0500000101010101" pitchFamily="50" charset="-127"/>
                 <a:ea typeface="LG Smart UI Regular" panose="020B0500000101010101" pitchFamily="50" charset="-127"/>
               </a:rPr>
               <a:t>false </a:t>
             </a:r>
             <a:r>
-              <a:rPr lang="ko-KR" altLang="en-US" sz="1230" dirty="0" err="1">
+              <a:rPr lang="ko-KR" altLang="en-US" sz="1230" b="1" dirty="0" err="1">
                 <a:latin typeface="LG Smart UI Regular" panose="020B0500000101010101" pitchFamily="50" charset="-127"/>
                 <a:ea typeface="LG Smart UI Regular" panose="020B0500000101010101" pitchFamily="50" charset="-127"/>
               </a:rPr>
               <a:t>일경우</a:t>
             </a:r>
             <a:r>
-              <a:rPr lang="ko-KR" altLang="en-US" sz="1230" dirty="0">
+              <a:rPr lang="ko-KR" altLang="en-US" sz="1230" b="1" dirty="0">
                 <a:latin typeface="LG Smart UI Regular" panose="020B0500000101010101" pitchFamily="50" charset="-127"/>
                 <a:ea typeface="LG Smart UI Regular" panose="020B0500000101010101" pitchFamily="50" charset="-127"/>
               </a:rPr>
               <a:t> </a:t>
             </a:r>
             <a:r>
-              <a:rPr lang="ko-KR" altLang="en-US" sz="1230" dirty="0" smtClean="0">
+              <a:rPr lang="ko-KR" altLang="en-US" sz="1230" b="1" dirty="0" smtClean="0">
                 <a:latin typeface="LG Smart UI Regular" panose="020B0500000101010101" pitchFamily="50" charset="-127"/>
                 <a:ea typeface="LG Smart UI Regular" panose="020B0500000101010101" pitchFamily="50" charset="-127"/>
               </a:rPr>
               <a:t>실행이</a:t>
             </a:r>
             <a:r>
-              <a:rPr lang="en-US" altLang="ko-KR" sz="1230" dirty="0" smtClean="0">
+              <a:rPr lang="en-US" altLang="ko-KR" sz="1230" b="1" dirty="0" smtClean="0">
                 <a:latin typeface="LG Smart UI Regular" panose="020B0500000101010101" pitchFamily="50" charset="-127"/>
                 <a:ea typeface="LG Smart UI Regular" panose="020B0500000101010101" pitchFamily="50" charset="-127"/>
               </a:rPr>
               <a:t> </a:t>
             </a:r>
             <a:r>
-              <a:rPr lang="ko-KR" altLang="en-US" sz="1230" dirty="0" smtClean="0">
+              <a:rPr lang="ko-KR" altLang="en-US" sz="1230" b="1" dirty="0" smtClean="0">
                 <a:latin typeface="LG Smart UI Regular" panose="020B0500000101010101" pitchFamily="50" charset="-127"/>
                 <a:ea typeface="LG Smart UI Regular" panose="020B0500000101010101" pitchFamily="50" charset="-127"/>
               </a:rPr>
               <a:t>된다</a:t>
             </a:r>
             <a:r>
-              <a:rPr lang="en-US" altLang="ko-KR" sz="1230" dirty="0" smtClean="0">
+              <a:rPr lang="en-US" altLang="ko-KR" sz="1230" b="1" dirty="0" smtClean="0">
                 <a:latin typeface="LG Smart UI Regular" panose="020B0500000101010101" pitchFamily="50" charset="-127"/>
                 <a:ea typeface="LG Smart UI Regular" panose="020B0500000101010101" pitchFamily="50" charset="-127"/>
               </a:rPr>
               <a:t>.</a:t>
             </a:r>
-            <a:endParaRPr lang="en-US" altLang="ko-KR" sz="1230" dirty="0">
+            <a:endParaRPr lang="en-US" altLang="ko-KR" sz="1230" b="1" dirty="0">
               <a:latin typeface="LG Smart UI Regular" panose="020B0500000101010101" pitchFamily="50" charset="-127"/>
               <a:ea typeface="LG Smart UI Regular" panose="020B0500000101010101" pitchFamily="50" charset="-127"/>
             </a:endParaRPr>
@@ -35450,51 +35553,58 @@
                 <a:latin typeface="LG Smart UI Regular" panose="020B0500000101010101" pitchFamily="50" charset="-127"/>
                 <a:ea typeface="LG Smart UI Regular" panose="020B0500000101010101" pitchFamily="50" charset="-127"/>
               </a:rPr>
-              <a:t>			//</a:t>
-            </a:r>
-            <a:r>
-              <a:rPr lang="ko-KR" altLang="en-US" sz="1230" dirty="0" err="1" smtClean="0">
+              <a:t>			</a:t>
+            </a:r>
+            <a:r>
+              <a:rPr lang="en-US" altLang="ko-KR" sz="1230" b="1" dirty="0">
+                <a:latin typeface="LG Smart UI Regular" panose="020B0500000101010101" pitchFamily="50" charset="-127"/>
+                <a:ea typeface="LG Smart UI Regular" panose="020B0500000101010101" pitchFamily="50" charset="-127"/>
+              </a:rPr>
+              <a:t>//</a:t>
+            </a:r>
+            <a:r>
+              <a:rPr lang="ko-KR" altLang="en-US" sz="1230" b="1" dirty="0" err="1" smtClean="0">
                 <a:latin typeface="LG Smart UI Regular" panose="020B0500000101010101" pitchFamily="50" charset="-127"/>
                 <a:ea typeface="LG Smart UI Regular" panose="020B0500000101010101" pitchFamily="50" charset="-127"/>
               </a:rPr>
               <a:t>조건식</a:t>
             </a:r>
             <a:r>
-              <a:rPr lang="en-US" altLang="ko-KR" sz="1230" dirty="0" smtClean="0">
+              <a:rPr lang="en-US" altLang="ko-KR" sz="1230" b="1" dirty="0" smtClean="0">
                 <a:latin typeface="LG Smart UI Regular" panose="020B0500000101010101" pitchFamily="50" charset="-127"/>
                 <a:ea typeface="LG Smart UI Regular" panose="020B0500000101010101" pitchFamily="50" charset="-127"/>
               </a:rPr>
               <a:t>3</a:t>
             </a:r>
             <a:r>
-              <a:rPr lang="ko-KR" altLang="en-US" sz="1230" dirty="0" smtClean="0">
+              <a:rPr lang="ko-KR" altLang="en-US" sz="1230" b="1" dirty="0" smtClean="0">
                 <a:latin typeface="LG Smart UI Regular" panose="020B0500000101010101" pitchFamily="50" charset="-127"/>
                 <a:ea typeface="LG Smart UI Regular" panose="020B0500000101010101" pitchFamily="50" charset="-127"/>
               </a:rPr>
               <a:t>이 </a:t>
             </a:r>
             <a:r>
-              <a:rPr lang="ko-KR" altLang="en-US" sz="1230" dirty="0">
+              <a:rPr lang="ko-KR" altLang="en-US" sz="1230" b="1" dirty="0">
                 <a:latin typeface="LG Smart UI Regular" panose="020B0500000101010101" pitchFamily="50" charset="-127"/>
                 <a:ea typeface="LG Smart UI Regular" panose="020B0500000101010101" pitchFamily="50" charset="-127"/>
               </a:rPr>
               <a:t>실행이 됐기 때문에 실행</a:t>
             </a:r>
             <a:r>
-              <a:rPr lang="en-US" altLang="ko-KR" sz="1230" dirty="0">
+              <a:rPr lang="en-US" altLang="ko-KR" sz="1230" b="1" dirty="0">
                 <a:latin typeface="LG Smart UI Regular" panose="020B0500000101010101" pitchFamily="50" charset="-127"/>
                 <a:ea typeface="LG Smart UI Regular" panose="020B0500000101010101" pitchFamily="50" charset="-127"/>
               </a:rPr>
               <a:t> </a:t>
             </a:r>
             <a:r>
-              <a:rPr lang="ko-KR" altLang="en-US" sz="1230" dirty="0">
+              <a:rPr lang="ko-KR" altLang="en-US" sz="1230" b="1" dirty="0">
                 <a:latin typeface="LG Smart UI Regular" panose="020B0500000101010101" pitchFamily="50" charset="-127"/>
                 <a:ea typeface="LG Smart UI Regular" panose="020B0500000101010101" pitchFamily="50" charset="-127"/>
               </a:rPr>
               <a:t>안됨</a:t>
             </a:r>
-            <a:endParaRPr lang="en-US" altLang="ko-KR" sz="1230" dirty="0">
+            <a:endParaRPr lang="en-US" altLang="ko-KR" sz="1230" b="1" dirty="0">
               <a:latin typeface="LG Smart UI Regular" panose="020B0500000101010101" pitchFamily="50" charset="-127"/>
               <a:ea typeface="LG Smart UI Regular" panose="020B0500000101010101" pitchFamily="50" charset="-127"/>
             </a:endParaRPr>
@@ -35626,18 +35736,7 @@
                 <a:ea typeface="LG Smart UI Regular" panose="020B0500000101010101" pitchFamily="50" charset="-127"/>
                 <a:cs typeface="KoPubWorld바탕체 Bold" panose="00000800000000000000" pitchFamily="2" charset="-127"/>
               </a:rPr>
-              <a:t>Chapter </a:t>
-            </a:r>
-            <a:r>
-              <a:rPr lang="en-US" altLang="ko-KR" sz="2200" dirty="0" smtClean="0">
-                <a:solidFill>
-                  <a:schemeClr val="tx1"/>
-                </a:solidFill>
-                <a:latin typeface="LG Smart UI Regular" panose="020B0500000101010101" pitchFamily="50" charset="-127"/>
-                <a:ea typeface="LG Smart UI Regular" panose="020B0500000101010101" pitchFamily="50" charset="-127"/>
-                <a:cs typeface="KoPubWorld바탕체 Bold" panose="00000800000000000000" pitchFamily="2" charset="-127"/>
-              </a:rPr>
-              <a:t>37. </a:t>
+              <a:t>Chapter 37. </a:t>
             </a:r>
             <a:r>
               <a:rPr lang="ko-KR" altLang="en-US" sz="2200" dirty="0" smtClean="0">
@@ -35753,48 +35852,48 @@
               <a:t>num</a:t>
             </a:r>
             <a:r>
-              <a:rPr lang="en-US" sz="1230" dirty="0" smtClean="0">
+              <a:rPr lang="en-US" sz="1230" b="1" dirty="0" smtClean="0">
                 <a:latin typeface="LG Smart UI Regular" panose="020B0500000101010101" pitchFamily="50" charset="-127"/>
                 <a:ea typeface="LG Smart UI Regular" panose="020B0500000101010101" pitchFamily="50" charset="-127"/>
               </a:rPr>
               <a:t>){ // </a:t>
             </a:r>
             <a:r>
-              <a:rPr lang="en-US" sz="1230" dirty="0" err="1" smtClean="0">
+              <a:rPr lang="en-US" sz="1230" b="1" dirty="0" err="1" smtClean="0">
                 <a:latin typeface="LG Smart UI Regular" panose="020B0500000101010101" pitchFamily="50" charset="-127"/>
                 <a:ea typeface="LG Smart UI Regular" panose="020B0500000101010101" pitchFamily="50" charset="-127"/>
               </a:rPr>
               <a:t>num</a:t>
             </a:r>
             <a:r>
-              <a:rPr lang="en-US" sz="1230" dirty="0" smtClean="0">
+              <a:rPr lang="en-US" sz="1230" b="1" dirty="0" smtClean="0">
                 <a:latin typeface="LG Smart UI Regular" panose="020B0500000101010101" pitchFamily="50" charset="-127"/>
                 <a:ea typeface="LG Smart UI Regular" panose="020B0500000101010101" pitchFamily="50" charset="-127"/>
               </a:rPr>
               <a:t> = 3 </a:t>
             </a:r>
             <a:r>
-              <a:rPr lang="ko-KR" altLang="en-US" sz="1230" dirty="0" smtClean="0">
+              <a:rPr lang="ko-KR" altLang="en-US" sz="1230" b="1" dirty="0" smtClean="0">
                 <a:latin typeface="LG Smart UI Regular" panose="020B0500000101010101" pitchFamily="50" charset="-127"/>
                 <a:ea typeface="LG Smart UI Regular" panose="020B0500000101010101" pitchFamily="50" charset="-127"/>
               </a:rPr>
               <a:t>즉</a:t>
             </a:r>
             <a:r>
-              <a:rPr lang="en-US" altLang="ko-KR" sz="1230" dirty="0" smtClean="0">
+              <a:rPr lang="en-US" altLang="ko-KR" sz="1230" b="1" dirty="0" smtClean="0">
                 <a:latin typeface="LG Smart UI Regular" panose="020B0500000101010101" pitchFamily="50" charset="-127"/>
                 <a:ea typeface="LG Smart UI Regular" panose="020B0500000101010101" pitchFamily="50" charset="-127"/>
               </a:rPr>
               <a:t>, case 3</a:t>
             </a:r>
             <a:r>
-              <a:rPr lang="ko-KR" altLang="en-US" sz="1230" dirty="0" smtClean="0">
+              <a:rPr lang="ko-KR" altLang="en-US" sz="1230" b="1" dirty="0" smtClean="0">
                 <a:latin typeface="LG Smart UI Regular" panose="020B0500000101010101" pitchFamily="50" charset="-127"/>
                 <a:ea typeface="LG Smart UI Regular" panose="020B0500000101010101" pitchFamily="50" charset="-127"/>
               </a:rPr>
               <a:t>이 실행</a:t>
             </a:r>
-            <a:endParaRPr lang="en-US" sz="1230" dirty="0" smtClean="0">
+            <a:endParaRPr lang="en-US" sz="1230" b="1" dirty="0" smtClean="0">
               <a:latin typeface="LG Smart UI Regular" panose="020B0500000101010101" pitchFamily="50" charset="-127"/>
               <a:ea typeface="LG Smart UI Regular" panose="020B0500000101010101" pitchFamily="50" charset="-127"/>
             </a:endParaRPr>
@@ -35859,16 +35958,23 @@
                 <a:latin typeface="LG Smart UI Regular" panose="020B0500000101010101" pitchFamily="50" charset="-127"/>
                 <a:ea typeface="LG Smart UI Regular" panose="020B0500000101010101" pitchFamily="50" charset="-127"/>
               </a:rPr>
-              <a:t>case 3: // </a:t>
-            </a:r>
-            <a:r>
-              <a:rPr lang="ko-KR" altLang="en-US" sz="1230" dirty="0" smtClean="0">
+              <a:t>case 3: </a:t>
+            </a:r>
+            <a:r>
+              <a:rPr lang="en-US" sz="1230" b="1" dirty="0" smtClean="0">
+                <a:latin typeface="LG Smart UI Regular" panose="020B0500000101010101" pitchFamily="50" charset="-127"/>
+                <a:ea typeface="LG Smart UI Regular" panose="020B0500000101010101" pitchFamily="50" charset="-127"/>
+              </a:rPr>
+              <a:t>// </a:t>
+            </a:r>
+            <a:r>
+              <a:rPr lang="ko-KR" altLang="en-US" sz="1230" b="1" dirty="0" smtClean="0">
                 <a:latin typeface="LG Smart UI Regular" panose="020B0500000101010101" pitchFamily="50" charset="-127"/>
                 <a:ea typeface="LG Smart UI Regular" panose="020B0500000101010101" pitchFamily="50" charset="-127"/>
               </a:rPr>
               <a:t>실행</a:t>
             </a:r>
-            <a:endParaRPr lang="en-US" altLang="ko-KR" sz="1230" dirty="0" smtClean="0">
+            <a:endParaRPr lang="en-US" altLang="ko-KR" sz="1230" b="1" dirty="0" smtClean="0">
               <a:latin typeface="LG Smart UI Regular" panose="020B0500000101010101" pitchFamily="50" charset="-127"/>
               <a:ea typeface="LG Smart UI Regular" panose="020B0500000101010101" pitchFamily="50" charset="-127"/>
             </a:endParaRPr>
@@ -35885,16 +35991,23 @@
                 <a:latin typeface="LG Smart UI Regular" panose="020B0500000101010101" pitchFamily="50" charset="-127"/>
                 <a:ea typeface="LG Smart UI Regular" panose="020B0500000101010101" pitchFamily="50" charset="-127"/>
               </a:rPr>
-              <a:t>		break; // break</a:t>
-            </a:r>
-            <a:r>
-              <a:rPr lang="ko-KR" altLang="en-US" sz="1230" dirty="0" smtClean="0">
+              <a:t>		break; </a:t>
+            </a:r>
+            <a:r>
+              <a:rPr lang="en-US" sz="1230" b="1" dirty="0" smtClean="0">
+                <a:latin typeface="LG Smart UI Regular" panose="020B0500000101010101" pitchFamily="50" charset="-127"/>
+                <a:ea typeface="LG Smart UI Regular" panose="020B0500000101010101" pitchFamily="50" charset="-127"/>
+              </a:rPr>
+              <a:t>// break</a:t>
+            </a:r>
+            <a:r>
+              <a:rPr lang="ko-KR" altLang="en-US" sz="1230" b="1" dirty="0" smtClean="0">
                 <a:latin typeface="LG Smart UI Regular" panose="020B0500000101010101" pitchFamily="50" charset="-127"/>
                 <a:ea typeface="LG Smart UI Regular" panose="020B0500000101010101" pitchFamily="50" charset="-127"/>
               </a:rPr>
               <a:t>가 없다면 멈추지 않고 다음 문장을 실행</a:t>
             </a:r>
-            <a:endParaRPr lang="en-US" sz="1230" dirty="0" smtClean="0">
+            <a:endParaRPr lang="en-US" sz="1230" b="1" dirty="0" smtClean="0">
               <a:latin typeface="LG Smart UI Regular" panose="020B0500000101010101" pitchFamily="50" charset="-127"/>
               <a:ea typeface="LG Smart UI Regular" panose="020B0500000101010101" pitchFamily="50" charset="-127"/>
             </a:endParaRPr>
@@ -35962,16 +36075,23 @@
                 <a:latin typeface="LG Smart UI Regular" panose="020B0500000101010101" pitchFamily="50" charset="-127"/>
                 <a:ea typeface="LG Smart UI Regular" panose="020B0500000101010101" pitchFamily="50" charset="-127"/>
               </a:rPr>
-              <a:t>default: // </a:t>
-            </a:r>
-            <a:r>
-              <a:rPr lang="ko-KR" altLang="en-US" sz="1230" dirty="0" smtClean="0">
+              <a:t>default: </a:t>
+            </a:r>
+            <a:r>
+              <a:rPr lang="en-US" sz="1230" b="1" dirty="0" smtClean="0">
+                <a:latin typeface="LG Smart UI Regular" panose="020B0500000101010101" pitchFamily="50" charset="-127"/>
+                <a:ea typeface="LG Smart UI Regular" panose="020B0500000101010101" pitchFamily="50" charset="-127"/>
+              </a:rPr>
+              <a:t>// </a:t>
+            </a:r>
+            <a:r>
+              <a:rPr lang="ko-KR" altLang="en-US" sz="1230" b="1" dirty="0" smtClean="0">
                 <a:latin typeface="LG Smart UI Regular" panose="020B0500000101010101" pitchFamily="50" charset="-127"/>
                 <a:ea typeface="LG Smart UI Regular" panose="020B0500000101010101" pitchFamily="50" charset="-127"/>
               </a:rPr>
               <a:t>맞는 조건이 없다면 실행</a:t>
             </a:r>
-            <a:endParaRPr lang="en-US" sz="1230" dirty="0" smtClean="0">
+            <a:endParaRPr lang="en-US" sz="1230" b="1" dirty="0" smtClean="0">
               <a:latin typeface="LG Smart UI Regular" panose="020B0500000101010101" pitchFamily="50" charset="-127"/>
               <a:ea typeface="LG Smart UI Regular" panose="020B0500000101010101" pitchFamily="50" charset="-127"/>
             </a:endParaRPr>
@@ -36098,18 +36218,7 @@
                 <a:ea typeface="LG Smart UI Regular" panose="020B0500000101010101" pitchFamily="50" charset="-127"/>
                 <a:cs typeface="KoPubWorld바탕체 Bold" panose="00000800000000000000" pitchFamily="2" charset="-127"/>
               </a:rPr>
-              <a:t>Chapter </a:t>
-            </a:r>
-            <a:r>
-              <a:rPr lang="en-US" altLang="ko-KR" sz="2200" dirty="0" smtClean="0">
-                <a:solidFill>
-                  <a:schemeClr val="tx1"/>
-                </a:solidFill>
-                <a:latin typeface="LG Smart UI Regular" panose="020B0500000101010101" pitchFamily="50" charset="-127"/>
-                <a:ea typeface="LG Smart UI Regular" panose="020B0500000101010101" pitchFamily="50" charset="-127"/>
-                <a:cs typeface="KoPubWorld바탕체 Bold" panose="00000800000000000000" pitchFamily="2" charset="-127"/>
-              </a:rPr>
-              <a:t>38 ~ 39. </a:t>
+              <a:t>Chapter 38 ~ 39. </a:t>
             </a:r>
             <a:r>
               <a:rPr lang="ko-KR" altLang="en-US" sz="2200" dirty="0" smtClean="0">
@@ -36298,16 +36407,23 @@
                 <a:latin typeface="LG Smart UI Regular" panose="020B0500000101010101" pitchFamily="50" charset="-127"/>
                 <a:ea typeface="LG Smart UI Regular" panose="020B0500000101010101" pitchFamily="50" charset="-127"/>
               </a:rPr>
-              <a:t>	break; // for</a:t>
-            </a:r>
-            <a:r>
-              <a:rPr lang="ko-KR" altLang="en-US" sz="1230" dirty="0" smtClean="0">
+              <a:t>	break; </a:t>
+            </a:r>
+            <a:r>
+              <a:rPr lang="en-US" altLang="ko-KR" sz="1230" b="1" dirty="0" smtClean="0">
+                <a:latin typeface="LG Smart UI Regular" panose="020B0500000101010101" pitchFamily="50" charset="-127"/>
+                <a:ea typeface="LG Smart UI Regular" panose="020B0500000101010101" pitchFamily="50" charset="-127"/>
+              </a:rPr>
+              <a:t>// for</a:t>
+            </a:r>
+            <a:r>
+              <a:rPr lang="ko-KR" altLang="en-US" sz="1230" b="1" dirty="0" smtClean="0">
                 <a:latin typeface="LG Smart UI Regular" panose="020B0500000101010101" pitchFamily="50" charset="-127"/>
                 <a:ea typeface="LG Smart UI Regular" panose="020B0500000101010101" pitchFamily="50" charset="-127"/>
               </a:rPr>
               <a:t>문 종료</a:t>
             </a:r>
-            <a:endParaRPr lang="en-US" altLang="ko-KR" sz="1230" dirty="0" smtClean="0">
+            <a:endParaRPr lang="en-US" altLang="ko-KR" sz="1230" b="1" dirty="0" smtClean="0">
               <a:latin typeface="LG Smart UI Regular" panose="020B0500000101010101" pitchFamily="50" charset="-127"/>
               <a:ea typeface="LG Smart UI Regular" panose="020B0500000101010101" pitchFamily="50" charset="-127"/>
             </a:endParaRPr>
@@ -36389,30 +36505,37 @@
                 <a:latin typeface="LG Smart UI Regular" panose="020B0500000101010101" pitchFamily="50" charset="-127"/>
                 <a:ea typeface="LG Smart UI Regular" panose="020B0500000101010101" pitchFamily="50" charset="-127"/>
               </a:rPr>
-              <a:t>	continue; // </a:t>
-            </a:r>
-            <a:r>
-              <a:rPr lang="ko-KR" altLang="en-US" sz="1230" dirty="0" smtClean="0">
+              <a:t>	continue; </a:t>
+            </a:r>
+            <a:r>
+              <a:rPr lang="en-US" sz="1230" b="1" dirty="0" smtClean="0">
+                <a:latin typeface="LG Smart UI Regular" panose="020B0500000101010101" pitchFamily="50" charset="-127"/>
+                <a:ea typeface="LG Smart UI Regular" panose="020B0500000101010101" pitchFamily="50" charset="-127"/>
+              </a:rPr>
+              <a:t>// </a:t>
+            </a:r>
+            <a:r>
+              <a:rPr lang="ko-KR" altLang="en-US" sz="1230" b="1" dirty="0" smtClean="0">
                 <a:latin typeface="LG Smart UI Regular" panose="020B0500000101010101" pitchFamily="50" charset="-127"/>
                 <a:ea typeface="LG Smart UI Regular" panose="020B0500000101010101" pitchFamily="50" charset="-127"/>
               </a:rPr>
               <a:t>다음 라인을 가지 않고 </a:t>
             </a:r>
             <a:r>
-              <a:rPr lang="en-US" sz="1230" dirty="0" smtClean="0">
+              <a:rPr lang="en-US" sz="1230" b="1" dirty="0" smtClean="0">
                 <a:latin typeface="LG Smart UI Regular" panose="020B0500000101010101" pitchFamily="50" charset="-127"/>
                 <a:ea typeface="LG Smart UI Regular" panose="020B0500000101010101" pitchFamily="50" charset="-127"/>
               </a:rPr>
               <a:t>while</a:t>
             </a:r>
             <a:r>
-              <a:rPr lang="ko-KR" altLang="en-US" sz="1230" dirty="0" smtClean="0">
+              <a:rPr lang="ko-KR" altLang="en-US" sz="1230" b="1" dirty="0" smtClean="0">
                 <a:latin typeface="LG Smart UI Regular" panose="020B0500000101010101" pitchFamily="50" charset="-127"/>
                 <a:ea typeface="LG Smart UI Regular" panose="020B0500000101010101" pitchFamily="50" charset="-127"/>
               </a:rPr>
               <a:t>문 다시 실행</a:t>
             </a:r>
-            <a:endParaRPr lang="en-US" sz="1230" dirty="0" smtClean="0">
+            <a:endParaRPr lang="en-US" sz="1230" b="1" dirty="0" smtClean="0">
               <a:latin typeface="LG Smart UI Regular" panose="020B0500000101010101" pitchFamily="50" charset="-127"/>
               <a:ea typeface="LG Smart UI Regular" panose="020B0500000101010101" pitchFamily="50" charset="-127"/>
             </a:endParaRPr>
@@ -36468,7 +36591,7 @@
         </p:nvSpPr>
         <p:spPr>
           <a:xfrm>
-            <a:off x="5826278" y="1001578"/>
+            <a:off x="5875705" y="1001578"/>
             <a:ext cx="3916958" cy="4285066"/>
           </a:xfrm>
           <a:prstGeom prst="rect">
@@ -36500,34 +36623,34 @@
               <a:buNone/>
             </a:pPr>
             <a:r>
-              <a:rPr lang="en-US" sz="1230" dirty="0" smtClean="0">
+              <a:rPr lang="en-US" sz="1230" b="1" dirty="0" smtClean="0">
                 <a:latin typeface="LG Smart UI Regular" panose="020B0500000101010101" pitchFamily="50" charset="-127"/>
                 <a:ea typeface="LG Smart UI Regular" panose="020B0500000101010101" pitchFamily="50" charset="-127"/>
               </a:rPr>
               <a:t>//</a:t>
             </a:r>
             <a:r>
-              <a:rPr lang="en-US" sz="1230" dirty="0" err="1" smtClean="0">
+              <a:rPr lang="en-US" sz="1230" b="1" dirty="0" err="1" smtClean="0">
                 <a:latin typeface="LG Smart UI Regular" panose="020B0500000101010101" pitchFamily="50" charset="-127"/>
                 <a:ea typeface="LG Smart UI Regular" panose="020B0500000101010101" pitchFamily="50" charset="-127"/>
               </a:rPr>
               <a:t>do~while</a:t>
             </a:r>
             <a:r>
-              <a:rPr lang="ko-KR" altLang="en-US" sz="1230" dirty="0" smtClean="0">
+              <a:rPr lang="ko-KR" altLang="en-US" sz="1230" b="1" dirty="0" smtClean="0">
                 <a:latin typeface="LG Smart UI Regular" panose="020B0500000101010101" pitchFamily="50" charset="-127"/>
                 <a:ea typeface="LG Smart UI Regular" panose="020B0500000101010101" pitchFamily="50" charset="-127"/>
               </a:rPr>
               <a:t>은 최소 한 번은 실행된다</a:t>
             </a:r>
             <a:r>
-              <a:rPr lang="en-US" altLang="ko-KR" sz="1230" dirty="0" smtClean="0">
+              <a:rPr lang="en-US" altLang="ko-KR" sz="1230" b="1" dirty="0" smtClean="0">
                 <a:latin typeface="LG Smart UI Regular" panose="020B0500000101010101" pitchFamily="50" charset="-127"/>
                 <a:ea typeface="LG Smart UI Regular" panose="020B0500000101010101" pitchFamily="50" charset="-127"/>
               </a:rPr>
               <a:t>.</a:t>
             </a:r>
-            <a:endParaRPr lang="en-US" sz="1230" dirty="0" smtClean="0">
+            <a:endParaRPr lang="en-US" sz="1230" b="1" dirty="0" smtClean="0">
               <a:latin typeface="LG Smart UI Regular" panose="020B0500000101010101" pitchFamily="50" charset="-127"/>
               <a:ea typeface="LG Smart UI Regular" panose="020B0500000101010101" pitchFamily="50" charset="-127"/>
             </a:endParaRPr>
@@ -36644,16 +36767,23 @@
                 <a:latin typeface="LG Smart UI Regular" panose="020B0500000101010101" pitchFamily="50" charset="-127"/>
                 <a:ea typeface="LG Smart UI Regular" panose="020B0500000101010101" pitchFamily="50" charset="-127"/>
               </a:rPr>
-              <a:t>	break; // for</a:t>
-            </a:r>
-            <a:r>
-              <a:rPr lang="ko-KR" altLang="en-US" sz="1230" dirty="0" smtClean="0">
+              <a:t>	break; </a:t>
+            </a:r>
+            <a:r>
+              <a:rPr lang="en-US" altLang="ko-KR" sz="1230" b="1" dirty="0" smtClean="0">
+                <a:latin typeface="LG Smart UI Regular" panose="020B0500000101010101" pitchFamily="50" charset="-127"/>
+                <a:ea typeface="LG Smart UI Regular" panose="020B0500000101010101" pitchFamily="50" charset="-127"/>
+              </a:rPr>
+              <a:t>// for</a:t>
+            </a:r>
+            <a:r>
+              <a:rPr lang="ko-KR" altLang="en-US" sz="1230" b="1" dirty="0" smtClean="0">
                 <a:latin typeface="LG Smart UI Regular" panose="020B0500000101010101" pitchFamily="50" charset="-127"/>
                 <a:ea typeface="LG Smart UI Regular" panose="020B0500000101010101" pitchFamily="50" charset="-127"/>
               </a:rPr>
               <a:t>문 종료</a:t>
             </a:r>
-            <a:endParaRPr lang="en-US" altLang="ko-KR" sz="1230" dirty="0" smtClean="0">
+            <a:endParaRPr lang="en-US" altLang="ko-KR" sz="1230" b="1" dirty="0" smtClean="0">
               <a:latin typeface="LG Smart UI Regular" panose="020B0500000101010101" pitchFamily="50" charset="-127"/>
               <a:ea typeface="LG Smart UI Regular" panose="020B0500000101010101" pitchFamily="50" charset="-127"/>
             </a:endParaRPr>
@@ -36735,16 +36865,23 @@
                 <a:latin typeface="LG Smart UI Regular" panose="020B0500000101010101" pitchFamily="50" charset="-127"/>
                 <a:ea typeface="LG Smart UI Regular" panose="020B0500000101010101" pitchFamily="50" charset="-127"/>
               </a:rPr>
-              <a:t>	continue; // while</a:t>
-            </a:r>
-            <a:r>
-              <a:rPr lang="ko-KR" altLang="en-US" sz="1230" dirty="0" smtClean="0">
+              <a:t>	continue; </a:t>
+            </a:r>
+            <a:r>
+              <a:rPr lang="en-US" sz="1230" b="1" dirty="0" smtClean="0">
+                <a:latin typeface="LG Smart UI Regular" panose="020B0500000101010101" pitchFamily="50" charset="-127"/>
+                <a:ea typeface="LG Smart UI Regular" panose="020B0500000101010101" pitchFamily="50" charset="-127"/>
+              </a:rPr>
+              <a:t>// while</a:t>
+            </a:r>
+            <a:r>
+              <a:rPr lang="ko-KR" altLang="en-US" sz="1230" b="1" dirty="0" smtClean="0">
                 <a:latin typeface="LG Smart UI Regular" panose="020B0500000101010101" pitchFamily="50" charset="-127"/>
                 <a:ea typeface="LG Smart UI Regular" panose="020B0500000101010101" pitchFamily="50" charset="-127"/>
               </a:rPr>
               <a:t>문 다시 실행</a:t>
             </a:r>
-            <a:endParaRPr lang="en-US" sz="1230" dirty="0" smtClean="0">
+            <a:endParaRPr lang="en-US" sz="1230" b="1" dirty="0" smtClean="0">
               <a:latin typeface="LG Smart UI Regular" panose="020B0500000101010101" pitchFamily="50" charset="-127"/>
               <a:ea typeface="LG Smart UI Regular" panose="020B0500000101010101" pitchFamily="50" charset="-127"/>
             </a:endParaRPr>
@@ -36801,58 +36938,65 @@
                 <a:latin typeface="LG Smart UI Regular" panose="020B0500000101010101" pitchFamily="50" charset="-127"/>
                 <a:ea typeface="LG Smart UI Regular" panose="020B0500000101010101" pitchFamily="50" charset="-127"/>
               </a:rPr>
-              <a:t>2) //</a:t>
-            </a:r>
-            <a:r>
-              <a:rPr lang="ko-KR" altLang="en-US" sz="1230" dirty="0" err="1" smtClean="0">
+              <a:t>2) </a:t>
+            </a:r>
+            <a:r>
+              <a:rPr lang="en-US" altLang="ko-KR" sz="1230" b="1" dirty="0" smtClean="0">
+                <a:latin typeface="LG Smart UI Regular" panose="020B0500000101010101" pitchFamily="50" charset="-127"/>
+                <a:ea typeface="LG Smart UI Regular" panose="020B0500000101010101" pitchFamily="50" charset="-127"/>
+              </a:rPr>
+              <a:t>//</a:t>
+            </a:r>
+            <a:r>
+              <a:rPr lang="ko-KR" altLang="en-US" sz="1230" b="1" dirty="0" err="1" smtClean="0">
                 <a:latin typeface="LG Smart UI Regular" panose="020B0500000101010101" pitchFamily="50" charset="-127"/>
                 <a:ea typeface="LG Smart UI Regular" panose="020B0500000101010101" pitchFamily="50" charset="-127"/>
               </a:rPr>
               <a:t>조건식</a:t>
             </a:r>
             <a:r>
-              <a:rPr lang="en-US" altLang="ko-KR" sz="1230" dirty="0" smtClean="0">
+              <a:rPr lang="en-US" altLang="ko-KR" sz="1230" b="1" dirty="0" smtClean="0">
                 <a:latin typeface="LG Smart UI Regular" panose="020B0500000101010101" pitchFamily="50" charset="-127"/>
                 <a:ea typeface="LG Smart UI Regular" panose="020B0500000101010101" pitchFamily="50" charset="-127"/>
               </a:rPr>
               <a:t>2</a:t>
             </a:r>
             <a:r>
-              <a:rPr lang="ko-KR" altLang="en-US" sz="1230" dirty="0" smtClean="0">
+              <a:rPr lang="ko-KR" altLang="en-US" sz="1230" b="1" dirty="0" smtClean="0">
                 <a:latin typeface="LG Smart UI Regular" panose="020B0500000101010101" pitchFamily="50" charset="-127"/>
                 <a:ea typeface="LG Smart UI Regular" panose="020B0500000101010101" pitchFamily="50" charset="-127"/>
               </a:rPr>
               <a:t>가 </a:t>
             </a:r>
             <a:r>
-              <a:rPr lang="en-US" altLang="ko-KR" sz="1230" dirty="0" smtClean="0">
+              <a:rPr lang="en-US" altLang="ko-KR" sz="1230" b="1" dirty="0" smtClean="0">
                 <a:latin typeface="LG Smart UI Regular" panose="020B0500000101010101" pitchFamily="50" charset="-127"/>
                 <a:ea typeface="LG Smart UI Regular" panose="020B0500000101010101" pitchFamily="50" charset="-127"/>
               </a:rPr>
               <a:t>false </a:t>
             </a:r>
             <a:r>
-              <a:rPr lang="ko-KR" altLang="en-US" sz="1230" dirty="0" smtClean="0">
+              <a:rPr lang="ko-KR" altLang="en-US" sz="1230" b="1" dirty="0" smtClean="0">
                 <a:latin typeface="LG Smart UI Regular" panose="020B0500000101010101" pitchFamily="50" charset="-127"/>
                 <a:ea typeface="LG Smart UI Regular" panose="020B0500000101010101" pitchFamily="50" charset="-127"/>
               </a:rPr>
               <a:t>이면 </a:t>
             </a:r>
             <a:r>
-              <a:rPr lang="en-US" altLang="ko-KR" sz="1230" dirty="0" err="1" smtClean="0">
+              <a:rPr lang="en-US" altLang="ko-KR" sz="1230" b="1" dirty="0" err="1" smtClean="0">
                 <a:latin typeface="LG Smart UI Regular" panose="020B0500000101010101" pitchFamily="50" charset="-127"/>
                 <a:ea typeface="LG Smart UI Regular" panose="020B0500000101010101" pitchFamily="50" charset="-127"/>
               </a:rPr>
               <a:t>do~while</a:t>
             </a:r>
             <a:r>
-              <a:rPr lang="ko-KR" altLang="en-US" sz="1230" dirty="0" smtClean="0">
+              <a:rPr lang="ko-KR" altLang="en-US" sz="1230" b="1" dirty="0" smtClean="0">
                 <a:latin typeface="LG Smart UI Regular" panose="020B0500000101010101" pitchFamily="50" charset="-127"/>
                 <a:ea typeface="LG Smart UI Regular" panose="020B0500000101010101" pitchFamily="50" charset="-127"/>
               </a:rPr>
               <a:t>문 종료</a:t>
             </a:r>
-            <a:endParaRPr lang="en-US" sz="1230" dirty="0" smtClean="0">
+            <a:endParaRPr lang="en-US" sz="1230" b="1" dirty="0" smtClean="0">
               <a:latin typeface="LG Smart UI Regular" panose="020B0500000101010101" pitchFamily="50" charset="-127"/>
               <a:ea typeface="LG Smart UI Regular" panose="020B0500000101010101" pitchFamily="50" charset="-127"/>
             </a:endParaRPr>

--- a/세미나 자료/C++ 세미나 두 번째.pptx
+++ b/세미나 자료/C++ 세미나 두 번째.pptx
@@ -11218,7 +11218,7 @@
         </p:nvSpPr>
         <p:spPr>
           <a:xfrm>
-            <a:off x="761836" y="3356844"/>
+            <a:off x="761835" y="3233019"/>
             <a:ext cx="8365385" cy="704051"/>
           </a:xfrm>
           <a:prstGeom prst="rect">
@@ -11363,6 +11363,95 @@
               </a:rPr>
               <a:t>.</a:t>
             </a:r>
+          </a:p>
+          <a:p>
+            <a:pPr marL="0" indent="0">
+              <a:lnSpc>
+                <a:spcPts val="1960"/>
+              </a:lnSpc>
+              <a:buNone/>
+            </a:pPr>
+            <a:r>
+              <a:rPr lang="ko-KR" altLang="en-US" sz="1225" dirty="0" smtClean="0">
+                <a:latin typeface="LG Smart UI Regular" panose="020B0500000101010101" pitchFamily="50" charset="-127"/>
+                <a:ea typeface="LG Smart UI Regular" panose="020B0500000101010101" pitchFamily="50" charset="-127"/>
+              </a:rPr>
+              <a:t>나머지 연산은 수학적으로 계산한다고 했을 때 나머지 값 </a:t>
+            </a:r>
+            <a:r>
+              <a:rPr lang="en-US" altLang="ko-KR" sz="1225" dirty="0" smtClean="0">
+                <a:latin typeface="LG Smart UI Regular" panose="020B0500000101010101" pitchFamily="50" charset="-127"/>
+                <a:ea typeface="LG Smart UI Regular" panose="020B0500000101010101" pitchFamily="50" charset="-127"/>
+              </a:rPr>
+              <a:t>= </a:t>
+            </a:r>
+            <a:r>
+              <a:rPr lang="ko-KR" altLang="en-US" sz="1225" dirty="0" smtClean="0">
+                <a:latin typeface="LG Smart UI Regular" panose="020B0500000101010101" pitchFamily="50" charset="-127"/>
+                <a:ea typeface="LG Smart UI Regular" panose="020B0500000101010101" pitchFamily="50" charset="-127"/>
+              </a:rPr>
+              <a:t>원래 값 </a:t>
+            </a:r>
+            <a:r>
+              <a:rPr lang="en-US" altLang="ko-KR" sz="1225" dirty="0" smtClean="0">
+                <a:latin typeface="LG Smart UI Regular" panose="020B0500000101010101" pitchFamily="50" charset="-127"/>
+                <a:ea typeface="LG Smart UI Regular" panose="020B0500000101010101" pitchFamily="50" charset="-127"/>
+              </a:rPr>
+              <a:t>– (</a:t>
+            </a:r>
+            <a:r>
+              <a:rPr lang="ko-KR" altLang="en-US" sz="1225" dirty="0" smtClean="0">
+                <a:latin typeface="LG Smart UI Regular" panose="020B0500000101010101" pitchFamily="50" charset="-127"/>
+                <a:ea typeface="LG Smart UI Regular" panose="020B0500000101010101" pitchFamily="50" charset="-127"/>
+              </a:rPr>
+              <a:t>나누려는 수 </a:t>
+            </a:r>
+            <a:r>
+              <a:rPr lang="en-US" altLang="ko-KR" sz="1225" dirty="0" smtClean="0">
+                <a:latin typeface="LG Smart UI Regular" panose="020B0500000101010101" pitchFamily="50" charset="-127"/>
+                <a:ea typeface="LG Smart UI Regular" panose="020B0500000101010101" pitchFamily="50" charset="-127"/>
+              </a:rPr>
+              <a:t>* </a:t>
+            </a:r>
+            <a:r>
+              <a:rPr lang="ko-KR" altLang="en-US" sz="1225" dirty="0" smtClean="0">
+                <a:latin typeface="LG Smart UI Regular" panose="020B0500000101010101" pitchFamily="50" charset="-127"/>
+                <a:ea typeface="LG Smart UI Regular" panose="020B0500000101010101" pitchFamily="50" charset="-127"/>
+              </a:rPr>
+              <a:t>몫</a:t>
+            </a:r>
+            <a:r>
+              <a:rPr lang="en-US" altLang="ko-KR" sz="1225" dirty="0" smtClean="0">
+                <a:latin typeface="LG Smart UI Regular" panose="020B0500000101010101" pitchFamily="50" charset="-127"/>
+                <a:ea typeface="LG Smart UI Regular" panose="020B0500000101010101" pitchFamily="50" charset="-127"/>
+              </a:rPr>
+              <a:t>) </a:t>
+            </a:r>
+            <a:r>
+              <a:rPr lang="ko-KR" altLang="en-US" sz="1225" dirty="0" smtClean="0">
+                <a:latin typeface="LG Smart UI Regular" panose="020B0500000101010101" pitchFamily="50" charset="-127"/>
+                <a:ea typeface="LG Smart UI Regular" panose="020B0500000101010101" pitchFamily="50" charset="-127"/>
+              </a:rPr>
+              <a:t>이다</a:t>
+            </a:r>
+            <a:r>
+              <a:rPr lang="en-US" altLang="ko-KR" sz="1225" dirty="0" smtClean="0">
+                <a:latin typeface="LG Smart UI Regular" panose="020B0500000101010101" pitchFamily="50" charset="-127"/>
+                <a:ea typeface="LG Smart UI Regular" panose="020B0500000101010101" pitchFamily="50" charset="-127"/>
+              </a:rPr>
+              <a:t>. </a:t>
+            </a:r>
+            <a:r>
+              <a:rPr lang="ko-KR" altLang="en-US" sz="1225" dirty="0" smtClean="0">
+                <a:latin typeface="LG Smart UI Regular" panose="020B0500000101010101" pitchFamily="50" charset="-127"/>
+                <a:ea typeface="LG Smart UI Regular" panose="020B0500000101010101" pitchFamily="50" charset="-127"/>
+              </a:rPr>
+              <a:t>그러므로 이것을 코드로 적용을 했을 때</a:t>
+            </a:r>
+            <a:endParaRPr lang="en-US" altLang="ko-KR" sz="1225" dirty="0" smtClean="0">
+              <a:latin typeface="LG Smart UI Regular" panose="020B0500000101010101" pitchFamily="50" charset="-127"/>
+              <a:ea typeface="LG Smart UI Regular" panose="020B0500000101010101" pitchFamily="50" charset="-127"/>
+            </a:endParaRPr>
           </a:p>
         </p:txBody>
       </p:sp>
@@ -11422,63 +11511,7 @@
                 <a:latin typeface="LG Smart UI Regular" panose="020B0500000101010101" pitchFamily="50" charset="-127"/>
                 <a:ea typeface="LG Smart UI Regular" panose="020B0500000101010101" pitchFamily="50" charset="-127"/>
               </a:rPr>
-              <a:t>다음 코드를 보면 원래 값 </a:t>
-            </a:r>
-            <a:r>
-              <a:rPr lang="en-US" altLang="ko-KR" sz="1225" dirty="0" smtClean="0">
-                <a:latin typeface="LG Smart UI Regular" panose="020B0500000101010101" pitchFamily="50" charset="-127"/>
-                <a:ea typeface="LG Smart UI Regular" panose="020B0500000101010101" pitchFamily="50" charset="-127"/>
-              </a:rPr>
-              <a:t>– (</a:t>
-            </a:r>
-            <a:r>
-              <a:rPr lang="ko-KR" altLang="en-US" sz="1225" dirty="0" smtClean="0">
-                <a:latin typeface="LG Smart UI Regular" panose="020B0500000101010101" pitchFamily="50" charset="-127"/>
-                <a:ea typeface="LG Smart UI Regular" panose="020B0500000101010101" pitchFamily="50" charset="-127"/>
-              </a:rPr>
-              <a:t>나누려는 수 </a:t>
-            </a:r>
-            <a:r>
-              <a:rPr lang="en-US" altLang="ko-KR" sz="1225" dirty="0" smtClean="0">
-                <a:latin typeface="LG Smart UI Regular" panose="020B0500000101010101" pitchFamily="50" charset="-127"/>
-                <a:ea typeface="LG Smart UI Regular" panose="020B0500000101010101" pitchFamily="50" charset="-127"/>
-              </a:rPr>
-              <a:t>* </a:t>
-            </a:r>
-            <a:r>
-              <a:rPr lang="ko-KR" altLang="en-US" sz="1225" dirty="0" smtClean="0">
-                <a:latin typeface="LG Smart UI Regular" panose="020B0500000101010101" pitchFamily="50" charset="-127"/>
-                <a:ea typeface="LG Smart UI Regular" panose="020B0500000101010101" pitchFamily="50" charset="-127"/>
-              </a:rPr>
-              <a:t>몫</a:t>
-            </a:r>
-            <a:r>
-              <a:rPr lang="en-US" altLang="ko-KR" sz="1225" dirty="0" smtClean="0">
-                <a:latin typeface="LG Smart UI Regular" panose="020B0500000101010101" pitchFamily="50" charset="-127"/>
-                <a:ea typeface="LG Smart UI Regular" panose="020B0500000101010101" pitchFamily="50" charset="-127"/>
-              </a:rPr>
-              <a:t>) </a:t>
-            </a:r>
-            <a:r>
-              <a:rPr lang="ko-KR" altLang="en-US" sz="1225" dirty="0" smtClean="0">
-                <a:latin typeface="LG Smart UI Regular" panose="020B0500000101010101" pitchFamily="50" charset="-127"/>
-                <a:ea typeface="LG Smart UI Regular" panose="020B0500000101010101" pitchFamily="50" charset="-127"/>
-              </a:rPr>
-              <a:t>형태가 된다</a:t>
-            </a:r>
-            <a:r>
-              <a:rPr lang="en-US" altLang="ko-KR" sz="1225" dirty="0" smtClean="0">
-                <a:latin typeface="LG Smart UI Regular" panose="020B0500000101010101" pitchFamily="50" charset="-127"/>
-                <a:ea typeface="LG Smart UI Regular" panose="020B0500000101010101" pitchFamily="50" charset="-127"/>
-              </a:rPr>
-              <a:t>. </a:t>
-            </a:r>
-            <a:r>
-              <a:rPr lang="ko-KR" altLang="en-US" sz="1225" dirty="0" smtClean="0">
-                <a:latin typeface="LG Smart UI Regular" panose="020B0500000101010101" pitchFamily="50" charset="-127"/>
-                <a:ea typeface="LG Smart UI Regular" panose="020B0500000101010101" pitchFamily="50" charset="-127"/>
-              </a:rPr>
-              <a:t>이렇게 한다면 나머지를 구할 수 있게 된다</a:t>
+              <a:t>위와 같이 코드로 정의 할 수 있다</a:t>
             </a:r>
             <a:r>
               <a:rPr lang="en-US" altLang="ko-KR" sz="1225" dirty="0" smtClean="0">
@@ -11487,6 +11520,10 @@
               </a:rPr>
               <a:t>.</a:t>
             </a:r>
+            <a:endParaRPr lang="en-US" altLang="ko-KR" sz="1225" dirty="0" smtClean="0">
+              <a:latin typeface="LG Smart UI Regular" panose="020B0500000101010101" pitchFamily="50" charset="-127"/>
+              <a:ea typeface="LG Smart UI Regular" panose="020B0500000101010101" pitchFamily="50" charset="-127"/>
+            </a:endParaRPr>
           </a:p>
         </p:txBody>
       </p:sp>

--- a/세미나 자료/C++ 세미나 두 번째.pptx
+++ b/세미나 자료/C++ 세미나 두 번째.pptx
@@ -10678,6 +10678,13 @@
   <p:clrMapOvr>
     <a:masterClrMapping/>
   </p:clrMapOvr>
+  <p:timing>
+    <p:tnLst>
+      <p:par>
+        <p:cTn id="1" dur="indefinite" restart="never" nodeType="tmRoot"/>
+      </p:par>
+    </p:tnLst>
+  </p:timing>
 </p:sld>
 </file>
 
@@ -11520,10 +11527,6 @@
               </a:rPr>
               <a:t>.</a:t>
             </a:r>
-            <a:endParaRPr lang="en-US" altLang="ko-KR" sz="1225" dirty="0" smtClean="0">
-              <a:latin typeface="LG Smart UI Regular" panose="020B0500000101010101" pitchFamily="50" charset="-127"/>
-              <a:ea typeface="LG Smart UI Regular" panose="020B0500000101010101" pitchFamily="50" charset="-127"/>
-            </a:endParaRPr>
           </a:p>
         </p:txBody>
       </p:sp>
@@ -11537,6 +11540,13 @@
   <p:clrMapOvr>
     <a:masterClrMapping/>
   </p:clrMapOvr>
+  <p:timing>
+    <p:tnLst>
+      <p:par>
+        <p:cTn id="1" dur="indefinite" restart="never" nodeType="tmRoot"/>
+      </p:par>
+    </p:tnLst>
+  </p:timing>
 </p:sld>
 </file>
 
@@ -12053,6 +12063,13 @@
   <p:clrMapOvr>
     <a:masterClrMapping/>
   </p:clrMapOvr>
+  <p:timing>
+    <p:tnLst>
+      <p:par>
+        <p:cTn id="1" dur="indefinite" restart="never" nodeType="tmRoot"/>
+      </p:par>
+    </p:tnLst>
+  </p:timing>
 </p:sld>
 </file>
 
@@ -13049,6 +13066,13 @@
   <p:clrMapOvr>
     <a:masterClrMapping/>
   </p:clrMapOvr>
+  <p:timing>
+    <p:tnLst>
+      <p:par>
+        <p:cTn id="1" dur="indefinite" restart="never" nodeType="tmRoot"/>
+      </p:par>
+    </p:tnLst>
+  </p:timing>
 </p:sld>
 </file>
 
@@ -14146,6 +14170,13 @@
   <p:clrMapOvr>
     <a:masterClrMapping/>
   </p:clrMapOvr>
+  <p:timing>
+    <p:tnLst>
+      <p:par>
+        <p:cTn id="1" dur="indefinite" restart="never" nodeType="tmRoot"/>
+      </p:par>
+    </p:tnLst>
+  </p:timing>
 </p:sld>
 </file>
 
@@ -22596,32 +22627,18 @@
               <a:t>, </a:t>
             </a:r>
             <a:r>
-              <a:rPr lang="ko-KR" altLang="en-US" sz="1225" b="1" dirty="0" err="1" smtClean="0">
-                <a:latin typeface="LG Smart UI Regular" panose="020B0500000101010101" pitchFamily="50" charset="-127"/>
-                <a:ea typeface="LG Smart UI Regular" panose="020B0500000101010101" pitchFamily="50" charset="-127"/>
-              </a:rPr>
-              <a:t>주소값에</a:t>
-            </a:r>
-            <a:r>
               <a:rPr lang="ko-KR" altLang="en-US" sz="1225" b="1" dirty="0" smtClean="0">
                 <a:latin typeface="LG Smart UI Regular" panose="020B0500000101010101" pitchFamily="50" charset="-127"/>
                 <a:ea typeface="LG Smart UI Regular" panose="020B0500000101010101" pitchFamily="50" charset="-127"/>
               </a:rPr>
-              <a:t> </a:t>
-            </a:r>
-            <a:r>
-              <a:rPr lang="ko-KR" altLang="en-US" sz="1225" b="1" dirty="0" err="1" smtClean="0">
-                <a:latin typeface="LG Smart UI Regular" panose="020B0500000101010101" pitchFamily="50" charset="-127"/>
-                <a:ea typeface="LG Smart UI Regular" panose="020B0500000101010101" pitchFamily="50" charset="-127"/>
-              </a:rPr>
-              <a:t>해당ㅇ하는</a:t>
+              <a:t>주소 값에 해당하는 </a:t>
             </a:r>
             <a:r>
               <a:rPr lang="ko-KR" altLang="en-US" sz="1225" b="1" dirty="0" smtClean="0">
                 <a:latin typeface="LG Smart UI Regular" panose="020B0500000101010101" pitchFamily="50" charset="-127"/>
                 <a:ea typeface="LG Smart UI Regular" panose="020B0500000101010101" pitchFamily="50" charset="-127"/>
               </a:rPr>
-              <a:t> 값을 변경하게 되면 </a:t>
+              <a:t>값을 변경하게 되면 </a:t>
             </a:r>
             <a:r>
               <a:rPr lang="en-US" altLang="ko-KR" sz="1225" b="1" dirty="0" smtClean="0">
@@ -25880,7 +25897,14 @@
                 <a:latin typeface="LG Smart UI Regular" panose="020B0500000101010101" pitchFamily="50" charset="-127"/>
                 <a:ea typeface="LG Smart UI Regular" panose="020B0500000101010101" pitchFamily="50" charset="-127"/>
               </a:rPr>
-              <a:t>지역변수 </a:t>
+              <a:t>전</a:t>
+            </a:r>
+            <a:r>
+              <a:rPr lang="ko-KR" altLang="en-US" sz="1500" b="1" dirty="0" smtClean="0">
+                <a:latin typeface="LG Smart UI Regular" panose="020B0500000101010101" pitchFamily="50" charset="-127"/>
+                <a:ea typeface="LG Smart UI Regular" panose="020B0500000101010101" pitchFamily="50" charset="-127"/>
+              </a:rPr>
+              <a:t>역변수 </a:t>
             </a:r>
             <a:r>
               <a:rPr lang="en-US" altLang="ko-KR" sz="1500" b="1" dirty="0" err="1" smtClean="0">
@@ -27804,14 +27828,21 @@
                 <a:latin typeface="LG Smart UI Regular" panose="020B0500000101010101" pitchFamily="50" charset="-127"/>
                 <a:ea typeface="LG Smart UI Regular" panose="020B0500000101010101" pitchFamily="50" charset="-127"/>
               </a:rPr>
-              <a:t>함수내에서</a:t>
+              <a:t>함수내</a:t>
             </a:r>
             <a:r>
               <a:rPr lang="ko-KR" altLang="en-US" sz="1430" dirty="0" smtClean="0">
                 <a:latin typeface="LG Smart UI Regular" panose="020B0500000101010101" pitchFamily="50" charset="-127"/>
                 <a:ea typeface="LG Smart UI Regular" panose="020B0500000101010101" pitchFamily="50" charset="-127"/>
               </a:rPr>
-              <a:t> 변경하게 되면 </a:t>
+              <a:t> 에서 </a:t>
+            </a:r>
+            <a:r>
+              <a:rPr lang="ko-KR" altLang="en-US" sz="1430" dirty="0" smtClean="0">
+                <a:latin typeface="LG Smart UI Regular" panose="020B0500000101010101" pitchFamily="50" charset="-127"/>
+                <a:ea typeface="LG Smart UI Regular" panose="020B0500000101010101" pitchFamily="50" charset="-127"/>
+              </a:rPr>
+              <a:t>변경하게 되면 </a:t>
             </a:r>
             <a:r>
               <a:rPr lang="en-US" altLang="ko-KR" sz="1430" dirty="0" smtClean="0">
